--- a/git및github첫걸음6-정리중.pptx
+++ b/git및github첫걸음6-정리중.pptx
@@ -5,7 +5,7 @@
     <p:sldMasterId id="2147483660" r:id="rId1"/>
   </p:sldMasterIdLst>
   <p:notesMasterIdLst>
-    <p:notesMasterId r:id="rId20"/>
+    <p:notesMasterId r:id="rId36"/>
   </p:notesMasterIdLst>
   <p:sldIdLst>
     <p:sldId id="369" r:id="rId2"/>
@@ -26,6 +26,22 @@
     <p:sldId id="443" r:id="rId17"/>
     <p:sldId id="444" r:id="rId18"/>
     <p:sldId id="445" r:id="rId19"/>
+    <p:sldId id="461" r:id="rId20"/>
+    <p:sldId id="462" r:id="rId21"/>
+    <p:sldId id="463" r:id="rId22"/>
+    <p:sldId id="464" r:id="rId23"/>
+    <p:sldId id="465" r:id="rId24"/>
+    <p:sldId id="466" r:id="rId25"/>
+    <p:sldId id="467" r:id="rId26"/>
+    <p:sldId id="468" r:id="rId27"/>
+    <p:sldId id="469" r:id="rId28"/>
+    <p:sldId id="470" r:id="rId29"/>
+    <p:sldId id="471" r:id="rId30"/>
+    <p:sldId id="472" r:id="rId31"/>
+    <p:sldId id="473" r:id="rId32"/>
+    <p:sldId id="474" r:id="rId33"/>
+    <p:sldId id="475" r:id="rId34"/>
+    <p:sldId id="476" r:id="rId35"/>
   </p:sldIdLst>
   <p:sldSz cx="9144000" cy="6858000" type="screen4x3"/>
   <p:notesSz cx="6858000" cy="9144000"/>
@@ -225,7 +241,7 @@
           <a:p>
             <a:fld id="{A17B9194-BDE3-40E3-983E-94CE6FA773AF}" type="datetimeFigureOut">
               <a:rPr lang="ko-KR" altLang="en-US" smtClean="0"/>
-              <a:t>2021-04-06</a:t>
+              <a:t>2021-04-11</a:t>
             </a:fld>
             <a:endParaRPr lang="ko-KR" altLang="en-US"/>
           </a:p>
@@ -1080,6 +1096,342 @@
 </p:notes>
 </file>
 
+<file path=ppt/notesSlides/notesSlide16.xml><?xml version="1.0" encoding="utf-8"?>
+<p:notes xmlns:a="http://schemas.openxmlformats.org/drawingml/2006/main" xmlns:r="http://schemas.openxmlformats.org/officeDocument/2006/relationships" xmlns:p="http://schemas.openxmlformats.org/presentationml/2006/main">
+  <p:cSld>
+    <p:spTree>
+      <p:nvGrpSpPr>
+        <p:cNvPr id="1" name=""/>
+        <p:cNvGrpSpPr/>
+        <p:nvPr/>
+      </p:nvGrpSpPr>
+      <p:grpSpPr>
+        <a:xfrm>
+          <a:off x="0" y="0"/>
+          <a:ext cx="0" cy="0"/>
+          <a:chOff x="0" y="0"/>
+          <a:chExt cx="0" cy="0"/>
+        </a:xfrm>
+      </p:grpSpPr>
+      <p:sp>
+        <p:nvSpPr>
+          <p:cNvPr id="2" name="슬라이드 이미지 개체 틀 1"/>
+          <p:cNvSpPr>
+            <a:spLocks noGrp="1" noRot="1" noChangeAspect="1"/>
+          </p:cNvSpPr>
+          <p:nvPr>
+            <p:ph type="sldImg"/>
+          </p:nvPr>
+        </p:nvSpPr>
+        <p:spPr/>
+      </p:sp>
+      <p:sp>
+        <p:nvSpPr>
+          <p:cNvPr id="3" name="슬라이드 노트 개체 틀 2"/>
+          <p:cNvSpPr>
+            <a:spLocks noGrp="1"/>
+          </p:cNvSpPr>
+          <p:nvPr>
+            <p:ph type="body" idx="1"/>
+          </p:nvPr>
+        </p:nvSpPr>
+        <p:spPr/>
+        <p:txBody>
+          <a:bodyPr/>
+          <a:lstStyle/>
+          <a:p>
+            <a:endParaRPr lang="ko-KR" altLang="en-US" dirty="0"/>
+          </a:p>
+        </p:txBody>
+      </p:sp>
+      <p:sp>
+        <p:nvSpPr>
+          <p:cNvPr id="4" name="슬라이드 번호 개체 틀 3"/>
+          <p:cNvSpPr>
+            <a:spLocks noGrp="1"/>
+          </p:cNvSpPr>
+          <p:nvPr>
+            <p:ph type="sldNum" sz="quarter" idx="10"/>
+          </p:nvPr>
+        </p:nvSpPr>
+        <p:spPr/>
+        <p:txBody>
+          <a:bodyPr/>
+          <a:lstStyle/>
+          <a:p>
+            <a:fld id="{625D4AC4-540A-4436-887D-BF6A8FCF1275}" type="slidenum">
+              <a:rPr lang="ko-KR" altLang="en-US" smtClean="0"/>
+              <a:t>19</a:t>
+            </a:fld>
+            <a:endParaRPr lang="ko-KR" altLang="en-US"/>
+          </a:p>
+        </p:txBody>
+      </p:sp>
+    </p:spTree>
+    <p:extLst>
+      <p:ext uri="{BB962C8B-B14F-4D97-AF65-F5344CB8AC3E}">
+        <p14:creationId xmlns:p14="http://schemas.microsoft.com/office/powerpoint/2010/main" val="3994284007"/>
+      </p:ext>
+    </p:extLst>
+  </p:cSld>
+  <p:clrMapOvr>
+    <a:masterClrMapping/>
+  </p:clrMapOvr>
+</p:notes>
+</file>
+
+<file path=ppt/notesSlides/notesSlide17.xml><?xml version="1.0" encoding="utf-8"?>
+<p:notes xmlns:a="http://schemas.openxmlformats.org/drawingml/2006/main" xmlns:r="http://schemas.openxmlformats.org/officeDocument/2006/relationships" xmlns:p="http://schemas.openxmlformats.org/presentationml/2006/main">
+  <p:cSld>
+    <p:spTree>
+      <p:nvGrpSpPr>
+        <p:cNvPr id="1" name=""/>
+        <p:cNvGrpSpPr/>
+        <p:nvPr/>
+      </p:nvGrpSpPr>
+      <p:grpSpPr>
+        <a:xfrm>
+          <a:off x="0" y="0"/>
+          <a:ext cx="0" cy="0"/>
+          <a:chOff x="0" y="0"/>
+          <a:chExt cx="0" cy="0"/>
+        </a:xfrm>
+      </p:grpSpPr>
+      <p:sp>
+        <p:nvSpPr>
+          <p:cNvPr id="2" name="슬라이드 이미지 개체 틀 1"/>
+          <p:cNvSpPr>
+            <a:spLocks noGrp="1" noRot="1" noChangeAspect="1"/>
+          </p:cNvSpPr>
+          <p:nvPr>
+            <p:ph type="sldImg"/>
+          </p:nvPr>
+        </p:nvSpPr>
+        <p:spPr/>
+      </p:sp>
+      <p:sp>
+        <p:nvSpPr>
+          <p:cNvPr id="3" name="슬라이드 노트 개체 틀 2"/>
+          <p:cNvSpPr>
+            <a:spLocks noGrp="1"/>
+          </p:cNvSpPr>
+          <p:nvPr>
+            <p:ph type="body" idx="1"/>
+          </p:nvPr>
+        </p:nvSpPr>
+        <p:spPr/>
+        <p:txBody>
+          <a:bodyPr/>
+          <a:lstStyle/>
+          <a:p>
+            <a:endParaRPr lang="ko-KR" altLang="en-US" dirty="0"/>
+          </a:p>
+        </p:txBody>
+      </p:sp>
+      <p:sp>
+        <p:nvSpPr>
+          <p:cNvPr id="4" name="슬라이드 번호 개체 틀 3"/>
+          <p:cNvSpPr>
+            <a:spLocks noGrp="1"/>
+          </p:cNvSpPr>
+          <p:nvPr>
+            <p:ph type="sldNum" sz="quarter" idx="10"/>
+          </p:nvPr>
+        </p:nvSpPr>
+        <p:spPr/>
+        <p:txBody>
+          <a:bodyPr/>
+          <a:lstStyle/>
+          <a:p>
+            <a:fld id="{625D4AC4-540A-4436-887D-BF6A8FCF1275}" type="slidenum">
+              <a:rPr lang="ko-KR" altLang="en-US" smtClean="0"/>
+              <a:t>27</a:t>
+            </a:fld>
+            <a:endParaRPr lang="ko-KR" altLang="en-US"/>
+          </a:p>
+        </p:txBody>
+      </p:sp>
+    </p:spTree>
+    <p:extLst>
+      <p:ext uri="{BB962C8B-B14F-4D97-AF65-F5344CB8AC3E}">
+        <p14:creationId xmlns:p14="http://schemas.microsoft.com/office/powerpoint/2010/main" val="3937997273"/>
+      </p:ext>
+    </p:extLst>
+  </p:cSld>
+  <p:clrMapOvr>
+    <a:masterClrMapping/>
+  </p:clrMapOvr>
+</p:notes>
+</file>
+
+<file path=ppt/notesSlides/notesSlide18.xml><?xml version="1.0" encoding="utf-8"?>
+<p:notes xmlns:a="http://schemas.openxmlformats.org/drawingml/2006/main" xmlns:r="http://schemas.openxmlformats.org/officeDocument/2006/relationships" xmlns:p="http://schemas.openxmlformats.org/presentationml/2006/main">
+  <p:cSld>
+    <p:spTree>
+      <p:nvGrpSpPr>
+        <p:cNvPr id="1" name=""/>
+        <p:cNvGrpSpPr/>
+        <p:nvPr/>
+      </p:nvGrpSpPr>
+      <p:grpSpPr>
+        <a:xfrm>
+          <a:off x="0" y="0"/>
+          <a:ext cx="0" cy="0"/>
+          <a:chOff x="0" y="0"/>
+          <a:chExt cx="0" cy="0"/>
+        </a:xfrm>
+      </p:grpSpPr>
+      <p:sp>
+        <p:nvSpPr>
+          <p:cNvPr id="2" name="슬라이드 이미지 개체 틀 1"/>
+          <p:cNvSpPr>
+            <a:spLocks noGrp="1" noRot="1" noChangeAspect="1"/>
+          </p:cNvSpPr>
+          <p:nvPr>
+            <p:ph type="sldImg"/>
+          </p:nvPr>
+        </p:nvSpPr>
+        <p:spPr/>
+      </p:sp>
+      <p:sp>
+        <p:nvSpPr>
+          <p:cNvPr id="3" name="슬라이드 노트 개체 틀 2"/>
+          <p:cNvSpPr>
+            <a:spLocks noGrp="1"/>
+          </p:cNvSpPr>
+          <p:nvPr>
+            <p:ph type="body" idx="1"/>
+          </p:nvPr>
+        </p:nvSpPr>
+        <p:spPr/>
+        <p:txBody>
+          <a:bodyPr/>
+          <a:lstStyle/>
+          <a:p>
+            <a:endParaRPr lang="ko-KR" altLang="en-US" dirty="0"/>
+          </a:p>
+        </p:txBody>
+      </p:sp>
+      <p:sp>
+        <p:nvSpPr>
+          <p:cNvPr id="4" name="슬라이드 번호 개체 틀 3"/>
+          <p:cNvSpPr>
+            <a:spLocks noGrp="1"/>
+          </p:cNvSpPr>
+          <p:nvPr>
+            <p:ph type="sldNum" sz="quarter" idx="10"/>
+          </p:nvPr>
+        </p:nvSpPr>
+        <p:spPr/>
+        <p:txBody>
+          <a:bodyPr/>
+          <a:lstStyle/>
+          <a:p>
+            <a:fld id="{625D4AC4-540A-4436-887D-BF6A8FCF1275}" type="slidenum">
+              <a:rPr lang="ko-KR" altLang="en-US" smtClean="0"/>
+              <a:t>28</a:t>
+            </a:fld>
+            <a:endParaRPr lang="ko-KR" altLang="en-US"/>
+          </a:p>
+        </p:txBody>
+      </p:sp>
+    </p:spTree>
+    <p:extLst>
+      <p:ext uri="{BB962C8B-B14F-4D97-AF65-F5344CB8AC3E}">
+        <p14:creationId xmlns:p14="http://schemas.microsoft.com/office/powerpoint/2010/main" val="237493999"/>
+      </p:ext>
+    </p:extLst>
+  </p:cSld>
+  <p:clrMapOvr>
+    <a:masterClrMapping/>
+  </p:clrMapOvr>
+</p:notes>
+</file>
+
+<file path=ppt/notesSlides/notesSlide19.xml><?xml version="1.0" encoding="utf-8"?>
+<p:notes xmlns:a="http://schemas.openxmlformats.org/drawingml/2006/main" xmlns:r="http://schemas.openxmlformats.org/officeDocument/2006/relationships" xmlns:p="http://schemas.openxmlformats.org/presentationml/2006/main">
+  <p:cSld>
+    <p:spTree>
+      <p:nvGrpSpPr>
+        <p:cNvPr id="1" name=""/>
+        <p:cNvGrpSpPr/>
+        <p:nvPr/>
+      </p:nvGrpSpPr>
+      <p:grpSpPr>
+        <a:xfrm>
+          <a:off x="0" y="0"/>
+          <a:ext cx="0" cy="0"/>
+          <a:chOff x="0" y="0"/>
+          <a:chExt cx="0" cy="0"/>
+        </a:xfrm>
+      </p:grpSpPr>
+      <p:sp>
+        <p:nvSpPr>
+          <p:cNvPr id="2" name="슬라이드 이미지 개체 틀 1"/>
+          <p:cNvSpPr>
+            <a:spLocks noGrp="1" noRot="1" noChangeAspect="1"/>
+          </p:cNvSpPr>
+          <p:nvPr>
+            <p:ph type="sldImg"/>
+          </p:nvPr>
+        </p:nvSpPr>
+        <p:spPr/>
+      </p:sp>
+      <p:sp>
+        <p:nvSpPr>
+          <p:cNvPr id="3" name="슬라이드 노트 개체 틀 2"/>
+          <p:cNvSpPr>
+            <a:spLocks noGrp="1"/>
+          </p:cNvSpPr>
+          <p:nvPr>
+            <p:ph type="body" idx="1"/>
+          </p:nvPr>
+        </p:nvSpPr>
+        <p:spPr/>
+        <p:txBody>
+          <a:bodyPr/>
+          <a:lstStyle/>
+          <a:p>
+            <a:endParaRPr lang="ko-KR" altLang="en-US" dirty="0"/>
+          </a:p>
+        </p:txBody>
+      </p:sp>
+      <p:sp>
+        <p:nvSpPr>
+          <p:cNvPr id="4" name="슬라이드 번호 개체 틀 3"/>
+          <p:cNvSpPr>
+            <a:spLocks noGrp="1"/>
+          </p:cNvSpPr>
+          <p:nvPr>
+            <p:ph type="sldNum" sz="quarter" idx="10"/>
+          </p:nvPr>
+        </p:nvSpPr>
+        <p:spPr/>
+        <p:txBody>
+          <a:bodyPr/>
+          <a:lstStyle/>
+          <a:p>
+            <a:fld id="{625D4AC4-540A-4436-887D-BF6A8FCF1275}" type="slidenum">
+              <a:rPr lang="ko-KR" altLang="en-US" smtClean="0"/>
+              <a:t>29</a:t>
+            </a:fld>
+            <a:endParaRPr lang="ko-KR" altLang="en-US"/>
+          </a:p>
+        </p:txBody>
+      </p:sp>
+    </p:spTree>
+    <p:extLst>
+      <p:ext uri="{BB962C8B-B14F-4D97-AF65-F5344CB8AC3E}">
+        <p14:creationId xmlns:p14="http://schemas.microsoft.com/office/powerpoint/2010/main" val="3251561721"/>
+      </p:ext>
+    </p:extLst>
+  </p:cSld>
+  <p:clrMapOvr>
+    <a:masterClrMapping/>
+  </p:clrMapOvr>
+</p:notes>
+</file>
+
 <file path=ppt/notesSlides/notesSlide2.xml><?xml version="1.0" encoding="utf-8"?>
 <p:notes xmlns:a="http://schemas.openxmlformats.org/drawingml/2006/main" xmlns:r="http://schemas.openxmlformats.org/officeDocument/2006/relationships" xmlns:p="http://schemas.openxmlformats.org/presentationml/2006/main">
   <p:cSld>
@@ -1155,6 +1507,258 @@
     <p:extLst>
       <p:ext uri="{BB962C8B-B14F-4D97-AF65-F5344CB8AC3E}">
         <p14:creationId xmlns:p14="http://schemas.microsoft.com/office/powerpoint/2010/main" val="229820094"/>
+      </p:ext>
+    </p:extLst>
+  </p:cSld>
+  <p:clrMapOvr>
+    <a:masterClrMapping/>
+  </p:clrMapOvr>
+</p:notes>
+</file>
+
+<file path=ppt/notesSlides/notesSlide20.xml><?xml version="1.0" encoding="utf-8"?>
+<p:notes xmlns:a="http://schemas.openxmlformats.org/drawingml/2006/main" xmlns:r="http://schemas.openxmlformats.org/officeDocument/2006/relationships" xmlns:p="http://schemas.openxmlformats.org/presentationml/2006/main">
+  <p:cSld>
+    <p:spTree>
+      <p:nvGrpSpPr>
+        <p:cNvPr id="1" name=""/>
+        <p:cNvGrpSpPr/>
+        <p:nvPr/>
+      </p:nvGrpSpPr>
+      <p:grpSpPr>
+        <a:xfrm>
+          <a:off x="0" y="0"/>
+          <a:ext cx="0" cy="0"/>
+          <a:chOff x="0" y="0"/>
+          <a:chExt cx="0" cy="0"/>
+        </a:xfrm>
+      </p:grpSpPr>
+      <p:sp>
+        <p:nvSpPr>
+          <p:cNvPr id="2" name="슬라이드 이미지 개체 틀 1"/>
+          <p:cNvSpPr>
+            <a:spLocks noGrp="1" noRot="1" noChangeAspect="1"/>
+          </p:cNvSpPr>
+          <p:nvPr>
+            <p:ph type="sldImg"/>
+          </p:nvPr>
+        </p:nvSpPr>
+        <p:spPr/>
+      </p:sp>
+      <p:sp>
+        <p:nvSpPr>
+          <p:cNvPr id="3" name="슬라이드 노트 개체 틀 2"/>
+          <p:cNvSpPr>
+            <a:spLocks noGrp="1"/>
+          </p:cNvSpPr>
+          <p:nvPr>
+            <p:ph type="body" idx="1"/>
+          </p:nvPr>
+        </p:nvSpPr>
+        <p:spPr/>
+        <p:txBody>
+          <a:bodyPr/>
+          <a:lstStyle/>
+          <a:p>
+            <a:endParaRPr lang="ko-KR" altLang="en-US" dirty="0"/>
+          </a:p>
+        </p:txBody>
+      </p:sp>
+      <p:sp>
+        <p:nvSpPr>
+          <p:cNvPr id="4" name="슬라이드 번호 개체 틀 3"/>
+          <p:cNvSpPr>
+            <a:spLocks noGrp="1"/>
+          </p:cNvSpPr>
+          <p:nvPr>
+            <p:ph type="sldNum" sz="quarter" idx="10"/>
+          </p:nvPr>
+        </p:nvSpPr>
+        <p:spPr/>
+        <p:txBody>
+          <a:bodyPr/>
+          <a:lstStyle/>
+          <a:p>
+            <a:fld id="{625D4AC4-540A-4436-887D-BF6A8FCF1275}" type="slidenum">
+              <a:rPr lang="ko-KR" altLang="en-US" smtClean="0"/>
+              <a:t>30</a:t>
+            </a:fld>
+            <a:endParaRPr lang="ko-KR" altLang="en-US"/>
+          </a:p>
+        </p:txBody>
+      </p:sp>
+    </p:spTree>
+    <p:extLst>
+      <p:ext uri="{BB962C8B-B14F-4D97-AF65-F5344CB8AC3E}">
+        <p14:creationId xmlns:p14="http://schemas.microsoft.com/office/powerpoint/2010/main" val="2922978514"/>
+      </p:ext>
+    </p:extLst>
+  </p:cSld>
+  <p:clrMapOvr>
+    <a:masterClrMapping/>
+  </p:clrMapOvr>
+</p:notes>
+</file>
+
+<file path=ppt/notesSlides/notesSlide21.xml><?xml version="1.0" encoding="utf-8"?>
+<p:notes xmlns:a="http://schemas.openxmlformats.org/drawingml/2006/main" xmlns:r="http://schemas.openxmlformats.org/officeDocument/2006/relationships" xmlns:p="http://schemas.openxmlformats.org/presentationml/2006/main">
+  <p:cSld>
+    <p:spTree>
+      <p:nvGrpSpPr>
+        <p:cNvPr id="1" name=""/>
+        <p:cNvGrpSpPr/>
+        <p:nvPr/>
+      </p:nvGrpSpPr>
+      <p:grpSpPr>
+        <a:xfrm>
+          <a:off x="0" y="0"/>
+          <a:ext cx="0" cy="0"/>
+          <a:chOff x="0" y="0"/>
+          <a:chExt cx="0" cy="0"/>
+        </a:xfrm>
+      </p:grpSpPr>
+      <p:sp>
+        <p:nvSpPr>
+          <p:cNvPr id="2" name="슬라이드 이미지 개체 틀 1"/>
+          <p:cNvSpPr>
+            <a:spLocks noGrp="1" noRot="1" noChangeAspect="1"/>
+          </p:cNvSpPr>
+          <p:nvPr>
+            <p:ph type="sldImg"/>
+          </p:nvPr>
+        </p:nvSpPr>
+        <p:spPr/>
+      </p:sp>
+      <p:sp>
+        <p:nvSpPr>
+          <p:cNvPr id="3" name="슬라이드 노트 개체 틀 2"/>
+          <p:cNvSpPr>
+            <a:spLocks noGrp="1"/>
+          </p:cNvSpPr>
+          <p:nvPr>
+            <p:ph type="body" idx="1"/>
+          </p:nvPr>
+        </p:nvSpPr>
+        <p:spPr/>
+        <p:txBody>
+          <a:bodyPr/>
+          <a:lstStyle/>
+          <a:p>
+            <a:endParaRPr lang="ko-KR" altLang="en-US" dirty="0"/>
+          </a:p>
+        </p:txBody>
+      </p:sp>
+      <p:sp>
+        <p:nvSpPr>
+          <p:cNvPr id="4" name="슬라이드 번호 개체 틀 3"/>
+          <p:cNvSpPr>
+            <a:spLocks noGrp="1"/>
+          </p:cNvSpPr>
+          <p:nvPr>
+            <p:ph type="sldNum" sz="quarter" idx="10"/>
+          </p:nvPr>
+        </p:nvSpPr>
+        <p:spPr/>
+        <p:txBody>
+          <a:bodyPr/>
+          <a:lstStyle/>
+          <a:p>
+            <a:fld id="{625D4AC4-540A-4436-887D-BF6A8FCF1275}" type="slidenum">
+              <a:rPr lang="ko-KR" altLang="en-US" smtClean="0"/>
+              <a:t>31</a:t>
+            </a:fld>
+            <a:endParaRPr lang="ko-KR" altLang="en-US"/>
+          </a:p>
+        </p:txBody>
+      </p:sp>
+    </p:spTree>
+    <p:extLst>
+      <p:ext uri="{BB962C8B-B14F-4D97-AF65-F5344CB8AC3E}">
+        <p14:creationId xmlns:p14="http://schemas.microsoft.com/office/powerpoint/2010/main" val="2610742672"/>
+      </p:ext>
+    </p:extLst>
+  </p:cSld>
+  <p:clrMapOvr>
+    <a:masterClrMapping/>
+  </p:clrMapOvr>
+</p:notes>
+</file>
+
+<file path=ppt/notesSlides/notesSlide22.xml><?xml version="1.0" encoding="utf-8"?>
+<p:notes xmlns:a="http://schemas.openxmlformats.org/drawingml/2006/main" xmlns:r="http://schemas.openxmlformats.org/officeDocument/2006/relationships" xmlns:p="http://schemas.openxmlformats.org/presentationml/2006/main">
+  <p:cSld>
+    <p:spTree>
+      <p:nvGrpSpPr>
+        <p:cNvPr id="1" name=""/>
+        <p:cNvGrpSpPr/>
+        <p:nvPr/>
+      </p:nvGrpSpPr>
+      <p:grpSpPr>
+        <a:xfrm>
+          <a:off x="0" y="0"/>
+          <a:ext cx="0" cy="0"/>
+          <a:chOff x="0" y="0"/>
+          <a:chExt cx="0" cy="0"/>
+        </a:xfrm>
+      </p:grpSpPr>
+      <p:sp>
+        <p:nvSpPr>
+          <p:cNvPr id="2" name="슬라이드 이미지 개체 틀 1"/>
+          <p:cNvSpPr>
+            <a:spLocks noGrp="1" noRot="1" noChangeAspect="1"/>
+          </p:cNvSpPr>
+          <p:nvPr>
+            <p:ph type="sldImg"/>
+          </p:nvPr>
+        </p:nvSpPr>
+        <p:spPr/>
+      </p:sp>
+      <p:sp>
+        <p:nvSpPr>
+          <p:cNvPr id="3" name="슬라이드 노트 개체 틀 2"/>
+          <p:cNvSpPr>
+            <a:spLocks noGrp="1"/>
+          </p:cNvSpPr>
+          <p:nvPr>
+            <p:ph type="body" idx="1"/>
+          </p:nvPr>
+        </p:nvSpPr>
+        <p:spPr/>
+        <p:txBody>
+          <a:bodyPr/>
+          <a:lstStyle/>
+          <a:p>
+            <a:endParaRPr lang="ko-KR" altLang="en-US" dirty="0"/>
+          </a:p>
+        </p:txBody>
+      </p:sp>
+      <p:sp>
+        <p:nvSpPr>
+          <p:cNvPr id="4" name="슬라이드 번호 개체 틀 3"/>
+          <p:cNvSpPr>
+            <a:spLocks noGrp="1"/>
+          </p:cNvSpPr>
+          <p:nvPr>
+            <p:ph type="sldNum" sz="quarter" idx="10"/>
+          </p:nvPr>
+        </p:nvSpPr>
+        <p:spPr/>
+        <p:txBody>
+          <a:bodyPr/>
+          <a:lstStyle/>
+          <a:p>
+            <a:fld id="{625D4AC4-540A-4436-887D-BF6A8FCF1275}" type="slidenum">
+              <a:rPr lang="ko-KR" altLang="en-US" smtClean="0"/>
+              <a:t>34</a:t>
+            </a:fld>
+            <a:endParaRPr lang="ko-KR" altLang="en-US"/>
+          </a:p>
+        </p:txBody>
+      </p:sp>
+    </p:spTree>
+    <p:extLst>
+      <p:ext uri="{BB962C8B-B14F-4D97-AF65-F5344CB8AC3E}">
+        <p14:creationId xmlns:p14="http://schemas.microsoft.com/office/powerpoint/2010/main" val="3113365239"/>
       </p:ext>
     </p:extLst>
   </p:cSld>
@@ -2315,7 +2919,7 @@
           <a:p>
             <a:fld id="{30E72A5D-AC2D-4154-80BD-D3C3745E4EB5}" type="datetimeFigureOut">
               <a:rPr lang="ko-KR" altLang="en-US" smtClean="0"/>
-              <a:t>2021-04-06</a:t>
+              <a:t>2021-04-11</a:t>
             </a:fld>
             <a:endParaRPr lang="ko-KR" altLang="en-US"/>
           </a:p>
@@ -2528,7 +3132,7 @@
           <a:p>
             <a:fld id="{30E72A5D-AC2D-4154-80BD-D3C3745E4EB5}" type="datetimeFigureOut">
               <a:rPr lang="ko-KR" altLang="en-US" smtClean="0"/>
-              <a:t>2021-04-06</a:t>
+              <a:t>2021-04-11</a:t>
             </a:fld>
             <a:endParaRPr lang="ko-KR" altLang="en-US"/>
           </a:p>
@@ -8837,6 +9441,780 @@
 </p:sld>
 </file>
 
+<file path=ppt/slides/slide19.xml><?xml version="1.0" encoding="utf-8"?>
+<p:sld xmlns:a="http://schemas.openxmlformats.org/drawingml/2006/main" xmlns:r="http://schemas.openxmlformats.org/officeDocument/2006/relationships" xmlns:p="http://schemas.openxmlformats.org/presentationml/2006/main">
+  <p:cSld>
+    <p:spTree>
+      <p:nvGrpSpPr>
+        <p:cNvPr id="1" name=""/>
+        <p:cNvGrpSpPr/>
+        <p:nvPr/>
+      </p:nvGrpSpPr>
+      <p:grpSpPr>
+        <a:xfrm>
+          <a:off x="0" y="0"/>
+          <a:ext cx="0" cy="0"/>
+          <a:chOff x="0" y="0"/>
+          <a:chExt cx="0" cy="0"/>
+        </a:xfrm>
+      </p:grpSpPr>
+      <p:sp>
+        <p:nvSpPr>
+          <p:cNvPr id="4" name="제목 3">
+            <a:extLst>
+              <a:ext uri="{FF2B5EF4-FFF2-40B4-BE49-F238E27FC236}">
+                <a16:creationId xmlns:a16="http://schemas.microsoft.com/office/drawing/2014/main" id="{F0CEB32B-CB43-4410-BA08-A97E4BC47FCB}"/>
+              </a:ext>
+            </a:extLst>
+          </p:cNvPr>
+          <p:cNvSpPr>
+            <a:spLocks noGrp="1"/>
+          </p:cNvSpPr>
+          <p:nvPr>
+            <p:ph type="title"/>
+          </p:nvPr>
+        </p:nvSpPr>
+        <p:spPr/>
+        <p:txBody>
+          <a:bodyPr/>
+          <a:lstStyle/>
+          <a:p>
+            <a:r>
+              <a:rPr lang="ko-KR" altLang="en-US" dirty="0"/>
+              <a:t>협업하기</a:t>
+            </a:r>
+          </a:p>
+        </p:txBody>
+      </p:sp>
+      <p:sp>
+        <p:nvSpPr>
+          <p:cNvPr id="5" name="내용 개체 틀 2">
+            <a:extLst>
+              <a:ext uri="{FF2B5EF4-FFF2-40B4-BE49-F238E27FC236}">
+                <a16:creationId xmlns:a16="http://schemas.microsoft.com/office/drawing/2014/main" id="{A44AC902-3746-40D6-9827-94B46EEDDC67}"/>
+              </a:ext>
+            </a:extLst>
+          </p:cNvPr>
+          <p:cNvSpPr txBox="1">
+            <a:spLocks/>
+          </p:cNvSpPr>
+          <p:nvPr/>
+        </p:nvSpPr>
+        <p:spPr>
+          <a:xfrm>
+            <a:off x="341786" y="1120544"/>
+            <a:ext cx="4054367" cy="2348370"/>
+          </a:xfrm>
+          <a:prstGeom prst="rect">
+            <a:avLst/>
+          </a:prstGeom>
+        </p:spPr>
+        <p:txBody>
+          <a:bodyPr vert="horz" lIns="91440" tIns="45720" rIns="91440" bIns="45720" rtlCol="0">
+            <a:noAutofit/>
+          </a:bodyPr>
+          <a:lstStyle>
+            <a:lvl1pPr marL="266700" indent="-266700" defTabSz="914400" latinLnBrk="1">
+              <a:lnSpc>
+                <a:spcPct val="150000"/>
+              </a:lnSpc>
+              <a:spcBef>
+                <a:spcPct val="0"/>
+              </a:spcBef>
+              <a:buClr>
+                <a:schemeClr val="tx1">
+                  <a:lumMod val="65000"/>
+                  <a:lumOff val="35000"/>
+                </a:schemeClr>
+              </a:buClr>
+              <a:buFont typeface="Wingdings" pitchFamily="2" charset="2"/>
+              <a:buChar char="n"/>
+              <a:defRPr sz="2000" b="1">
+                <a:latin typeface="+mn-ea"/>
+              </a:defRPr>
+            </a:lvl1pPr>
+            <a:lvl2pPr marL="447675" lvl="1" indent="-180975" defTabSz="914400" latinLnBrk="1">
+              <a:lnSpc>
+                <a:spcPct val="150000"/>
+              </a:lnSpc>
+              <a:spcBef>
+                <a:spcPts val="0"/>
+              </a:spcBef>
+              <a:spcAft>
+                <a:spcPts val="0"/>
+              </a:spcAft>
+              <a:buClr>
+                <a:schemeClr val="tx1">
+                  <a:lumMod val="50000"/>
+                  <a:lumOff val="50000"/>
+                </a:schemeClr>
+              </a:buClr>
+              <a:buFont typeface="Wingdings" pitchFamily="2" charset="2"/>
+              <a:buChar char="§"/>
+              <a:defRPr sz="1600"/>
+            </a:lvl2pPr>
+            <a:lvl3pPr marL="628650" indent="-180975" defTabSz="914400" latinLnBrk="1">
+              <a:lnSpc>
+                <a:spcPct val="150000"/>
+              </a:lnSpc>
+              <a:spcBef>
+                <a:spcPts val="500"/>
+              </a:spcBef>
+              <a:spcAft>
+                <a:spcPts val="300"/>
+              </a:spcAft>
+              <a:buClr>
+                <a:schemeClr val="tx1">
+                  <a:lumMod val="65000"/>
+                  <a:lumOff val="35000"/>
+                </a:schemeClr>
+              </a:buClr>
+              <a:buFont typeface="Arial" panose="020B0604020202020204" pitchFamily="34" charset="0"/>
+              <a:buChar char="•"/>
+              <a:defRPr sz="1400"/>
+            </a:lvl3pPr>
+            <a:lvl4pPr marL="809625" indent="-180975" defTabSz="914400" latinLnBrk="1">
+              <a:lnSpc>
+                <a:spcPct val="150000"/>
+              </a:lnSpc>
+              <a:spcBef>
+                <a:spcPts val="500"/>
+              </a:spcBef>
+              <a:spcAft>
+                <a:spcPts val="300"/>
+              </a:spcAft>
+              <a:buClr>
+                <a:schemeClr val="tx1">
+                  <a:lumMod val="65000"/>
+                  <a:lumOff val="35000"/>
+                </a:schemeClr>
+              </a:buClr>
+              <a:buSzPct val="96000"/>
+              <a:buFont typeface="Arial" panose="020B0604020202020204" pitchFamily="34" charset="0"/>
+              <a:buChar char="•"/>
+              <a:defRPr sz="1200"/>
+            </a:lvl4pPr>
+            <a:lvl5pPr marL="990600" indent="-180975" defTabSz="914400" latinLnBrk="1">
+              <a:lnSpc>
+                <a:spcPct val="150000"/>
+              </a:lnSpc>
+              <a:spcBef>
+                <a:spcPts val="500"/>
+              </a:spcBef>
+              <a:buClr>
+                <a:schemeClr val="tx1">
+                  <a:lumMod val="65000"/>
+                  <a:lumOff val="35000"/>
+                </a:schemeClr>
+              </a:buClr>
+              <a:buFont typeface="Arial" panose="020B0604020202020204" pitchFamily="34" charset="0"/>
+              <a:buChar char="•"/>
+              <a:defRPr sz="1000"/>
+            </a:lvl5pPr>
+            <a:lvl6pPr marL="2514600" indent="-228600" defTabSz="914400" latinLnBrk="1">
+              <a:lnSpc>
+                <a:spcPct val="90000"/>
+              </a:lnSpc>
+              <a:spcBef>
+                <a:spcPts val="500"/>
+              </a:spcBef>
+              <a:buFont typeface="Arial" panose="020B0604020202020204" pitchFamily="34" charset="0"/>
+              <a:buChar char="•"/>
+            </a:lvl6pPr>
+            <a:lvl7pPr marL="2971800" indent="-228600" defTabSz="914400" latinLnBrk="1">
+              <a:lnSpc>
+                <a:spcPct val="90000"/>
+              </a:lnSpc>
+              <a:spcBef>
+                <a:spcPts val="500"/>
+              </a:spcBef>
+              <a:buFont typeface="Arial" panose="020B0604020202020204" pitchFamily="34" charset="0"/>
+              <a:buChar char="•"/>
+            </a:lvl7pPr>
+            <a:lvl8pPr marL="3429000" indent="-228600" defTabSz="914400" latinLnBrk="1">
+              <a:lnSpc>
+                <a:spcPct val="90000"/>
+              </a:lnSpc>
+              <a:spcBef>
+                <a:spcPts val="500"/>
+              </a:spcBef>
+              <a:buFont typeface="Arial" panose="020B0604020202020204" pitchFamily="34" charset="0"/>
+              <a:buChar char="•"/>
+            </a:lvl8pPr>
+            <a:lvl9pPr marL="3886200" indent="-228600" defTabSz="914400" latinLnBrk="1">
+              <a:lnSpc>
+                <a:spcPct val="90000"/>
+              </a:lnSpc>
+              <a:spcBef>
+                <a:spcPts val="500"/>
+              </a:spcBef>
+              <a:buFont typeface="Arial" panose="020B0604020202020204" pitchFamily="34" charset="0"/>
+              <a:buChar char="•"/>
+            </a:lvl9pPr>
+          </a:lstStyle>
+          <a:p>
+            <a:r>
+              <a:rPr lang="en-US" altLang="ko-KR" dirty="0"/>
+              <a:t>Leader </a:t>
+            </a:r>
+            <a:r>
+              <a:rPr lang="en-US" altLang="ko-KR" dirty="0">
+                <a:solidFill>
+                  <a:srgbClr val="FF0000"/>
+                </a:solidFill>
+              </a:rPr>
+              <a:t>(</a:t>
+            </a:r>
+            <a:r>
+              <a:rPr lang="ko-KR" altLang="en-US" dirty="0">
+                <a:solidFill>
+                  <a:srgbClr val="FF0000"/>
+                </a:solidFill>
+              </a:rPr>
+              <a:t>완료하고 </a:t>
+            </a:r>
+            <a:r>
+              <a:rPr lang="en-US" altLang="ko-KR" dirty="0">
+                <a:solidFill>
+                  <a:srgbClr val="FF0000"/>
+                </a:solidFill>
+              </a:rPr>
+              <a:t>closing</a:t>
+            </a:r>
+            <a:r>
+              <a:rPr lang="ko-KR" altLang="en-US" dirty="0">
+                <a:solidFill>
+                  <a:srgbClr val="FF0000"/>
+                </a:solidFill>
+              </a:rPr>
+              <a:t>하는 방법은</a:t>
+            </a:r>
+            <a:r>
+              <a:rPr lang="en-US" altLang="ko-KR" dirty="0">
+                <a:solidFill>
+                  <a:srgbClr val="FF0000"/>
+                </a:solidFill>
+              </a:rPr>
+              <a:t>?)</a:t>
+            </a:r>
+          </a:p>
+          <a:p>
+            <a:pPr marL="441325" lvl="1" indent="-174625">
+              <a:buAutoNum type="arabicPeriod"/>
+            </a:pPr>
+            <a:r>
+              <a:rPr lang="en-US" altLang="ko-KR" dirty="0"/>
+              <a:t>File </a:t>
+            </a:r>
+            <a:r>
+              <a:rPr lang="ko-KR" altLang="en-US" dirty="0"/>
+              <a:t>만들고 </a:t>
+            </a:r>
+            <a:r>
+              <a:rPr lang="en-US" altLang="ko-KR" dirty="0" err="1"/>
+              <a:t>add.remote</a:t>
+            </a:r>
+            <a:r>
+              <a:rPr lang="en-US" altLang="ko-KR" dirty="0"/>
+              <a:t>, push “work1”</a:t>
+            </a:r>
+          </a:p>
+          <a:p>
+            <a:pPr marL="441325" lvl="1" indent="-174625">
+              <a:buAutoNum type="arabicPeriod"/>
+            </a:pPr>
+            <a:endParaRPr lang="en-US" altLang="ko-KR" dirty="0"/>
+          </a:p>
+          <a:p>
+            <a:pPr marL="441325" lvl="1" indent="-174625">
+              <a:buAutoNum type="arabicPeriod"/>
+            </a:pPr>
+            <a:endParaRPr lang="en-US" altLang="ko-KR" dirty="0"/>
+          </a:p>
+          <a:p>
+            <a:pPr marL="441325" lvl="1" indent="-174625">
+              <a:buAutoNum type="arabicPeriod"/>
+            </a:pPr>
+            <a:endParaRPr lang="en-US" altLang="ko-KR" dirty="0"/>
+          </a:p>
+          <a:p>
+            <a:pPr marL="441325" lvl="1" indent="-174625">
+              <a:buAutoNum type="arabicPeriod"/>
+            </a:pPr>
+            <a:endParaRPr lang="en-US" altLang="ko-KR" dirty="0"/>
+          </a:p>
+          <a:p>
+            <a:pPr marL="441325" lvl="1" indent="-174625">
+              <a:buAutoNum type="arabicPeriod"/>
+            </a:pPr>
+            <a:endParaRPr lang="en-US" altLang="ko-KR" dirty="0"/>
+          </a:p>
+          <a:p>
+            <a:pPr marL="266700" lvl="1" indent="0">
+              <a:buNone/>
+            </a:pPr>
+            <a:r>
+              <a:rPr lang="en-US" altLang="ko-KR" dirty="0"/>
+              <a:t>5.Git pull</a:t>
+            </a:r>
+            <a:r>
+              <a:rPr lang="ko-KR" altLang="en-US" dirty="0"/>
+              <a:t>을</a:t>
+            </a:r>
+            <a:r>
+              <a:rPr lang="en-US" altLang="ko-KR" dirty="0"/>
+              <a:t> </a:t>
+            </a:r>
+            <a:r>
+              <a:rPr lang="ko-KR" altLang="en-US" dirty="0"/>
+              <a:t>하고 작업</a:t>
+            </a:r>
+            <a:endParaRPr lang="en-US" altLang="ko-KR" dirty="0"/>
+          </a:p>
+          <a:p>
+            <a:pPr marL="266700" lvl="1" indent="0">
+              <a:buNone/>
+            </a:pPr>
+            <a:r>
+              <a:rPr lang="ko-KR" altLang="en-US" dirty="0"/>
+              <a:t>좌우 </a:t>
+            </a:r>
+            <a:r>
+              <a:rPr lang="en-US" altLang="ko-KR" dirty="0"/>
+              <a:t>version</a:t>
+            </a:r>
+            <a:r>
+              <a:rPr lang="ko-KR" altLang="en-US" dirty="0"/>
+              <a:t>이</a:t>
+            </a:r>
+            <a:r>
+              <a:rPr lang="en-US" altLang="ko-KR" dirty="0"/>
+              <a:t> </a:t>
+            </a:r>
+            <a:r>
+              <a:rPr lang="ko-KR" altLang="en-US" dirty="0"/>
+              <a:t>같음 </a:t>
+            </a:r>
+            <a:r>
+              <a:rPr lang="en-US" altLang="ko-KR" dirty="0"/>
+              <a:t>(</a:t>
+            </a:r>
+            <a:r>
+              <a:rPr lang="ko-KR" altLang="en-US" dirty="0"/>
+              <a:t>여기서 </a:t>
+            </a:r>
+            <a:r>
+              <a:rPr lang="en-US" altLang="ko-KR" dirty="0" err="1"/>
+              <a:t>leade</a:t>
+            </a:r>
+            <a:r>
+              <a:rPr lang="ko-KR" altLang="en-US" dirty="0"/>
+              <a:t>화면과 </a:t>
+            </a:r>
+            <a:r>
+              <a:rPr lang="en-US" altLang="ko-KR" dirty="0"/>
+              <a:t>collaborator </a:t>
+            </a:r>
+            <a:r>
+              <a:rPr lang="ko-KR" altLang="en-US" dirty="0"/>
+              <a:t>화면 </a:t>
+            </a:r>
+            <a:r>
+              <a:rPr lang="en-US" altLang="ko-KR" dirty="0" err="1"/>
+              <a:t>git</a:t>
+            </a:r>
+            <a:r>
+              <a:rPr lang="en-US" altLang="ko-KR" dirty="0"/>
+              <a:t> log</a:t>
+            </a:r>
+            <a:r>
+              <a:rPr lang="ko-KR" altLang="en-US" dirty="0"/>
+              <a:t>화면 비교</a:t>
+            </a:r>
+            <a:r>
+              <a:rPr lang="en-US" altLang="ko-KR" dirty="0"/>
+              <a:t>)</a:t>
+            </a:r>
+          </a:p>
+          <a:p>
+            <a:pPr marL="266700" lvl="1" indent="0">
+              <a:buNone/>
+            </a:pPr>
+            <a:r>
+              <a:rPr lang="en-US" altLang="ko-KR" dirty="0"/>
+              <a:t>  - </a:t>
+            </a:r>
+            <a:r>
+              <a:rPr lang="ko-KR" altLang="en-US" dirty="0"/>
+              <a:t>가능하면 </a:t>
+            </a:r>
+            <a:r>
+              <a:rPr lang="ko-KR" altLang="en-US" dirty="0" err="1"/>
+              <a:t>작업전</a:t>
+            </a:r>
+            <a:r>
+              <a:rPr lang="ko-KR" altLang="en-US" dirty="0"/>
+              <a:t> </a:t>
+            </a:r>
+            <a:r>
+              <a:rPr lang="en-US" altLang="ko-KR" dirty="0"/>
+              <a:t>pull </a:t>
+            </a:r>
+            <a:r>
+              <a:rPr lang="ko-KR" altLang="en-US" dirty="0"/>
+              <a:t>비교 작업하고 </a:t>
+            </a:r>
+            <a:r>
+              <a:rPr lang="en-US" altLang="ko-KR" dirty="0"/>
+              <a:t>push </a:t>
+            </a:r>
+            <a:r>
+              <a:rPr lang="ko-KR" altLang="en-US" dirty="0"/>
+              <a:t>자주 하도록</a:t>
+            </a:r>
+            <a:endParaRPr lang="en-US" altLang="ko-KR" dirty="0"/>
+          </a:p>
+          <a:p>
+            <a:pPr lvl="1"/>
+            <a:endParaRPr lang="en-US" altLang="ko-KR" dirty="0"/>
+          </a:p>
+        </p:txBody>
+      </p:sp>
+      <p:sp>
+        <p:nvSpPr>
+          <p:cNvPr id="6" name="내용 개체 틀 2">
+            <a:extLst>
+              <a:ext uri="{FF2B5EF4-FFF2-40B4-BE49-F238E27FC236}">
+                <a16:creationId xmlns:a16="http://schemas.microsoft.com/office/drawing/2014/main" id="{A44AC902-3746-40D6-9827-94B46EEDDC67}"/>
+              </a:ext>
+            </a:extLst>
+          </p:cNvPr>
+          <p:cNvSpPr txBox="1">
+            <a:spLocks/>
+          </p:cNvSpPr>
+          <p:nvPr/>
+        </p:nvSpPr>
+        <p:spPr>
+          <a:xfrm>
+            <a:off x="4681557" y="1120543"/>
+            <a:ext cx="4274873" cy="3967271"/>
+          </a:xfrm>
+          <a:prstGeom prst="rect">
+            <a:avLst/>
+          </a:prstGeom>
+        </p:spPr>
+        <p:txBody>
+          <a:bodyPr vert="horz" lIns="91440" tIns="45720" rIns="91440" bIns="45720" rtlCol="0">
+            <a:noAutofit/>
+          </a:bodyPr>
+          <a:lstStyle>
+            <a:lvl1pPr marL="266700" indent="-266700" defTabSz="914400" latinLnBrk="1">
+              <a:lnSpc>
+                <a:spcPct val="150000"/>
+              </a:lnSpc>
+              <a:spcBef>
+                <a:spcPct val="0"/>
+              </a:spcBef>
+              <a:buClr>
+                <a:schemeClr val="tx1">
+                  <a:lumMod val="65000"/>
+                  <a:lumOff val="35000"/>
+                </a:schemeClr>
+              </a:buClr>
+              <a:buFont typeface="Wingdings" pitchFamily="2" charset="2"/>
+              <a:buChar char="n"/>
+              <a:defRPr sz="2000" b="1">
+                <a:latin typeface="+mn-ea"/>
+              </a:defRPr>
+            </a:lvl1pPr>
+            <a:lvl2pPr marL="447675" lvl="1" indent="-180975" defTabSz="914400" latinLnBrk="1">
+              <a:lnSpc>
+                <a:spcPct val="150000"/>
+              </a:lnSpc>
+              <a:spcBef>
+                <a:spcPts val="0"/>
+              </a:spcBef>
+              <a:spcAft>
+                <a:spcPts val="0"/>
+              </a:spcAft>
+              <a:buClr>
+                <a:schemeClr val="tx1">
+                  <a:lumMod val="50000"/>
+                  <a:lumOff val="50000"/>
+                </a:schemeClr>
+              </a:buClr>
+              <a:buFont typeface="Wingdings" pitchFamily="2" charset="2"/>
+              <a:buChar char="§"/>
+              <a:defRPr sz="1600"/>
+            </a:lvl2pPr>
+            <a:lvl3pPr marL="628650" indent="-180975" defTabSz="914400" latinLnBrk="1">
+              <a:lnSpc>
+                <a:spcPct val="150000"/>
+              </a:lnSpc>
+              <a:spcBef>
+                <a:spcPts val="500"/>
+              </a:spcBef>
+              <a:spcAft>
+                <a:spcPts val="300"/>
+              </a:spcAft>
+              <a:buClr>
+                <a:schemeClr val="tx1">
+                  <a:lumMod val="65000"/>
+                  <a:lumOff val="35000"/>
+                </a:schemeClr>
+              </a:buClr>
+              <a:buFont typeface="Arial" panose="020B0604020202020204" pitchFamily="34" charset="0"/>
+              <a:buChar char="•"/>
+              <a:defRPr sz="1400"/>
+            </a:lvl3pPr>
+            <a:lvl4pPr marL="809625" indent="-180975" defTabSz="914400" latinLnBrk="1">
+              <a:lnSpc>
+                <a:spcPct val="150000"/>
+              </a:lnSpc>
+              <a:spcBef>
+                <a:spcPts val="500"/>
+              </a:spcBef>
+              <a:spcAft>
+                <a:spcPts val="300"/>
+              </a:spcAft>
+              <a:buClr>
+                <a:schemeClr val="tx1">
+                  <a:lumMod val="65000"/>
+                  <a:lumOff val="35000"/>
+                </a:schemeClr>
+              </a:buClr>
+              <a:buSzPct val="96000"/>
+              <a:buFont typeface="Arial" panose="020B0604020202020204" pitchFamily="34" charset="0"/>
+              <a:buChar char="•"/>
+              <a:defRPr sz="1200"/>
+            </a:lvl4pPr>
+            <a:lvl5pPr marL="990600" indent="-180975" defTabSz="914400" latinLnBrk="1">
+              <a:lnSpc>
+                <a:spcPct val="150000"/>
+              </a:lnSpc>
+              <a:spcBef>
+                <a:spcPts val="500"/>
+              </a:spcBef>
+              <a:buClr>
+                <a:schemeClr val="tx1">
+                  <a:lumMod val="65000"/>
+                  <a:lumOff val="35000"/>
+                </a:schemeClr>
+              </a:buClr>
+              <a:buFont typeface="Arial" panose="020B0604020202020204" pitchFamily="34" charset="0"/>
+              <a:buChar char="•"/>
+              <a:defRPr sz="1000"/>
+            </a:lvl5pPr>
+            <a:lvl6pPr marL="2514600" indent="-228600" defTabSz="914400" latinLnBrk="1">
+              <a:lnSpc>
+                <a:spcPct val="90000"/>
+              </a:lnSpc>
+              <a:spcBef>
+                <a:spcPts val="500"/>
+              </a:spcBef>
+              <a:buFont typeface="Arial" panose="020B0604020202020204" pitchFamily="34" charset="0"/>
+              <a:buChar char="•"/>
+            </a:lvl6pPr>
+            <a:lvl7pPr marL="2971800" indent="-228600" defTabSz="914400" latinLnBrk="1">
+              <a:lnSpc>
+                <a:spcPct val="90000"/>
+              </a:lnSpc>
+              <a:spcBef>
+                <a:spcPts val="500"/>
+              </a:spcBef>
+              <a:buFont typeface="Arial" panose="020B0604020202020204" pitchFamily="34" charset="0"/>
+              <a:buChar char="•"/>
+            </a:lvl7pPr>
+            <a:lvl8pPr marL="3429000" indent="-228600" defTabSz="914400" latinLnBrk="1">
+              <a:lnSpc>
+                <a:spcPct val="90000"/>
+              </a:lnSpc>
+              <a:spcBef>
+                <a:spcPts val="500"/>
+              </a:spcBef>
+              <a:buFont typeface="Arial" panose="020B0604020202020204" pitchFamily="34" charset="0"/>
+              <a:buChar char="•"/>
+            </a:lvl8pPr>
+            <a:lvl9pPr marL="3886200" indent="-228600" defTabSz="914400" latinLnBrk="1">
+              <a:lnSpc>
+                <a:spcPct val="90000"/>
+              </a:lnSpc>
+              <a:spcBef>
+                <a:spcPts val="500"/>
+              </a:spcBef>
+              <a:buFont typeface="Arial" panose="020B0604020202020204" pitchFamily="34" charset="0"/>
+              <a:buChar char="•"/>
+            </a:lvl9pPr>
+          </a:lstStyle>
+          <a:p>
+            <a:r>
+              <a:rPr lang="en-US" altLang="ko-KR" dirty="0"/>
+              <a:t>Collaborator</a:t>
+            </a:r>
+          </a:p>
+          <a:p>
+            <a:pPr marL="266700" lvl="1" indent="0">
+              <a:buNone/>
+            </a:pPr>
+            <a:r>
+              <a:rPr lang="en-US" altLang="ko-KR" dirty="0"/>
+              <a:t>2. </a:t>
+            </a:r>
+            <a:r>
+              <a:rPr lang="en-US" altLang="ko-KR" dirty="0" err="1"/>
+              <a:t>Git</a:t>
+            </a:r>
+            <a:r>
+              <a:rPr lang="en-US" altLang="ko-KR" dirty="0"/>
+              <a:t> pull </a:t>
+            </a:r>
+            <a:r>
+              <a:rPr lang="en-US" altLang="ko-KR" dirty="0" err="1"/>
+              <a:t>veriosn</a:t>
+            </a:r>
+            <a:r>
+              <a:rPr lang="en-US" altLang="ko-KR" dirty="0"/>
+              <a:t> </a:t>
+            </a:r>
+            <a:r>
+              <a:rPr lang="ko-KR" altLang="en-US" dirty="0"/>
+              <a:t>관리해야 하는데</a:t>
+            </a:r>
+            <a:r>
+              <a:rPr lang="en-US" altLang="ko-KR" dirty="0"/>
+              <a:t>,</a:t>
+            </a:r>
+          </a:p>
+          <a:p>
+            <a:pPr marL="266700" lvl="1" indent="0">
+              <a:buNone/>
+            </a:pPr>
+            <a:r>
+              <a:rPr lang="en-US" altLang="ko-KR" dirty="0"/>
+              <a:t>     </a:t>
+            </a:r>
+            <a:r>
+              <a:rPr lang="ko-KR" altLang="en-US" dirty="0"/>
+              <a:t>리더와 동시에 같은 파일 수정하고</a:t>
+            </a:r>
+            <a:endParaRPr lang="en-US" altLang="ko-KR" dirty="0"/>
+          </a:p>
+          <a:p>
+            <a:pPr marL="266700" lvl="1" indent="0">
+              <a:buNone/>
+            </a:pPr>
+            <a:r>
+              <a:rPr lang="en-US" altLang="ko-KR" dirty="0"/>
+              <a:t>     push (-m ‘work2”)</a:t>
+            </a:r>
+            <a:r>
+              <a:rPr lang="ko-KR" altLang="en-US" dirty="0"/>
+              <a:t>하면</a:t>
+            </a:r>
+            <a:r>
+              <a:rPr lang="en-US" altLang="ko-KR" dirty="0"/>
+              <a:t>, </a:t>
+            </a:r>
+            <a:r>
+              <a:rPr lang="en-US" altLang="ko-KR" dirty="0" err="1"/>
+              <a:t>github</a:t>
+            </a:r>
+            <a:r>
+              <a:rPr lang="ko-KR" altLang="en-US" dirty="0"/>
+              <a:t>가</a:t>
+            </a:r>
+            <a:r>
+              <a:rPr lang="en-US" altLang="ko-KR" dirty="0"/>
+              <a:t> reject </a:t>
+            </a:r>
+            <a:r>
+              <a:rPr lang="ko-KR" altLang="en-US" dirty="0"/>
+              <a:t>메시지보내옴</a:t>
+            </a:r>
+            <a:r>
+              <a:rPr lang="en-US" altLang="ko-KR" dirty="0"/>
+              <a:t>.</a:t>
+            </a:r>
+          </a:p>
+          <a:p>
+            <a:pPr marL="266700" lvl="1" indent="0">
+              <a:buNone/>
+            </a:pPr>
+            <a:r>
+              <a:rPr lang="en-US" altLang="ko-KR" dirty="0"/>
+              <a:t>3. </a:t>
+            </a:r>
+            <a:r>
+              <a:rPr lang="ko-KR" altLang="en-US" dirty="0"/>
+              <a:t>파일 확인하고 수정</a:t>
+            </a:r>
+            <a:endParaRPr lang="en-US" altLang="ko-KR" dirty="0"/>
+          </a:p>
+          <a:p>
+            <a:pPr marL="266700" lvl="1" indent="0">
+              <a:buNone/>
+            </a:pPr>
+            <a:r>
+              <a:rPr lang="en-US" altLang="ko-KR" dirty="0"/>
+              <a:t>4. Add commit –m </a:t>
+            </a:r>
+            <a:r>
+              <a:rPr lang="ko-KR" altLang="en-US" dirty="0"/>
+              <a:t>없이 하면 자동으로 메시지를 만들어 줌 </a:t>
+            </a:r>
+            <a:r>
+              <a:rPr lang="en-US" altLang="ko-KR" dirty="0"/>
+              <a:t>-&gt; status, log</a:t>
+            </a:r>
+            <a:r>
+              <a:rPr lang="ko-KR" altLang="en-US" dirty="0"/>
+              <a:t>확인후 </a:t>
+            </a:r>
+            <a:r>
+              <a:rPr lang="en-US" altLang="ko-KR" dirty="0"/>
+              <a:t>push</a:t>
+            </a:r>
+          </a:p>
+          <a:p>
+            <a:pPr marL="266700" lvl="1" indent="0">
+              <a:buNone/>
+            </a:pPr>
+            <a:r>
+              <a:rPr lang="en-US" altLang="ko-KR" dirty="0" err="1">
+                <a:solidFill>
+                  <a:srgbClr val="FF0000"/>
+                </a:solidFill>
+              </a:rPr>
+              <a:t>Git</a:t>
+            </a:r>
+            <a:r>
+              <a:rPr lang="en-US" altLang="ko-KR" dirty="0">
+                <a:solidFill>
+                  <a:srgbClr val="FF0000"/>
+                </a:solidFill>
+              </a:rPr>
+              <a:t> l?</a:t>
+            </a:r>
+          </a:p>
+          <a:p>
+            <a:pPr lvl="1"/>
+            <a:endParaRPr lang="en-US" altLang="ko-KR" dirty="0"/>
+          </a:p>
+        </p:txBody>
+      </p:sp>
+    </p:spTree>
+    <p:extLst>
+      <p:ext uri="{BB962C8B-B14F-4D97-AF65-F5344CB8AC3E}">
+        <p14:creationId xmlns:p14="http://schemas.microsoft.com/office/powerpoint/2010/main" val="2883123454"/>
+      </p:ext>
+    </p:extLst>
+  </p:cSld>
+  <p:clrMapOvr>
+    <a:masterClrMapping/>
+  </p:clrMapOvr>
+</p:sld>
+</file>
+
 <file path=ppt/slides/slide2.xml><?xml version="1.0" encoding="utf-8"?>
 <p:sld xmlns:a="http://schemas.openxmlformats.org/drawingml/2006/main" xmlns:r="http://schemas.openxmlformats.org/officeDocument/2006/relationships" xmlns:p="http://schemas.openxmlformats.org/presentationml/2006/main">
   <p:cSld>
@@ -9209,6 +10587,5819 @@
     <p:extLst>
       <p:ext uri="{BB962C8B-B14F-4D97-AF65-F5344CB8AC3E}">
         <p14:creationId xmlns:p14="http://schemas.microsoft.com/office/powerpoint/2010/main" val="1063502149"/>
+      </p:ext>
+    </p:extLst>
+  </p:cSld>
+  <p:clrMapOvr>
+    <a:masterClrMapping/>
+  </p:clrMapOvr>
+</p:sld>
+</file>
+
+<file path=ppt/slides/slide20.xml><?xml version="1.0" encoding="utf-8"?>
+<p:sld xmlns:a="http://schemas.openxmlformats.org/drawingml/2006/main" xmlns:r="http://schemas.openxmlformats.org/officeDocument/2006/relationships" xmlns:p="http://schemas.openxmlformats.org/presentationml/2006/main">
+  <p:cSld>
+    <p:spTree>
+      <p:nvGrpSpPr>
+        <p:cNvPr id="1" name=""/>
+        <p:cNvGrpSpPr/>
+        <p:nvPr/>
+      </p:nvGrpSpPr>
+      <p:grpSpPr>
+        <a:xfrm>
+          <a:off x="0" y="0"/>
+          <a:ext cx="0" cy="0"/>
+          <a:chOff x="0" y="0"/>
+          <a:chExt cx="0" cy="0"/>
+        </a:xfrm>
+      </p:grpSpPr>
+      <p:sp>
+        <p:nvSpPr>
+          <p:cNvPr id="4" name="제목 3">
+            <a:extLst>
+              <a:ext uri="{FF2B5EF4-FFF2-40B4-BE49-F238E27FC236}">
+                <a16:creationId xmlns:a16="http://schemas.microsoft.com/office/drawing/2014/main" id="{F0CEB32B-CB43-4410-BA08-A97E4BC47FCB}"/>
+              </a:ext>
+            </a:extLst>
+          </p:cNvPr>
+          <p:cNvSpPr>
+            <a:spLocks noGrp="1"/>
+          </p:cNvSpPr>
+          <p:nvPr>
+            <p:ph type="title"/>
+          </p:nvPr>
+        </p:nvSpPr>
+        <p:spPr/>
+        <p:txBody>
+          <a:bodyPr/>
+          <a:lstStyle/>
+          <a:p>
+            <a:r>
+              <a:rPr lang="ko-KR" altLang="en-US" dirty="0"/>
+              <a:t>협업시작하기</a:t>
+            </a:r>
+          </a:p>
+        </p:txBody>
+      </p:sp>
+      <p:sp>
+        <p:nvSpPr>
+          <p:cNvPr id="5" name="내용 개체 틀 4">
+            <a:extLst>
+              <a:ext uri="{FF2B5EF4-FFF2-40B4-BE49-F238E27FC236}">
+                <a16:creationId xmlns:a16="http://schemas.microsoft.com/office/drawing/2014/main" id="{FDF69C25-9F43-470B-8A20-AEDC0F371CCD}"/>
+              </a:ext>
+            </a:extLst>
+          </p:cNvPr>
+          <p:cNvSpPr>
+            <a:spLocks noGrp="1"/>
+          </p:cNvSpPr>
+          <p:nvPr>
+            <p:ph idx="1"/>
+          </p:nvPr>
+        </p:nvSpPr>
+        <p:spPr>
+          <a:xfrm>
+            <a:off x="250825" y="1000221"/>
+            <a:ext cx="8641655" cy="5146579"/>
+          </a:xfrm>
+        </p:spPr>
+        <p:txBody>
+          <a:bodyPr tIns="0" bIns="0">
+            <a:noAutofit/>
+          </a:bodyPr>
+          <a:lstStyle/>
+          <a:p>
+            <a:pPr>
+              <a:buClr>
+                <a:schemeClr val="tx1">
+                  <a:lumMod val="65000"/>
+                  <a:lumOff val="35000"/>
+                </a:schemeClr>
+              </a:buClr>
+              <a:defRPr/>
+            </a:pPr>
+            <a:r>
+              <a:rPr lang="ko-KR" altLang="en-US" dirty="0"/>
+              <a:t>프로젝트 만들기</a:t>
+            </a:r>
+          </a:p>
+          <a:p>
+            <a:pPr marL="609600" lvl="1" indent="-342900">
+              <a:buClr>
+                <a:schemeClr val="tx1">
+                  <a:lumMod val="65000"/>
+                  <a:lumOff val="35000"/>
+                </a:schemeClr>
+              </a:buClr>
+              <a:buFont typeface="+mj-ea"/>
+              <a:buAutoNum type="circleNumDbPlain"/>
+              <a:defRPr/>
+            </a:pPr>
+            <a:r>
+              <a:rPr lang="en-US" altLang="ko-KR" dirty="0" err="1"/>
+              <a:t>Github</a:t>
+            </a:r>
+            <a:r>
+              <a:rPr lang="en-US" altLang="ko-KR" dirty="0"/>
+              <a:t> </a:t>
+            </a:r>
+            <a:r>
+              <a:rPr lang="ko-KR" altLang="en-US" dirty="0"/>
+              <a:t>등록</a:t>
+            </a:r>
+            <a:endParaRPr lang="en-US" altLang="ko-KR" dirty="0"/>
+          </a:p>
+          <a:p>
+            <a:pPr marL="609600" lvl="1" indent="-342900">
+              <a:buClr>
+                <a:schemeClr val="tx1">
+                  <a:lumMod val="65000"/>
+                  <a:lumOff val="35000"/>
+                </a:schemeClr>
+              </a:buClr>
+              <a:buFont typeface="+mj-ea"/>
+              <a:buAutoNum type="circleNumDbPlain"/>
+              <a:defRPr/>
+            </a:pPr>
+            <a:r>
+              <a:rPr lang="ko-KR" altLang="en-US" dirty="0"/>
+              <a:t>기존의 </a:t>
+            </a:r>
+            <a:r>
+              <a:rPr lang="ko-KR" altLang="en-US" dirty="0" err="1"/>
+              <a:t>브랜치를</a:t>
+            </a:r>
+            <a:r>
+              <a:rPr lang="ko-KR" altLang="en-US" dirty="0"/>
+              <a:t> 삭제하지 않으면 내용이 그대로 남아 있음</a:t>
+            </a:r>
+            <a:r>
+              <a:rPr lang="en-US" altLang="ko-KR" dirty="0"/>
+              <a:t>.</a:t>
+            </a:r>
+          </a:p>
+          <a:p>
+            <a:pPr marL="266700" lvl="1" indent="0">
+              <a:buClr>
+                <a:schemeClr val="tx1">
+                  <a:lumMod val="65000"/>
+                  <a:lumOff val="35000"/>
+                </a:schemeClr>
+              </a:buClr>
+              <a:buNone/>
+              <a:defRPr/>
+            </a:pPr>
+            <a:r>
+              <a:rPr lang="en-US" altLang="ko-KR" dirty="0"/>
+              <a:t>      remote</a:t>
+            </a:r>
+            <a:r>
+              <a:rPr lang="ko-KR" altLang="en-US" dirty="0"/>
+              <a:t>의 </a:t>
+            </a:r>
+            <a:r>
+              <a:rPr lang="en-US" altLang="ko-KR" dirty="0"/>
+              <a:t>pull </a:t>
+            </a:r>
+            <a:r>
+              <a:rPr lang="ko-KR" altLang="en-US" dirty="0"/>
+              <a:t>기능을 대신할 수 있는 기능은 무엇</a:t>
+            </a:r>
+            <a:r>
+              <a:rPr lang="en-US" altLang="ko-KR" dirty="0"/>
+              <a:t>?</a:t>
+            </a:r>
+          </a:p>
+          <a:p>
+            <a:pPr marL="266700" lvl="1" indent="0">
+              <a:buClr>
+                <a:schemeClr val="tx1">
+                  <a:lumMod val="65000"/>
+                  <a:lumOff val="35000"/>
+                </a:schemeClr>
+              </a:buClr>
+              <a:buNone/>
+              <a:defRPr/>
+            </a:pPr>
+            <a:r>
+              <a:rPr lang="ko-KR" altLang="en-US" dirty="0"/>
+              <a:t>한번 </a:t>
+            </a:r>
+            <a:r>
+              <a:rPr lang="en-US" altLang="ko-KR" dirty="0"/>
+              <a:t>merge</a:t>
+            </a:r>
+            <a:r>
+              <a:rPr lang="ko-KR" altLang="en-US" dirty="0"/>
+              <a:t>하면 다시 </a:t>
+            </a:r>
+            <a:r>
+              <a:rPr lang="en-US" altLang="ko-KR" dirty="0"/>
+              <a:t>commit</a:t>
+            </a:r>
+            <a:r>
+              <a:rPr lang="ko-KR" altLang="en-US" dirty="0"/>
+              <a:t>하지 않는 한 </a:t>
+            </a:r>
+            <a:r>
+              <a:rPr lang="en-US" altLang="ko-KR" dirty="0"/>
+              <a:t>merge </a:t>
+            </a:r>
+            <a:r>
+              <a:rPr lang="ko-KR" altLang="en-US" dirty="0"/>
+              <a:t>안됨</a:t>
+            </a:r>
+            <a:r>
+              <a:rPr lang="en-US" altLang="ko-KR" dirty="0"/>
+              <a:t>.</a:t>
+            </a:r>
+          </a:p>
+          <a:p>
+            <a:pPr marL="609600" lvl="1" indent="-342900">
+              <a:buClr>
+                <a:schemeClr val="tx1">
+                  <a:lumMod val="65000"/>
+                  <a:lumOff val="35000"/>
+                </a:schemeClr>
+              </a:buClr>
+              <a:buFont typeface="+mj-ea"/>
+              <a:buAutoNum type="circleNumDbPlain"/>
+              <a:defRPr/>
+            </a:pPr>
+            <a:r>
+              <a:rPr lang="en-US" altLang="ko-KR" dirty="0">
+                <a:solidFill>
+                  <a:srgbClr val="FF0000"/>
+                </a:solidFill>
+              </a:rPr>
+              <a:t>Clone</a:t>
+            </a:r>
+            <a:r>
+              <a:rPr lang="ko-KR" altLang="en-US" dirty="0">
+                <a:solidFill>
+                  <a:srgbClr val="FF0000"/>
+                </a:solidFill>
+              </a:rPr>
+              <a:t>과 </a:t>
+            </a:r>
+            <a:r>
+              <a:rPr lang="en-US" altLang="ko-KR" dirty="0">
+                <a:solidFill>
+                  <a:srgbClr val="FF0000"/>
+                </a:solidFill>
+              </a:rPr>
+              <a:t>pull</a:t>
+            </a:r>
+            <a:r>
+              <a:rPr lang="ko-KR" altLang="en-US" dirty="0">
+                <a:solidFill>
+                  <a:srgbClr val="FF0000"/>
+                </a:solidFill>
+              </a:rPr>
+              <a:t>이</a:t>
+            </a:r>
+            <a:r>
+              <a:rPr lang="en-US" altLang="ko-KR" dirty="0">
+                <a:solidFill>
+                  <a:srgbClr val="FF0000"/>
+                </a:solidFill>
+              </a:rPr>
+              <a:t> </a:t>
+            </a:r>
+            <a:r>
+              <a:rPr lang="ko-KR" altLang="en-US" dirty="0">
+                <a:solidFill>
+                  <a:srgbClr val="FF0000"/>
+                </a:solidFill>
+              </a:rPr>
+              <a:t>차이</a:t>
+            </a:r>
+            <a:r>
+              <a:rPr lang="en-US" altLang="ko-KR" dirty="0">
+                <a:solidFill>
+                  <a:srgbClr val="FF0000"/>
+                </a:solidFill>
+              </a:rPr>
+              <a:t>, </a:t>
+            </a:r>
+            <a:r>
+              <a:rPr lang="ko-KR" altLang="en-US" dirty="0">
+                <a:solidFill>
+                  <a:srgbClr val="FF0000"/>
+                </a:solidFill>
+              </a:rPr>
+              <a:t>로컬에서 자동 연결 삭제 방법 확인</a:t>
+            </a:r>
+            <a:endParaRPr lang="en-US" altLang="ko-KR" dirty="0">
+              <a:solidFill>
+                <a:srgbClr val="FF0000"/>
+              </a:solidFill>
+            </a:endParaRPr>
+          </a:p>
+          <a:p>
+            <a:endParaRPr lang="ko-KR" altLang="en-US" dirty="0">
+              <a:solidFill>
+                <a:srgbClr val="FF0000"/>
+              </a:solidFill>
+            </a:endParaRPr>
+          </a:p>
+        </p:txBody>
+      </p:sp>
+    </p:spTree>
+    <p:extLst>
+      <p:ext uri="{BB962C8B-B14F-4D97-AF65-F5344CB8AC3E}">
+        <p14:creationId xmlns:p14="http://schemas.microsoft.com/office/powerpoint/2010/main" val="1123756259"/>
+      </p:ext>
+    </p:extLst>
+  </p:cSld>
+  <p:clrMapOvr>
+    <a:masterClrMapping/>
+  </p:clrMapOvr>
+</p:sld>
+</file>
+
+<file path=ppt/slides/slide21.xml><?xml version="1.0" encoding="utf-8"?>
+<p:sld xmlns:a="http://schemas.openxmlformats.org/drawingml/2006/main" xmlns:r="http://schemas.openxmlformats.org/officeDocument/2006/relationships" xmlns:p="http://schemas.openxmlformats.org/presentationml/2006/main">
+  <p:cSld>
+    <p:spTree>
+      <p:nvGrpSpPr>
+        <p:cNvPr id="1" name=""/>
+        <p:cNvGrpSpPr/>
+        <p:nvPr/>
+      </p:nvGrpSpPr>
+      <p:grpSpPr>
+        <a:xfrm>
+          <a:off x="0" y="0"/>
+          <a:ext cx="0" cy="0"/>
+          <a:chOff x="0" y="0"/>
+          <a:chExt cx="0" cy="0"/>
+        </a:xfrm>
+      </p:grpSpPr>
+      <p:sp>
+        <p:nvSpPr>
+          <p:cNvPr id="4" name="제목 3">
+            <a:extLst>
+              <a:ext uri="{FF2B5EF4-FFF2-40B4-BE49-F238E27FC236}">
+                <a16:creationId xmlns:a16="http://schemas.microsoft.com/office/drawing/2014/main" id="{F0CEB32B-CB43-4410-BA08-A97E4BC47FCB}"/>
+              </a:ext>
+            </a:extLst>
+          </p:cNvPr>
+          <p:cNvSpPr>
+            <a:spLocks noGrp="1"/>
+          </p:cNvSpPr>
+          <p:nvPr>
+            <p:ph type="title"/>
+          </p:nvPr>
+        </p:nvSpPr>
+        <p:spPr/>
+        <p:txBody>
+          <a:bodyPr/>
+          <a:lstStyle/>
+          <a:p>
+            <a:r>
+              <a:rPr lang="ko-KR" altLang="en-US" dirty="0"/>
+              <a:t>협업 잘하기</a:t>
+            </a:r>
+          </a:p>
+        </p:txBody>
+      </p:sp>
+      <p:sp>
+        <p:nvSpPr>
+          <p:cNvPr id="5" name="내용 개체 틀 4">
+            <a:extLst>
+              <a:ext uri="{FF2B5EF4-FFF2-40B4-BE49-F238E27FC236}">
+                <a16:creationId xmlns:a16="http://schemas.microsoft.com/office/drawing/2014/main" id="{FDF69C25-9F43-470B-8A20-AEDC0F371CCD}"/>
+              </a:ext>
+            </a:extLst>
+          </p:cNvPr>
+          <p:cNvSpPr>
+            <a:spLocks noGrp="1"/>
+          </p:cNvSpPr>
+          <p:nvPr>
+            <p:ph idx="1"/>
+          </p:nvPr>
+        </p:nvSpPr>
+        <p:spPr>
+          <a:xfrm>
+            <a:off x="250825" y="1000222"/>
+            <a:ext cx="8641655" cy="1678058"/>
+          </a:xfrm>
+        </p:spPr>
+        <p:txBody>
+          <a:bodyPr tIns="0" bIns="0">
+            <a:noAutofit/>
+          </a:bodyPr>
+          <a:lstStyle/>
+          <a:p>
+            <a:pPr>
+              <a:buClr>
+                <a:schemeClr val="tx1">
+                  <a:lumMod val="65000"/>
+                  <a:lumOff val="35000"/>
+                </a:schemeClr>
+              </a:buClr>
+              <a:defRPr/>
+            </a:pPr>
+            <a:r>
+              <a:rPr lang="ko-KR" altLang="en-US" dirty="0"/>
+              <a:t>원격 </a:t>
+            </a:r>
+            <a:r>
+              <a:rPr lang="en-US" altLang="ko-KR" dirty="0"/>
+              <a:t>main</a:t>
+            </a:r>
+            <a:r>
+              <a:rPr lang="ko-KR" altLang="en-US" dirty="0"/>
+              <a:t>이나 </a:t>
+            </a:r>
+            <a:r>
+              <a:rPr lang="en-US" altLang="ko-KR" dirty="0"/>
+              <a:t>branch</a:t>
+            </a:r>
+            <a:r>
+              <a:rPr lang="ko-KR" altLang="en-US" dirty="0"/>
+              <a:t>에서의</a:t>
+            </a:r>
+            <a:r>
+              <a:rPr lang="en-US" altLang="ko-KR" dirty="0"/>
+              <a:t> </a:t>
+            </a:r>
+            <a:r>
+              <a:rPr lang="ko-KR" altLang="en-US" dirty="0"/>
+              <a:t>변경 내용을 수시로 확인할 것</a:t>
+            </a:r>
+            <a:endParaRPr lang="en-US" altLang="ko-KR" dirty="0"/>
+          </a:p>
+          <a:p>
+            <a:pPr marL="534988" lvl="1" indent="-268288">
+              <a:spcBef>
+                <a:spcPts val="0"/>
+              </a:spcBef>
+              <a:spcAft>
+                <a:spcPts val="0"/>
+              </a:spcAft>
+              <a:buClr>
+                <a:schemeClr val="tx1">
+                  <a:lumMod val="65000"/>
+                  <a:lumOff val="35000"/>
+                </a:schemeClr>
+              </a:buClr>
+              <a:buFont typeface="+mj-ea"/>
+              <a:buAutoNum type="circleNumDbPlain"/>
+              <a:defRPr/>
+            </a:pPr>
+            <a:r>
+              <a:rPr lang="ko-KR" altLang="en-US" dirty="0" err="1"/>
+              <a:t>브랜치에</a:t>
+            </a:r>
+            <a:r>
+              <a:rPr lang="ko-KR" altLang="en-US" dirty="0"/>
+              <a:t> 관계없이 중간 중간에 </a:t>
+            </a:r>
+            <a:r>
+              <a:rPr lang="en-US" altLang="ko-KR" dirty="0"/>
+              <a:t>origin</a:t>
+            </a:r>
+            <a:r>
+              <a:rPr lang="ko-KR" altLang="en-US" dirty="0"/>
+              <a:t> </a:t>
+            </a:r>
+            <a:r>
+              <a:rPr lang="en-US" altLang="ko-KR" dirty="0"/>
+              <a:t>main</a:t>
+            </a:r>
+            <a:r>
+              <a:rPr lang="ko-KR" altLang="en-US" dirty="0"/>
+              <a:t>에서 수정되는 내용을 확인</a:t>
+            </a:r>
+            <a:endParaRPr lang="en-US" altLang="ko-KR" dirty="0"/>
+          </a:p>
+          <a:p>
+            <a:pPr marL="534988" lvl="1" indent="-268288">
+              <a:spcBef>
+                <a:spcPts val="0"/>
+              </a:spcBef>
+              <a:spcAft>
+                <a:spcPts val="0"/>
+              </a:spcAft>
+              <a:buClr>
+                <a:schemeClr val="tx1">
+                  <a:lumMod val="65000"/>
+                  <a:lumOff val="35000"/>
+                </a:schemeClr>
+              </a:buClr>
+              <a:buNone/>
+              <a:defRPr/>
+            </a:pPr>
+            <a:r>
+              <a:rPr lang="en-US" altLang="ko-KR" dirty="0"/>
+              <a:t>        pull</a:t>
+            </a:r>
+            <a:r>
+              <a:rPr lang="ko-KR" altLang="en-US" dirty="0"/>
+              <a:t>을 이용하여 본인이 하고 있는 </a:t>
+            </a:r>
+            <a:r>
+              <a:rPr lang="ko-KR" altLang="en-US" dirty="0" err="1"/>
+              <a:t>브랜치에</a:t>
+            </a:r>
+            <a:r>
+              <a:rPr lang="ko-KR" altLang="en-US" dirty="0"/>
+              <a:t> 영향을 주는 변화가 없는지 확인</a:t>
+            </a:r>
+            <a:endParaRPr lang="en-US" altLang="ko-KR" dirty="0"/>
+          </a:p>
+          <a:p>
+            <a:pPr marL="534988" lvl="1" indent="-268288">
+              <a:spcBef>
+                <a:spcPts val="0"/>
+              </a:spcBef>
+              <a:spcAft>
+                <a:spcPts val="0"/>
+              </a:spcAft>
+              <a:buClr>
+                <a:schemeClr val="tx1">
+                  <a:lumMod val="65000"/>
+                  <a:lumOff val="35000"/>
+                </a:schemeClr>
+              </a:buClr>
+              <a:buFont typeface="+mj-ea"/>
+              <a:buAutoNum type="circleNumDbPlain" startAt="2"/>
+              <a:defRPr/>
+            </a:pPr>
+            <a:r>
+              <a:rPr lang="ko-KR" altLang="en-US" dirty="0"/>
+              <a:t>연관 </a:t>
+            </a:r>
+            <a:r>
+              <a:rPr lang="ko-KR" altLang="en-US" dirty="0" err="1"/>
+              <a:t>브랜치</a:t>
+            </a:r>
+            <a:r>
+              <a:rPr lang="ko-KR" altLang="en-US" dirty="0"/>
+              <a:t> 변화 확인</a:t>
+            </a:r>
+            <a:endParaRPr lang="en-US" altLang="ko-KR" dirty="0"/>
+          </a:p>
+          <a:p>
+            <a:pPr>
+              <a:buClr>
+                <a:schemeClr val="tx1">
+                  <a:lumMod val="65000"/>
+                  <a:lumOff val="35000"/>
+                </a:schemeClr>
+              </a:buClr>
+              <a:defRPr/>
+            </a:pPr>
+            <a:endParaRPr lang="en-US" altLang="ko-KR" dirty="0"/>
+          </a:p>
+          <a:p>
+            <a:pPr>
+              <a:buClr>
+                <a:schemeClr val="tx1">
+                  <a:lumMod val="65000"/>
+                  <a:lumOff val="35000"/>
+                </a:schemeClr>
+              </a:buClr>
+              <a:defRPr/>
+            </a:pPr>
+            <a:endParaRPr lang="en-US" altLang="ko-KR" dirty="0"/>
+          </a:p>
+          <a:p>
+            <a:pPr>
+              <a:buClr>
+                <a:schemeClr val="tx1">
+                  <a:lumMod val="65000"/>
+                  <a:lumOff val="35000"/>
+                </a:schemeClr>
+              </a:buClr>
+              <a:defRPr/>
+            </a:pPr>
+            <a:endParaRPr lang="en-US" altLang="ko-KR" dirty="0"/>
+          </a:p>
+          <a:p>
+            <a:endParaRPr lang="ko-KR" altLang="en-US" dirty="0">
+              <a:solidFill>
+                <a:srgbClr val="FF0000"/>
+              </a:solidFill>
+            </a:endParaRPr>
+          </a:p>
+        </p:txBody>
+      </p:sp>
+      <p:sp>
+        <p:nvSpPr>
+          <p:cNvPr id="2" name="사각형: 둥근 모서리 1">
+            <a:extLst>
+              <a:ext uri="{FF2B5EF4-FFF2-40B4-BE49-F238E27FC236}">
+                <a16:creationId xmlns:a16="http://schemas.microsoft.com/office/drawing/2014/main" id="{18CD93FA-439D-4FCE-9EAA-243214284F27}"/>
+              </a:ext>
+            </a:extLst>
+          </p:cNvPr>
+          <p:cNvSpPr/>
+          <p:nvPr/>
+        </p:nvSpPr>
+        <p:spPr>
+          <a:xfrm>
+            <a:off x="4253970" y="2789108"/>
+            <a:ext cx="1080000" cy="288000"/>
+          </a:xfrm>
+          <a:prstGeom prst="roundRect">
+            <a:avLst/>
+          </a:prstGeom>
+          <a:solidFill>
+            <a:schemeClr val="bg2">
+              <a:lumMod val="40000"/>
+              <a:lumOff val="60000"/>
+            </a:schemeClr>
+          </a:solidFill>
+        </p:spPr>
+        <p:style>
+          <a:lnRef idx="2">
+            <a:schemeClr val="accent1">
+              <a:shade val="50000"/>
+            </a:schemeClr>
+          </a:lnRef>
+          <a:fillRef idx="1">
+            <a:schemeClr val="accent1"/>
+          </a:fillRef>
+          <a:effectRef idx="0">
+            <a:schemeClr val="accent1"/>
+          </a:effectRef>
+          <a:fontRef idx="minor">
+            <a:schemeClr val="lt1"/>
+          </a:fontRef>
+        </p:style>
+        <p:txBody>
+          <a:bodyPr rtlCol="0" anchor="ctr"/>
+          <a:lstStyle/>
+          <a:p>
+            <a:pPr algn="ctr"/>
+            <a:r>
+              <a:rPr lang="ko-KR" altLang="en-US" sz="1400" dirty="0">
+                <a:solidFill>
+                  <a:schemeClr val="tx1"/>
+                </a:solidFill>
+              </a:rPr>
+              <a:t>로컬 </a:t>
+            </a:r>
+            <a:r>
+              <a:rPr lang="en-US" altLang="ko-KR" sz="1400" dirty="0">
+                <a:solidFill>
+                  <a:schemeClr val="tx1"/>
+                </a:solidFill>
+              </a:rPr>
+              <a:t>1 </a:t>
+            </a:r>
+            <a:endParaRPr lang="ko-KR" altLang="en-US" sz="1400" dirty="0">
+              <a:solidFill>
+                <a:schemeClr val="tx1"/>
+              </a:solidFill>
+            </a:endParaRPr>
+          </a:p>
+        </p:txBody>
+      </p:sp>
+      <p:sp>
+        <p:nvSpPr>
+          <p:cNvPr id="6" name="사각형: 둥근 모서리 5">
+            <a:extLst>
+              <a:ext uri="{FF2B5EF4-FFF2-40B4-BE49-F238E27FC236}">
+                <a16:creationId xmlns:a16="http://schemas.microsoft.com/office/drawing/2014/main" id="{886A41D0-4F43-43C9-B015-4834CA53DA56}"/>
+              </a:ext>
+            </a:extLst>
+          </p:cNvPr>
+          <p:cNvSpPr/>
+          <p:nvPr/>
+        </p:nvSpPr>
+        <p:spPr>
+          <a:xfrm>
+            <a:off x="1102638" y="2789107"/>
+            <a:ext cx="1080000" cy="288000"/>
+          </a:xfrm>
+          <a:prstGeom prst="roundRect">
+            <a:avLst/>
+          </a:prstGeom>
+          <a:solidFill>
+            <a:schemeClr val="bg1">
+              <a:lumMod val="95000"/>
+            </a:schemeClr>
+          </a:solidFill>
+        </p:spPr>
+        <p:style>
+          <a:lnRef idx="2">
+            <a:schemeClr val="accent1">
+              <a:shade val="50000"/>
+            </a:schemeClr>
+          </a:lnRef>
+          <a:fillRef idx="1">
+            <a:schemeClr val="accent1"/>
+          </a:fillRef>
+          <a:effectRef idx="0">
+            <a:schemeClr val="accent1"/>
+          </a:effectRef>
+          <a:fontRef idx="minor">
+            <a:schemeClr val="lt1"/>
+          </a:fontRef>
+        </p:style>
+        <p:txBody>
+          <a:bodyPr rtlCol="0" anchor="ctr"/>
+          <a:lstStyle/>
+          <a:p>
+            <a:pPr algn="ctr"/>
+            <a:r>
+              <a:rPr lang="ko-KR" altLang="en-US" sz="1400" dirty="0">
+                <a:solidFill>
+                  <a:schemeClr val="tx1"/>
+                </a:solidFill>
+              </a:rPr>
+              <a:t>원격</a:t>
+            </a:r>
+            <a:r>
+              <a:rPr lang="en-US" altLang="ko-KR" sz="1400" dirty="0">
+                <a:solidFill>
+                  <a:schemeClr val="tx1"/>
+                </a:solidFill>
+              </a:rPr>
+              <a:t> </a:t>
+            </a:r>
+            <a:endParaRPr lang="ko-KR" altLang="en-US" sz="1400" dirty="0">
+              <a:solidFill>
+                <a:schemeClr val="tx1"/>
+              </a:solidFill>
+            </a:endParaRPr>
+          </a:p>
+        </p:txBody>
+      </p:sp>
+      <p:sp>
+        <p:nvSpPr>
+          <p:cNvPr id="3" name="사각형: 둥근 모서리 2">
+            <a:extLst>
+              <a:ext uri="{FF2B5EF4-FFF2-40B4-BE49-F238E27FC236}">
+                <a16:creationId xmlns:a16="http://schemas.microsoft.com/office/drawing/2014/main" id="{81013251-7459-499A-B56B-C96316F004CA}"/>
+              </a:ext>
+            </a:extLst>
+          </p:cNvPr>
+          <p:cNvSpPr/>
+          <p:nvPr/>
+        </p:nvSpPr>
+        <p:spPr>
+          <a:xfrm>
+            <a:off x="1102638" y="3077107"/>
+            <a:ext cx="1440000" cy="1980000"/>
+          </a:xfrm>
+          <a:prstGeom prst="roundRect">
+            <a:avLst>
+              <a:gd name="adj" fmla="val 5001"/>
+            </a:avLst>
+          </a:prstGeom>
+          <a:noFill/>
+          <a:ln>
+            <a:solidFill>
+              <a:schemeClr val="tx1"/>
+            </a:solidFill>
+          </a:ln>
+        </p:spPr>
+        <p:style>
+          <a:lnRef idx="2">
+            <a:schemeClr val="accent1">
+              <a:shade val="50000"/>
+            </a:schemeClr>
+          </a:lnRef>
+          <a:fillRef idx="1">
+            <a:schemeClr val="accent1"/>
+          </a:fillRef>
+          <a:effectRef idx="0">
+            <a:schemeClr val="accent1"/>
+          </a:effectRef>
+          <a:fontRef idx="minor">
+            <a:schemeClr val="lt1"/>
+          </a:fontRef>
+        </p:style>
+        <p:txBody>
+          <a:bodyPr rtlCol="0" anchor="ctr"/>
+          <a:lstStyle/>
+          <a:p>
+            <a:pPr algn="ctr"/>
+            <a:endParaRPr lang="ko-KR" altLang="en-US"/>
+          </a:p>
+        </p:txBody>
+      </p:sp>
+      <p:sp>
+        <p:nvSpPr>
+          <p:cNvPr id="7" name="사각형: 둥근 모서리 6">
+            <a:extLst>
+              <a:ext uri="{FF2B5EF4-FFF2-40B4-BE49-F238E27FC236}">
+                <a16:creationId xmlns:a16="http://schemas.microsoft.com/office/drawing/2014/main" id="{FF82F32A-E50D-4582-9B0E-96F905049ADF}"/>
+              </a:ext>
+            </a:extLst>
+          </p:cNvPr>
+          <p:cNvSpPr/>
+          <p:nvPr/>
+        </p:nvSpPr>
+        <p:spPr>
+          <a:xfrm>
+            <a:off x="4253970" y="3077107"/>
+            <a:ext cx="4134796" cy="540000"/>
+          </a:xfrm>
+          <a:prstGeom prst="roundRect">
+            <a:avLst>
+              <a:gd name="adj" fmla="val 5001"/>
+            </a:avLst>
+          </a:prstGeom>
+          <a:noFill/>
+          <a:ln>
+            <a:solidFill>
+              <a:schemeClr val="tx1"/>
+            </a:solidFill>
+          </a:ln>
+        </p:spPr>
+        <p:style>
+          <a:lnRef idx="2">
+            <a:schemeClr val="accent1">
+              <a:shade val="50000"/>
+            </a:schemeClr>
+          </a:lnRef>
+          <a:fillRef idx="1">
+            <a:schemeClr val="accent1"/>
+          </a:fillRef>
+          <a:effectRef idx="0">
+            <a:schemeClr val="accent1"/>
+          </a:effectRef>
+          <a:fontRef idx="minor">
+            <a:schemeClr val="lt1"/>
+          </a:fontRef>
+        </p:style>
+        <p:txBody>
+          <a:bodyPr rtlCol="0" anchor="ctr"/>
+          <a:lstStyle/>
+          <a:p>
+            <a:pPr algn="ctr"/>
+            <a:endParaRPr lang="ko-KR" altLang="en-US"/>
+          </a:p>
+        </p:txBody>
+      </p:sp>
+      <p:sp>
+        <p:nvSpPr>
+          <p:cNvPr id="8" name="사각형: 둥근 모서리 7">
+            <a:extLst>
+              <a:ext uri="{FF2B5EF4-FFF2-40B4-BE49-F238E27FC236}">
+                <a16:creationId xmlns:a16="http://schemas.microsoft.com/office/drawing/2014/main" id="{6A9D3B18-0826-4B2D-B881-533CE2B71E42}"/>
+              </a:ext>
+            </a:extLst>
+          </p:cNvPr>
+          <p:cNvSpPr/>
+          <p:nvPr/>
+        </p:nvSpPr>
+        <p:spPr>
+          <a:xfrm>
+            <a:off x="1282638" y="3400517"/>
+            <a:ext cx="1080000" cy="288000"/>
+          </a:xfrm>
+          <a:prstGeom prst="roundRect">
+            <a:avLst/>
+          </a:prstGeom>
+          <a:solidFill>
+            <a:schemeClr val="bg1">
+              <a:lumMod val="95000"/>
+            </a:schemeClr>
+          </a:solidFill>
+        </p:spPr>
+        <p:style>
+          <a:lnRef idx="2">
+            <a:schemeClr val="accent1">
+              <a:shade val="50000"/>
+            </a:schemeClr>
+          </a:lnRef>
+          <a:fillRef idx="1">
+            <a:schemeClr val="accent1"/>
+          </a:fillRef>
+          <a:effectRef idx="0">
+            <a:schemeClr val="accent1"/>
+          </a:effectRef>
+          <a:fontRef idx="minor">
+            <a:schemeClr val="lt1"/>
+          </a:fontRef>
+        </p:style>
+        <p:txBody>
+          <a:bodyPr rtlCol="0" anchor="ctr"/>
+          <a:lstStyle/>
+          <a:p>
+            <a:pPr algn="ctr"/>
+            <a:r>
+              <a:rPr lang="en-US" altLang="ko-KR" sz="1400">
+                <a:solidFill>
+                  <a:schemeClr val="tx1"/>
+                </a:solidFill>
+              </a:rPr>
+              <a:t>main</a:t>
+            </a:r>
+            <a:r>
+              <a:rPr lang="en-US" altLang="ko-KR" sz="1400" dirty="0">
+                <a:solidFill>
+                  <a:schemeClr val="tx1"/>
+                </a:solidFill>
+              </a:rPr>
+              <a:t> </a:t>
+            </a:r>
+            <a:endParaRPr lang="ko-KR" altLang="en-US" sz="1400" dirty="0">
+              <a:solidFill>
+                <a:schemeClr val="tx1"/>
+              </a:solidFill>
+            </a:endParaRPr>
+          </a:p>
+        </p:txBody>
+      </p:sp>
+      <p:sp>
+        <p:nvSpPr>
+          <p:cNvPr id="9" name="사각형: 둥근 모서리 8">
+            <a:extLst>
+              <a:ext uri="{FF2B5EF4-FFF2-40B4-BE49-F238E27FC236}">
+                <a16:creationId xmlns:a16="http://schemas.microsoft.com/office/drawing/2014/main" id="{F34DF67C-BA8A-44CF-B72E-49B13D40C1E9}"/>
+              </a:ext>
+            </a:extLst>
+          </p:cNvPr>
+          <p:cNvSpPr/>
+          <p:nvPr/>
+        </p:nvSpPr>
+        <p:spPr>
+          <a:xfrm>
+            <a:off x="1282638" y="3936298"/>
+            <a:ext cx="1080000" cy="288000"/>
+          </a:xfrm>
+          <a:prstGeom prst="roundRect">
+            <a:avLst/>
+          </a:prstGeom>
+          <a:solidFill>
+            <a:schemeClr val="bg1">
+              <a:lumMod val="95000"/>
+            </a:schemeClr>
+          </a:solidFill>
+        </p:spPr>
+        <p:style>
+          <a:lnRef idx="2">
+            <a:schemeClr val="accent1">
+              <a:shade val="50000"/>
+            </a:schemeClr>
+          </a:lnRef>
+          <a:fillRef idx="1">
+            <a:schemeClr val="accent1"/>
+          </a:fillRef>
+          <a:effectRef idx="0">
+            <a:schemeClr val="accent1"/>
+          </a:effectRef>
+          <a:fontRef idx="minor">
+            <a:schemeClr val="lt1"/>
+          </a:fontRef>
+        </p:style>
+        <p:txBody>
+          <a:bodyPr rtlCol="0" anchor="ctr"/>
+          <a:lstStyle/>
+          <a:p>
+            <a:pPr algn="ctr"/>
+            <a:r>
+              <a:rPr lang="en-US" altLang="ko-KR" sz="1400" dirty="0">
+                <a:solidFill>
+                  <a:schemeClr val="tx1"/>
+                </a:solidFill>
+              </a:rPr>
+              <a:t>branch-1 </a:t>
+            </a:r>
+            <a:endParaRPr lang="ko-KR" altLang="en-US" sz="1400" dirty="0">
+              <a:solidFill>
+                <a:schemeClr val="tx1"/>
+              </a:solidFill>
+            </a:endParaRPr>
+          </a:p>
+        </p:txBody>
+      </p:sp>
+      <p:sp>
+        <p:nvSpPr>
+          <p:cNvPr id="10" name="사각형: 둥근 모서리 9">
+            <a:extLst>
+              <a:ext uri="{FF2B5EF4-FFF2-40B4-BE49-F238E27FC236}">
+                <a16:creationId xmlns:a16="http://schemas.microsoft.com/office/drawing/2014/main" id="{13F2EB19-B2AD-49E6-A99D-122784884F1F}"/>
+              </a:ext>
+            </a:extLst>
+          </p:cNvPr>
+          <p:cNvSpPr/>
+          <p:nvPr/>
+        </p:nvSpPr>
+        <p:spPr>
+          <a:xfrm>
+            <a:off x="1282638" y="4483395"/>
+            <a:ext cx="1080000" cy="288000"/>
+          </a:xfrm>
+          <a:prstGeom prst="roundRect">
+            <a:avLst/>
+          </a:prstGeom>
+          <a:solidFill>
+            <a:schemeClr val="bg1">
+              <a:lumMod val="95000"/>
+            </a:schemeClr>
+          </a:solidFill>
+        </p:spPr>
+        <p:style>
+          <a:lnRef idx="2">
+            <a:schemeClr val="accent1">
+              <a:shade val="50000"/>
+            </a:schemeClr>
+          </a:lnRef>
+          <a:fillRef idx="1">
+            <a:schemeClr val="accent1"/>
+          </a:fillRef>
+          <a:effectRef idx="0">
+            <a:schemeClr val="accent1"/>
+          </a:effectRef>
+          <a:fontRef idx="minor">
+            <a:schemeClr val="lt1"/>
+          </a:fontRef>
+        </p:style>
+        <p:txBody>
+          <a:bodyPr rtlCol="0" anchor="ctr"/>
+          <a:lstStyle/>
+          <a:p>
+            <a:pPr algn="ctr"/>
+            <a:r>
+              <a:rPr lang="en-US" altLang="ko-KR" sz="1400" dirty="0">
+                <a:solidFill>
+                  <a:schemeClr val="tx1"/>
+                </a:solidFill>
+              </a:rPr>
+              <a:t>branch-2 </a:t>
+            </a:r>
+            <a:endParaRPr lang="ko-KR" altLang="en-US" sz="1400" dirty="0">
+              <a:solidFill>
+                <a:schemeClr val="tx1"/>
+              </a:solidFill>
+            </a:endParaRPr>
+          </a:p>
+        </p:txBody>
+      </p:sp>
+      <p:sp>
+        <p:nvSpPr>
+          <p:cNvPr id="11" name="사각형: 둥근 모서리 10">
+            <a:extLst>
+              <a:ext uri="{FF2B5EF4-FFF2-40B4-BE49-F238E27FC236}">
+                <a16:creationId xmlns:a16="http://schemas.microsoft.com/office/drawing/2014/main" id="{65FFA710-DB4E-451B-A7F0-DD8327427723}"/>
+              </a:ext>
+            </a:extLst>
+          </p:cNvPr>
+          <p:cNvSpPr/>
+          <p:nvPr/>
+        </p:nvSpPr>
+        <p:spPr>
+          <a:xfrm>
+            <a:off x="4442970" y="3203107"/>
+            <a:ext cx="1080000" cy="288000"/>
+          </a:xfrm>
+          <a:prstGeom prst="roundRect">
+            <a:avLst/>
+          </a:prstGeom>
+          <a:solidFill>
+            <a:schemeClr val="bg2">
+              <a:lumMod val="40000"/>
+              <a:lumOff val="60000"/>
+            </a:schemeClr>
+          </a:solidFill>
+        </p:spPr>
+        <p:style>
+          <a:lnRef idx="2">
+            <a:schemeClr val="accent1">
+              <a:shade val="50000"/>
+            </a:schemeClr>
+          </a:lnRef>
+          <a:fillRef idx="1">
+            <a:schemeClr val="accent1"/>
+          </a:fillRef>
+          <a:effectRef idx="0">
+            <a:schemeClr val="accent1"/>
+          </a:effectRef>
+          <a:fontRef idx="minor">
+            <a:schemeClr val="lt1"/>
+          </a:fontRef>
+        </p:style>
+        <p:txBody>
+          <a:bodyPr rtlCol="0" anchor="ctr"/>
+          <a:lstStyle/>
+          <a:p>
+            <a:pPr algn="ctr"/>
+            <a:r>
+              <a:rPr lang="en-US" altLang="ko-KR" sz="1400">
+                <a:solidFill>
+                  <a:schemeClr val="tx1"/>
+                </a:solidFill>
+              </a:rPr>
+              <a:t>main</a:t>
+            </a:r>
+            <a:r>
+              <a:rPr lang="en-US" altLang="ko-KR" sz="1400" dirty="0">
+                <a:solidFill>
+                  <a:schemeClr val="tx1"/>
+                </a:solidFill>
+              </a:rPr>
+              <a:t> </a:t>
+            </a:r>
+            <a:endParaRPr lang="ko-KR" altLang="en-US" sz="1400" dirty="0">
+              <a:solidFill>
+                <a:schemeClr val="tx1"/>
+              </a:solidFill>
+            </a:endParaRPr>
+          </a:p>
+        </p:txBody>
+      </p:sp>
+      <p:cxnSp>
+        <p:nvCxnSpPr>
+          <p:cNvPr id="15" name="직선 화살표 연결선 14">
+            <a:extLst>
+              <a:ext uri="{FF2B5EF4-FFF2-40B4-BE49-F238E27FC236}">
+                <a16:creationId xmlns:a16="http://schemas.microsoft.com/office/drawing/2014/main" id="{2E96DA91-B407-4928-867F-4CC09F536848}"/>
+              </a:ext>
+            </a:extLst>
+          </p:cNvPr>
+          <p:cNvCxnSpPr>
+            <a:endCxn id="2" idx="1"/>
+          </p:cNvCxnSpPr>
+          <p:nvPr/>
+        </p:nvCxnSpPr>
+        <p:spPr>
+          <a:xfrm>
+            <a:off x="2182638" y="2928134"/>
+            <a:ext cx="2071332" cy="4974"/>
+          </a:xfrm>
+          <a:prstGeom prst="straightConnector1">
+            <a:avLst/>
+          </a:prstGeom>
+          <a:ln w="19050">
+            <a:solidFill>
+              <a:srgbClr val="0000FF"/>
+            </a:solidFill>
+            <a:tailEnd type="triangle"/>
+          </a:ln>
+        </p:spPr>
+        <p:style>
+          <a:lnRef idx="1">
+            <a:schemeClr val="accent1"/>
+          </a:lnRef>
+          <a:fillRef idx="0">
+            <a:schemeClr val="accent1"/>
+          </a:fillRef>
+          <a:effectRef idx="0">
+            <a:schemeClr val="accent1"/>
+          </a:effectRef>
+          <a:fontRef idx="minor">
+            <a:schemeClr val="tx1"/>
+          </a:fontRef>
+        </p:style>
+      </p:cxnSp>
+      <p:sp>
+        <p:nvSpPr>
+          <p:cNvPr id="16" name="TextBox 15">
+            <a:extLst>
+              <a:ext uri="{FF2B5EF4-FFF2-40B4-BE49-F238E27FC236}">
+                <a16:creationId xmlns:a16="http://schemas.microsoft.com/office/drawing/2014/main" id="{070693C1-17F9-4F90-88C0-BD546DFA3A4D}"/>
+              </a:ext>
+            </a:extLst>
+          </p:cNvPr>
+          <p:cNvSpPr txBox="1"/>
+          <p:nvPr/>
+        </p:nvSpPr>
+        <p:spPr>
+          <a:xfrm>
+            <a:off x="2941317" y="2620357"/>
+            <a:ext cx="622286" cy="307777"/>
+          </a:xfrm>
+          <a:prstGeom prst="rect">
+            <a:avLst/>
+          </a:prstGeom>
+          <a:noFill/>
+        </p:spPr>
+        <p:txBody>
+          <a:bodyPr wrap="none" rtlCol="0">
+            <a:spAutoFit/>
+          </a:bodyPr>
+          <a:lstStyle/>
+          <a:p>
+            <a:r>
+              <a:rPr lang="en-US" altLang="ko-KR" sz="1400" dirty="0">
+                <a:latin typeface="+mn-ea"/>
+              </a:rPr>
+              <a:t>clone</a:t>
+            </a:r>
+            <a:endParaRPr lang="ko-KR" altLang="en-US" sz="1400" dirty="0">
+              <a:latin typeface="+mn-ea"/>
+            </a:endParaRPr>
+          </a:p>
+        </p:txBody>
+      </p:sp>
+      <p:sp>
+        <p:nvSpPr>
+          <p:cNvPr id="17" name="사각형: 둥근 모서리 16">
+            <a:extLst>
+              <a:ext uri="{FF2B5EF4-FFF2-40B4-BE49-F238E27FC236}">
+                <a16:creationId xmlns:a16="http://schemas.microsoft.com/office/drawing/2014/main" id="{B4AED6FE-F82D-42B3-A434-02FFCE8B5D15}"/>
+              </a:ext>
+            </a:extLst>
+          </p:cNvPr>
+          <p:cNvSpPr/>
+          <p:nvPr/>
+        </p:nvSpPr>
+        <p:spPr>
+          <a:xfrm>
+            <a:off x="4253970" y="3759342"/>
+            <a:ext cx="1080000" cy="288000"/>
+          </a:xfrm>
+          <a:prstGeom prst="roundRect">
+            <a:avLst/>
+          </a:prstGeom>
+          <a:solidFill>
+            <a:schemeClr val="bg2">
+              <a:lumMod val="40000"/>
+              <a:lumOff val="60000"/>
+            </a:schemeClr>
+          </a:solidFill>
+        </p:spPr>
+        <p:style>
+          <a:lnRef idx="2">
+            <a:schemeClr val="accent1">
+              <a:shade val="50000"/>
+            </a:schemeClr>
+          </a:lnRef>
+          <a:fillRef idx="1">
+            <a:schemeClr val="accent1"/>
+          </a:fillRef>
+          <a:effectRef idx="0">
+            <a:schemeClr val="accent1"/>
+          </a:effectRef>
+          <a:fontRef idx="minor">
+            <a:schemeClr val="lt1"/>
+          </a:fontRef>
+        </p:style>
+        <p:txBody>
+          <a:bodyPr rtlCol="0" anchor="ctr"/>
+          <a:lstStyle/>
+          <a:p>
+            <a:pPr algn="ctr"/>
+            <a:r>
+              <a:rPr lang="ko-KR" altLang="en-US" sz="1400" dirty="0">
+                <a:solidFill>
+                  <a:schemeClr val="tx1"/>
+                </a:solidFill>
+              </a:rPr>
+              <a:t>로컬 </a:t>
+            </a:r>
+            <a:r>
+              <a:rPr lang="en-US" altLang="ko-KR" sz="1400" dirty="0">
+                <a:solidFill>
+                  <a:schemeClr val="tx1"/>
+                </a:solidFill>
+              </a:rPr>
+              <a:t>2 </a:t>
+            </a:r>
+            <a:endParaRPr lang="ko-KR" altLang="en-US" sz="1400" dirty="0">
+              <a:solidFill>
+                <a:schemeClr val="tx1"/>
+              </a:solidFill>
+            </a:endParaRPr>
+          </a:p>
+        </p:txBody>
+      </p:sp>
+      <p:sp>
+        <p:nvSpPr>
+          <p:cNvPr id="18" name="사각형: 둥근 모서리 17">
+            <a:extLst>
+              <a:ext uri="{FF2B5EF4-FFF2-40B4-BE49-F238E27FC236}">
+                <a16:creationId xmlns:a16="http://schemas.microsoft.com/office/drawing/2014/main" id="{D57A6FC5-A574-47F4-B2BF-3579A2EE2F11}"/>
+              </a:ext>
+            </a:extLst>
+          </p:cNvPr>
+          <p:cNvSpPr/>
+          <p:nvPr/>
+        </p:nvSpPr>
+        <p:spPr>
+          <a:xfrm>
+            <a:off x="4253970" y="4047341"/>
+            <a:ext cx="4134795" cy="540000"/>
+          </a:xfrm>
+          <a:prstGeom prst="roundRect">
+            <a:avLst>
+              <a:gd name="adj" fmla="val 5001"/>
+            </a:avLst>
+          </a:prstGeom>
+          <a:noFill/>
+          <a:ln>
+            <a:solidFill>
+              <a:schemeClr val="tx1"/>
+            </a:solidFill>
+          </a:ln>
+        </p:spPr>
+        <p:style>
+          <a:lnRef idx="2">
+            <a:schemeClr val="accent1">
+              <a:shade val="50000"/>
+            </a:schemeClr>
+          </a:lnRef>
+          <a:fillRef idx="1">
+            <a:schemeClr val="accent1"/>
+          </a:fillRef>
+          <a:effectRef idx="0">
+            <a:schemeClr val="accent1"/>
+          </a:effectRef>
+          <a:fontRef idx="minor">
+            <a:schemeClr val="lt1"/>
+          </a:fontRef>
+        </p:style>
+        <p:txBody>
+          <a:bodyPr rtlCol="0" anchor="ctr"/>
+          <a:lstStyle/>
+          <a:p>
+            <a:pPr algn="ctr"/>
+            <a:endParaRPr lang="ko-KR" altLang="en-US"/>
+          </a:p>
+        </p:txBody>
+      </p:sp>
+      <p:sp>
+        <p:nvSpPr>
+          <p:cNvPr id="20" name="사각형: 둥근 모서리 19">
+            <a:extLst>
+              <a:ext uri="{FF2B5EF4-FFF2-40B4-BE49-F238E27FC236}">
+                <a16:creationId xmlns:a16="http://schemas.microsoft.com/office/drawing/2014/main" id="{1D8034BA-AC42-4B00-98A1-03A3CBC2502C}"/>
+              </a:ext>
+            </a:extLst>
+          </p:cNvPr>
+          <p:cNvSpPr/>
+          <p:nvPr/>
+        </p:nvSpPr>
+        <p:spPr>
+          <a:xfrm>
+            <a:off x="4442970" y="4173341"/>
+            <a:ext cx="1080000" cy="288000"/>
+          </a:xfrm>
+          <a:prstGeom prst="roundRect">
+            <a:avLst/>
+          </a:prstGeom>
+          <a:solidFill>
+            <a:schemeClr val="bg2">
+              <a:lumMod val="40000"/>
+              <a:lumOff val="60000"/>
+            </a:schemeClr>
+          </a:solidFill>
+        </p:spPr>
+        <p:style>
+          <a:lnRef idx="2">
+            <a:schemeClr val="accent1">
+              <a:shade val="50000"/>
+            </a:schemeClr>
+          </a:lnRef>
+          <a:fillRef idx="1">
+            <a:schemeClr val="accent1"/>
+          </a:fillRef>
+          <a:effectRef idx="0">
+            <a:schemeClr val="accent1"/>
+          </a:effectRef>
+          <a:fontRef idx="minor">
+            <a:schemeClr val="lt1"/>
+          </a:fontRef>
+        </p:style>
+        <p:txBody>
+          <a:bodyPr rtlCol="0" anchor="ctr"/>
+          <a:lstStyle/>
+          <a:p>
+            <a:pPr algn="ctr"/>
+            <a:r>
+              <a:rPr lang="en-US" altLang="ko-KR" sz="1400" dirty="0">
+                <a:solidFill>
+                  <a:schemeClr val="tx1"/>
+                </a:solidFill>
+              </a:rPr>
+              <a:t>branch-1 </a:t>
+            </a:r>
+            <a:endParaRPr lang="ko-KR" altLang="en-US" sz="1400" dirty="0">
+              <a:solidFill>
+                <a:schemeClr val="tx1"/>
+              </a:solidFill>
+            </a:endParaRPr>
+          </a:p>
+        </p:txBody>
+      </p:sp>
+      <p:sp>
+        <p:nvSpPr>
+          <p:cNvPr id="22" name="사각형: 둥근 모서리 21">
+            <a:extLst>
+              <a:ext uri="{FF2B5EF4-FFF2-40B4-BE49-F238E27FC236}">
+                <a16:creationId xmlns:a16="http://schemas.microsoft.com/office/drawing/2014/main" id="{D526BB84-96F4-4525-9185-9F11919B86A1}"/>
+              </a:ext>
+            </a:extLst>
+          </p:cNvPr>
+          <p:cNvSpPr/>
+          <p:nvPr/>
+        </p:nvSpPr>
+        <p:spPr>
+          <a:xfrm>
+            <a:off x="4253970" y="4729597"/>
+            <a:ext cx="1080000" cy="288000"/>
+          </a:xfrm>
+          <a:prstGeom prst="roundRect">
+            <a:avLst/>
+          </a:prstGeom>
+          <a:solidFill>
+            <a:schemeClr val="bg2">
+              <a:lumMod val="40000"/>
+              <a:lumOff val="60000"/>
+            </a:schemeClr>
+          </a:solidFill>
+        </p:spPr>
+        <p:style>
+          <a:lnRef idx="2">
+            <a:schemeClr val="accent1">
+              <a:shade val="50000"/>
+            </a:schemeClr>
+          </a:lnRef>
+          <a:fillRef idx="1">
+            <a:schemeClr val="accent1"/>
+          </a:fillRef>
+          <a:effectRef idx="0">
+            <a:schemeClr val="accent1"/>
+          </a:effectRef>
+          <a:fontRef idx="minor">
+            <a:schemeClr val="lt1"/>
+          </a:fontRef>
+        </p:style>
+        <p:txBody>
+          <a:bodyPr rtlCol="0" anchor="ctr"/>
+          <a:lstStyle/>
+          <a:p>
+            <a:pPr algn="ctr"/>
+            <a:r>
+              <a:rPr lang="ko-KR" altLang="en-US" sz="1400" dirty="0">
+                <a:solidFill>
+                  <a:schemeClr val="tx1"/>
+                </a:solidFill>
+              </a:rPr>
+              <a:t>로컬 </a:t>
+            </a:r>
+            <a:r>
+              <a:rPr lang="en-US" altLang="ko-KR" sz="1400" dirty="0">
+                <a:solidFill>
+                  <a:schemeClr val="tx1"/>
+                </a:solidFill>
+              </a:rPr>
+              <a:t>3 </a:t>
+            </a:r>
+            <a:endParaRPr lang="ko-KR" altLang="en-US" sz="1400" dirty="0">
+              <a:solidFill>
+                <a:schemeClr val="tx1"/>
+              </a:solidFill>
+            </a:endParaRPr>
+          </a:p>
+        </p:txBody>
+      </p:sp>
+      <p:sp>
+        <p:nvSpPr>
+          <p:cNvPr id="23" name="사각형: 둥근 모서리 22">
+            <a:extLst>
+              <a:ext uri="{FF2B5EF4-FFF2-40B4-BE49-F238E27FC236}">
+                <a16:creationId xmlns:a16="http://schemas.microsoft.com/office/drawing/2014/main" id="{B31CABE5-506A-4395-A36B-87DB16CEEF07}"/>
+              </a:ext>
+            </a:extLst>
+          </p:cNvPr>
+          <p:cNvSpPr/>
+          <p:nvPr/>
+        </p:nvSpPr>
+        <p:spPr>
+          <a:xfrm>
+            <a:off x="4253970" y="5017596"/>
+            <a:ext cx="4134794" cy="540000"/>
+          </a:xfrm>
+          <a:prstGeom prst="roundRect">
+            <a:avLst>
+              <a:gd name="adj" fmla="val 5001"/>
+            </a:avLst>
+          </a:prstGeom>
+          <a:noFill/>
+          <a:ln>
+            <a:solidFill>
+              <a:schemeClr val="tx1"/>
+            </a:solidFill>
+          </a:ln>
+        </p:spPr>
+        <p:style>
+          <a:lnRef idx="2">
+            <a:schemeClr val="accent1">
+              <a:shade val="50000"/>
+            </a:schemeClr>
+          </a:lnRef>
+          <a:fillRef idx="1">
+            <a:schemeClr val="accent1"/>
+          </a:fillRef>
+          <a:effectRef idx="0">
+            <a:schemeClr val="accent1"/>
+          </a:effectRef>
+          <a:fontRef idx="minor">
+            <a:schemeClr val="lt1"/>
+          </a:fontRef>
+        </p:style>
+        <p:txBody>
+          <a:bodyPr rtlCol="0" anchor="ctr"/>
+          <a:lstStyle/>
+          <a:p>
+            <a:pPr algn="ctr"/>
+            <a:endParaRPr lang="ko-KR" altLang="en-US"/>
+          </a:p>
+        </p:txBody>
+      </p:sp>
+      <p:sp>
+        <p:nvSpPr>
+          <p:cNvPr id="26" name="사각형: 둥근 모서리 25">
+            <a:extLst>
+              <a:ext uri="{FF2B5EF4-FFF2-40B4-BE49-F238E27FC236}">
+                <a16:creationId xmlns:a16="http://schemas.microsoft.com/office/drawing/2014/main" id="{1DCEC6A4-8B6F-4BE6-9BB7-51E053BDAF30}"/>
+              </a:ext>
+            </a:extLst>
+          </p:cNvPr>
+          <p:cNvSpPr/>
+          <p:nvPr/>
+        </p:nvSpPr>
+        <p:spPr>
+          <a:xfrm>
+            <a:off x="4442970" y="5143596"/>
+            <a:ext cx="1080000" cy="288000"/>
+          </a:xfrm>
+          <a:prstGeom prst="roundRect">
+            <a:avLst/>
+          </a:prstGeom>
+          <a:solidFill>
+            <a:schemeClr val="bg2">
+              <a:lumMod val="40000"/>
+              <a:lumOff val="60000"/>
+            </a:schemeClr>
+          </a:solidFill>
+        </p:spPr>
+        <p:style>
+          <a:lnRef idx="2">
+            <a:schemeClr val="accent1">
+              <a:shade val="50000"/>
+            </a:schemeClr>
+          </a:lnRef>
+          <a:fillRef idx="1">
+            <a:schemeClr val="accent1"/>
+          </a:fillRef>
+          <a:effectRef idx="0">
+            <a:schemeClr val="accent1"/>
+          </a:effectRef>
+          <a:fontRef idx="minor">
+            <a:schemeClr val="lt1"/>
+          </a:fontRef>
+        </p:style>
+        <p:txBody>
+          <a:bodyPr rtlCol="0" anchor="ctr"/>
+          <a:lstStyle/>
+          <a:p>
+            <a:pPr algn="ctr"/>
+            <a:r>
+              <a:rPr lang="en-US" altLang="ko-KR" sz="1400" dirty="0">
+                <a:solidFill>
+                  <a:schemeClr val="tx1"/>
+                </a:solidFill>
+              </a:rPr>
+              <a:t>branch-2 </a:t>
+            </a:r>
+            <a:endParaRPr lang="ko-KR" altLang="en-US" sz="1400" dirty="0">
+              <a:solidFill>
+                <a:schemeClr val="tx1"/>
+              </a:solidFill>
+            </a:endParaRPr>
+          </a:p>
+        </p:txBody>
+      </p:sp>
+      <p:sp>
+        <p:nvSpPr>
+          <p:cNvPr id="27" name="사각형: 둥근 모서리 26">
+            <a:extLst>
+              <a:ext uri="{FF2B5EF4-FFF2-40B4-BE49-F238E27FC236}">
+                <a16:creationId xmlns:a16="http://schemas.microsoft.com/office/drawing/2014/main" id="{89DAEB0B-3295-474F-AA1E-C6534579D32B}"/>
+              </a:ext>
+            </a:extLst>
+          </p:cNvPr>
+          <p:cNvSpPr/>
+          <p:nvPr/>
+        </p:nvSpPr>
+        <p:spPr>
+          <a:xfrm>
+            <a:off x="5790368" y="3209871"/>
+            <a:ext cx="1080000" cy="288000"/>
+          </a:xfrm>
+          <a:prstGeom prst="roundRect">
+            <a:avLst/>
+          </a:prstGeom>
+          <a:solidFill>
+            <a:schemeClr val="tx2">
+              <a:lumMod val="10000"/>
+              <a:lumOff val="90000"/>
+            </a:schemeClr>
+          </a:solidFill>
+        </p:spPr>
+        <p:style>
+          <a:lnRef idx="2">
+            <a:schemeClr val="accent1">
+              <a:shade val="50000"/>
+            </a:schemeClr>
+          </a:lnRef>
+          <a:fillRef idx="1">
+            <a:schemeClr val="accent1"/>
+          </a:fillRef>
+          <a:effectRef idx="0">
+            <a:schemeClr val="accent1"/>
+          </a:effectRef>
+          <a:fontRef idx="minor">
+            <a:schemeClr val="lt1"/>
+          </a:fontRef>
+        </p:style>
+        <p:txBody>
+          <a:bodyPr rtlCol="0" anchor="ctr"/>
+          <a:lstStyle/>
+          <a:p>
+            <a:pPr algn="ctr"/>
+            <a:r>
+              <a:rPr lang="en-US" altLang="ko-KR" sz="1400" dirty="0">
+                <a:solidFill>
+                  <a:schemeClr val="tx2">
+                    <a:lumMod val="50000"/>
+                    <a:lumOff val="50000"/>
+                  </a:schemeClr>
+                </a:solidFill>
+              </a:rPr>
+              <a:t>branch-1 </a:t>
+            </a:r>
+            <a:endParaRPr lang="ko-KR" altLang="en-US" sz="1400" dirty="0">
+              <a:solidFill>
+                <a:schemeClr val="tx2">
+                  <a:lumMod val="50000"/>
+                  <a:lumOff val="50000"/>
+                </a:schemeClr>
+              </a:solidFill>
+            </a:endParaRPr>
+          </a:p>
+        </p:txBody>
+      </p:sp>
+      <p:sp>
+        <p:nvSpPr>
+          <p:cNvPr id="28" name="사각형: 둥근 모서리 27">
+            <a:extLst>
+              <a:ext uri="{FF2B5EF4-FFF2-40B4-BE49-F238E27FC236}">
+                <a16:creationId xmlns:a16="http://schemas.microsoft.com/office/drawing/2014/main" id="{7C21CC70-4AB8-471A-BA7E-9EA231FF94A6}"/>
+              </a:ext>
+            </a:extLst>
+          </p:cNvPr>
+          <p:cNvSpPr/>
+          <p:nvPr/>
+        </p:nvSpPr>
+        <p:spPr>
+          <a:xfrm>
+            <a:off x="7137766" y="3185108"/>
+            <a:ext cx="1080000" cy="288000"/>
+          </a:xfrm>
+          <a:prstGeom prst="roundRect">
+            <a:avLst/>
+          </a:prstGeom>
+          <a:solidFill>
+            <a:schemeClr val="tx2">
+              <a:lumMod val="10000"/>
+              <a:lumOff val="90000"/>
+            </a:schemeClr>
+          </a:solidFill>
+        </p:spPr>
+        <p:style>
+          <a:lnRef idx="2">
+            <a:schemeClr val="accent1">
+              <a:shade val="50000"/>
+            </a:schemeClr>
+          </a:lnRef>
+          <a:fillRef idx="1">
+            <a:schemeClr val="accent1"/>
+          </a:fillRef>
+          <a:effectRef idx="0">
+            <a:schemeClr val="accent1"/>
+          </a:effectRef>
+          <a:fontRef idx="minor">
+            <a:schemeClr val="lt1"/>
+          </a:fontRef>
+        </p:style>
+        <p:txBody>
+          <a:bodyPr rtlCol="0" anchor="ctr"/>
+          <a:lstStyle/>
+          <a:p>
+            <a:pPr algn="ctr"/>
+            <a:r>
+              <a:rPr lang="en-US" altLang="ko-KR" sz="1400" dirty="0">
+                <a:solidFill>
+                  <a:schemeClr val="tx2">
+                    <a:lumMod val="50000"/>
+                    <a:lumOff val="50000"/>
+                  </a:schemeClr>
+                </a:solidFill>
+              </a:rPr>
+              <a:t>branch-2 </a:t>
+            </a:r>
+            <a:endParaRPr lang="ko-KR" altLang="en-US" sz="1400" dirty="0">
+              <a:solidFill>
+                <a:schemeClr val="tx2">
+                  <a:lumMod val="50000"/>
+                  <a:lumOff val="50000"/>
+                </a:schemeClr>
+              </a:solidFill>
+            </a:endParaRPr>
+          </a:p>
+        </p:txBody>
+      </p:sp>
+      <p:sp>
+        <p:nvSpPr>
+          <p:cNvPr id="29" name="사각형: 둥근 모서리 28">
+            <a:extLst>
+              <a:ext uri="{FF2B5EF4-FFF2-40B4-BE49-F238E27FC236}">
+                <a16:creationId xmlns:a16="http://schemas.microsoft.com/office/drawing/2014/main" id="{FBBE088E-A16D-4D58-8BA0-1329930E6D17}"/>
+              </a:ext>
+            </a:extLst>
+          </p:cNvPr>
+          <p:cNvSpPr/>
+          <p:nvPr/>
+        </p:nvSpPr>
+        <p:spPr>
+          <a:xfrm>
+            <a:off x="5790368" y="4185284"/>
+            <a:ext cx="1080000" cy="288000"/>
+          </a:xfrm>
+          <a:prstGeom prst="roundRect">
+            <a:avLst/>
+          </a:prstGeom>
+          <a:solidFill>
+            <a:schemeClr val="tx2">
+              <a:lumMod val="10000"/>
+              <a:lumOff val="90000"/>
+            </a:schemeClr>
+          </a:solidFill>
+        </p:spPr>
+        <p:style>
+          <a:lnRef idx="2">
+            <a:schemeClr val="accent1">
+              <a:shade val="50000"/>
+            </a:schemeClr>
+          </a:lnRef>
+          <a:fillRef idx="1">
+            <a:schemeClr val="accent1"/>
+          </a:fillRef>
+          <a:effectRef idx="0">
+            <a:schemeClr val="accent1"/>
+          </a:effectRef>
+          <a:fontRef idx="minor">
+            <a:schemeClr val="lt1"/>
+          </a:fontRef>
+        </p:style>
+        <p:txBody>
+          <a:bodyPr rtlCol="0" anchor="ctr"/>
+          <a:lstStyle/>
+          <a:p>
+            <a:pPr algn="ctr"/>
+            <a:r>
+              <a:rPr lang="en-US" altLang="ko-KR" sz="1400">
+                <a:solidFill>
+                  <a:schemeClr val="tx2">
+                    <a:lumMod val="50000"/>
+                    <a:lumOff val="50000"/>
+                  </a:schemeClr>
+                </a:solidFill>
+              </a:rPr>
+              <a:t>main</a:t>
+            </a:r>
+            <a:r>
+              <a:rPr lang="en-US" altLang="ko-KR" sz="1400" dirty="0">
+                <a:solidFill>
+                  <a:schemeClr val="tx2">
+                    <a:lumMod val="50000"/>
+                    <a:lumOff val="50000"/>
+                  </a:schemeClr>
+                </a:solidFill>
+              </a:rPr>
+              <a:t> </a:t>
+            </a:r>
+            <a:endParaRPr lang="ko-KR" altLang="en-US" sz="1400" dirty="0">
+              <a:solidFill>
+                <a:schemeClr val="tx2">
+                  <a:lumMod val="50000"/>
+                  <a:lumOff val="50000"/>
+                </a:schemeClr>
+              </a:solidFill>
+            </a:endParaRPr>
+          </a:p>
+        </p:txBody>
+      </p:sp>
+      <p:sp>
+        <p:nvSpPr>
+          <p:cNvPr id="30" name="사각형: 둥근 모서리 29">
+            <a:extLst>
+              <a:ext uri="{FF2B5EF4-FFF2-40B4-BE49-F238E27FC236}">
+                <a16:creationId xmlns:a16="http://schemas.microsoft.com/office/drawing/2014/main" id="{ADE90836-CAE1-4C67-8553-C5C8AC9EA296}"/>
+              </a:ext>
+            </a:extLst>
+          </p:cNvPr>
+          <p:cNvSpPr/>
+          <p:nvPr/>
+        </p:nvSpPr>
+        <p:spPr>
+          <a:xfrm>
+            <a:off x="7139970" y="4185284"/>
+            <a:ext cx="1080000" cy="288000"/>
+          </a:xfrm>
+          <a:prstGeom prst="roundRect">
+            <a:avLst/>
+          </a:prstGeom>
+          <a:solidFill>
+            <a:schemeClr val="tx2">
+              <a:lumMod val="10000"/>
+              <a:lumOff val="90000"/>
+            </a:schemeClr>
+          </a:solidFill>
+        </p:spPr>
+        <p:style>
+          <a:lnRef idx="2">
+            <a:schemeClr val="accent1">
+              <a:shade val="50000"/>
+            </a:schemeClr>
+          </a:lnRef>
+          <a:fillRef idx="1">
+            <a:schemeClr val="accent1"/>
+          </a:fillRef>
+          <a:effectRef idx="0">
+            <a:schemeClr val="accent1"/>
+          </a:effectRef>
+          <a:fontRef idx="minor">
+            <a:schemeClr val="lt1"/>
+          </a:fontRef>
+        </p:style>
+        <p:txBody>
+          <a:bodyPr rtlCol="0" anchor="ctr"/>
+          <a:lstStyle/>
+          <a:p>
+            <a:pPr algn="ctr"/>
+            <a:r>
+              <a:rPr lang="en-US" altLang="ko-KR" sz="1400" dirty="0">
+                <a:solidFill>
+                  <a:schemeClr val="tx2">
+                    <a:lumMod val="50000"/>
+                    <a:lumOff val="50000"/>
+                  </a:schemeClr>
+                </a:solidFill>
+              </a:rPr>
+              <a:t>branch-2 </a:t>
+            </a:r>
+            <a:endParaRPr lang="ko-KR" altLang="en-US" sz="1400" dirty="0">
+              <a:solidFill>
+                <a:schemeClr val="tx2">
+                  <a:lumMod val="50000"/>
+                  <a:lumOff val="50000"/>
+                </a:schemeClr>
+              </a:solidFill>
+            </a:endParaRPr>
+          </a:p>
+        </p:txBody>
+      </p:sp>
+      <p:sp>
+        <p:nvSpPr>
+          <p:cNvPr id="31" name="사각형: 둥근 모서리 30">
+            <a:extLst>
+              <a:ext uri="{FF2B5EF4-FFF2-40B4-BE49-F238E27FC236}">
+                <a16:creationId xmlns:a16="http://schemas.microsoft.com/office/drawing/2014/main" id="{7BC31C6C-568A-4FCB-98C4-8D9EDBDC63C4}"/>
+              </a:ext>
+            </a:extLst>
+          </p:cNvPr>
+          <p:cNvSpPr/>
+          <p:nvPr/>
+        </p:nvSpPr>
+        <p:spPr>
+          <a:xfrm>
+            <a:off x="5790368" y="5151598"/>
+            <a:ext cx="1080000" cy="288000"/>
+          </a:xfrm>
+          <a:prstGeom prst="roundRect">
+            <a:avLst/>
+          </a:prstGeom>
+          <a:solidFill>
+            <a:schemeClr val="tx2">
+              <a:lumMod val="10000"/>
+              <a:lumOff val="90000"/>
+            </a:schemeClr>
+          </a:solidFill>
+        </p:spPr>
+        <p:style>
+          <a:lnRef idx="2">
+            <a:schemeClr val="accent1">
+              <a:shade val="50000"/>
+            </a:schemeClr>
+          </a:lnRef>
+          <a:fillRef idx="1">
+            <a:schemeClr val="accent1"/>
+          </a:fillRef>
+          <a:effectRef idx="0">
+            <a:schemeClr val="accent1"/>
+          </a:effectRef>
+          <a:fontRef idx="minor">
+            <a:schemeClr val="lt1"/>
+          </a:fontRef>
+        </p:style>
+        <p:txBody>
+          <a:bodyPr rtlCol="0" anchor="ctr"/>
+          <a:lstStyle/>
+          <a:p>
+            <a:pPr algn="ctr"/>
+            <a:r>
+              <a:rPr lang="en-US" altLang="ko-KR" sz="1400">
+                <a:solidFill>
+                  <a:schemeClr val="tx2">
+                    <a:lumMod val="50000"/>
+                    <a:lumOff val="50000"/>
+                  </a:schemeClr>
+                </a:solidFill>
+              </a:rPr>
+              <a:t>main</a:t>
+            </a:r>
+            <a:r>
+              <a:rPr lang="en-US" altLang="ko-KR" sz="1400" dirty="0">
+                <a:solidFill>
+                  <a:schemeClr val="tx2">
+                    <a:lumMod val="50000"/>
+                    <a:lumOff val="50000"/>
+                  </a:schemeClr>
+                </a:solidFill>
+              </a:rPr>
+              <a:t> </a:t>
+            </a:r>
+            <a:endParaRPr lang="ko-KR" altLang="en-US" sz="1400" dirty="0">
+              <a:solidFill>
+                <a:schemeClr val="tx2">
+                  <a:lumMod val="50000"/>
+                  <a:lumOff val="50000"/>
+                </a:schemeClr>
+              </a:solidFill>
+            </a:endParaRPr>
+          </a:p>
+        </p:txBody>
+      </p:sp>
+      <p:sp>
+        <p:nvSpPr>
+          <p:cNvPr id="32" name="사각형: 둥근 모서리 31">
+            <a:extLst>
+              <a:ext uri="{FF2B5EF4-FFF2-40B4-BE49-F238E27FC236}">
+                <a16:creationId xmlns:a16="http://schemas.microsoft.com/office/drawing/2014/main" id="{9D5F923A-2035-4983-85C4-D7D6565928E4}"/>
+              </a:ext>
+            </a:extLst>
+          </p:cNvPr>
+          <p:cNvSpPr/>
+          <p:nvPr/>
+        </p:nvSpPr>
+        <p:spPr>
+          <a:xfrm>
+            <a:off x="7132481" y="5151598"/>
+            <a:ext cx="1080000" cy="288000"/>
+          </a:xfrm>
+          <a:prstGeom prst="roundRect">
+            <a:avLst/>
+          </a:prstGeom>
+          <a:solidFill>
+            <a:schemeClr val="tx2">
+              <a:lumMod val="10000"/>
+              <a:lumOff val="90000"/>
+            </a:schemeClr>
+          </a:solidFill>
+        </p:spPr>
+        <p:style>
+          <a:lnRef idx="2">
+            <a:schemeClr val="accent1">
+              <a:shade val="50000"/>
+            </a:schemeClr>
+          </a:lnRef>
+          <a:fillRef idx="1">
+            <a:schemeClr val="accent1"/>
+          </a:fillRef>
+          <a:effectRef idx="0">
+            <a:schemeClr val="accent1"/>
+          </a:effectRef>
+          <a:fontRef idx="minor">
+            <a:schemeClr val="lt1"/>
+          </a:fontRef>
+        </p:style>
+        <p:txBody>
+          <a:bodyPr rtlCol="0" anchor="ctr"/>
+          <a:lstStyle/>
+          <a:p>
+            <a:pPr algn="ctr"/>
+            <a:r>
+              <a:rPr lang="en-US" altLang="ko-KR" sz="1400" dirty="0">
+                <a:solidFill>
+                  <a:schemeClr val="tx2">
+                    <a:lumMod val="50000"/>
+                    <a:lumOff val="50000"/>
+                  </a:schemeClr>
+                </a:solidFill>
+              </a:rPr>
+              <a:t>branch-1 </a:t>
+            </a:r>
+            <a:endParaRPr lang="ko-KR" altLang="en-US" sz="1400" dirty="0">
+              <a:solidFill>
+                <a:schemeClr val="tx2">
+                  <a:lumMod val="50000"/>
+                  <a:lumOff val="50000"/>
+                </a:schemeClr>
+              </a:solidFill>
+            </a:endParaRPr>
+          </a:p>
+        </p:txBody>
+      </p:sp>
+      <p:cxnSp>
+        <p:nvCxnSpPr>
+          <p:cNvPr id="34" name="연결선: 꺾임 33">
+            <a:extLst>
+              <a:ext uri="{FF2B5EF4-FFF2-40B4-BE49-F238E27FC236}">
+                <a16:creationId xmlns:a16="http://schemas.microsoft.com/office/drawing/2014/main" id="{E9A18F23-D20B-4F9A-AA06-D91B97DBE0D7}"/>
+              </a:ext>
+            </a:extLst>
+          </p:cNvPr>
+          <p:cNvCxnSpPr>
+            <a:cxnSpLocks/>
+            <a:endCxn id="17" idx="1"/>
+          </p:cNvCxnSpPr>
+          <p:nvPr/>
+        </p:nvCxnSpPr>
+        <p:spPr>
+          <a:xfrm>
+            <a:off x="2182638" y="2928134"/>
+            <a:ext cx="2071332" cy="975208"/>
+          </a:xfrm>
+          <a:prstGeom prst="bentConnector3">
+            <a:avLst/>
+          </a:prstGeom>
+          <a:ln w="19050">
+            <a:solidFill>
+              <a:srgbClr val="0000FF"/>
+            </a:solidFill>
+            <a:tailEnd type="triangle"/>
+          </a:ln>
+        </p:spPr>
+        <p:style>
+          <a:lnRef idx="1">
+            <a:schemeClr val="accent1"/>
+          </a:lnRef>
+          <a:fillRef idx="0">
+            <a:schemeClr val="accent1"/>
+          </a:fillRef>
+          <a:effectRef idx="0">
+            <a:schemeClr val="accent1"/>
+          </a:effectRef>
+          <a:fontRef idx="minor">
+            <a:schemeClr val="tx1"/>
+          </a:fontRef>
+        </p:style>
+      </p:cxnSp>
+      <p:cxnSp>
+        <p:nvCxnSpPr>
+          <p:cNvPr id="35" name="연결선: 꺾임 34">
+            <a:extLst>
+              <a:ext uri="{FF2B5EF4-FFF2-40B4-BE49-F238E27FC236}">
+                <a16:creationId xmlns:a16="http://schemas.microsoft.com/office/drawing/2014/main" id="{A3C9CCB4-13B1-4B9B-BE22-CFC276E0AE4A}"/>
+              </a:ext>
+            </a:extLst>
+          </p:cNvPr>
+          <p:cNvCxnSpPr>
+            <a:cxnSpLocks/>
+            <a:stCxn id="6" idx="3"/>
+            <a:endCxn id="22" idx="1"/>
+          </p:cNvCxnSpPr>
+          <p:nvPr/>
+        </p:nvCxnSpPr>
+        <p:spPr>
+          <a:xfrm>
+            <a:off x="2182638" y="2933107"/>
+            <a:ext cx="2071332" cy="1940490"/>
+          </a:xfrm>
+          <a:prstGeom prst="bentConnector3">
+            <a:avLst/>
+          </a:prstGeom>
+          <a:ln w="19050">
+            <a:solidFill>
+              <a:srgbClr val="0000FF"/>
+            </a:solidFill>
+            <a:tailEnd type="triangle"/>
+          </a:ln>
+        </p:spPr>
+        <p:style>
+          <a:lnRef idx="1">
+            <a:schemeClr val="accent1"/>
+          </a:lnRef>
+          <a:fillRef idx="0">
+            <a:schemeClr val="accent1"/>
+          </a:fillRef>
+          <a:effectRef idx="0">
+            <a:schemeClr val="accent1"/>
+          </a:effectRef>
+          <a:fontRef idx="minor">
+            <a:schemeClr val="tx1"/>
+          </a:fontRef>
+        </p:style>
+      </p:cxnSp>
+      <p:cxnSp>
+        <p:nvCxnSpPr>
+          <p:cNvPr id="57" name="직선 화살표 연결선 56">
+            <a:extLst>
+              <a:ext uri="{FF2B5EF4-FFF2-40B4-BE49-F238E27FC236}">
+                <a16:creationId xmlns:a16="http://schemas.microsoft.com/office/drawing/2014/main" id="{126BD5DA-3242-4FD6-8FED-FE1363196D0B}"/>
+              </a:ext>
+            </a:extLst>
+          </p:cNvPr>
+          <p:cNvCxnSpPr>
+            <a:stCxn id="8" idx="3"/>
+            <a:endCxn id="20" idx="1"/>
+          </p:cNvCxnSpPr>
+          <p:nvPr/>
+        </p:nvCxnSpPr>
+        <p:spPr>
+          <a:xfrm>
+            <a:off x="2362638" y="3544517"/>
+            <a:ext cx="2080332" cy="772824"/>
+          </a:xfrm>
+          <a:prstGeom prst="straightConnector1">
+            <a:avLst/>
+          </a:prstGeom>
+          <a:ln w="19050">
+            <a:solidFill>
+              <a:srgbClr val="FFC000"/>
+            </a:solidFill>
+            <a:tailEnd type="triangle"/>
+          </a:ln>
+        </p:spPr>
+        <p:style>
+          <a:lnRef idx="1">
+            <a:schemeClr val="accent1"/>
+          </a:lnRef>
+          <a:fillRef idx="0">
+            <a:schemeClr val="accent1"/>
+          </a:fillRef>
+          <a:effectRef idx="0">
+            <a:schemeClr val="accent1"/>
+          </a:effectRef>
+          <a:fontRef idx="minor">
+            <a:schemeClr val="tx1"/>
+          </a:fontRef>
+        </p:style>
+      </p:cxnSp>
+      <p:cxnSp>
+        <p:nvCxnSpPr>
+          <p:cNvPr id="58" name="직선 화살표 연결선 57">
+            <a:extLst>
+              <a:ext uri="{FF2B5EF4-FFF2-40B4-BE49-F238E27FC236}">
+                <a16:creationId xmlns:a16="http://schemas.microsoft.com/office/drawing/2014/main" id="{EAC161FE-DC69-4755-9A03-4E9BA9CE3983}"/>
+              </a:ext>
+            </a:extLst>
+          </p:cNvPr>
+          <p:cNvCxnSpPr>
+            <a:cxnSpLocks/>
+            <a:stCxn id="8" idx="3"/>
+            <a:endCxn id="11" idx="1"/>
+          </p:cNvCxnSpPr>
+          <p:nvPr/>
+        </p:nvCxnSpPr>
+        <p:spPr>
+          <a:xfrm flipV="1">
+            <a:off x="2362638" y="3347107"/>
+            <a:ext cx="2080332" cy="197410"/>
+          </a:xfrm>
+          <a:prstGeom prst="straightConnector1">
+            <a:avLst/>
+          </a:prstGeom>
+          <a:ln w="19050">
+            <a:solidFill>
+              <a:srgbClr val="FFC000"/>
+            </a:solidFill>
+            <a:tailEnd type="triangle"/>
+          </a:ln>
+        </p:spPr>
+        <p:style>
+          <a:lnRef idx="1">
+            <a:schemeClr val="accent1"/>
+          </a:lnRef>
+          <a:fillRef idx="0">
+            <a:schemeClr val="accent1"/>
+          </a:fillRef>
+          <a:effectRef idx="0">
+            <a:schemeClr val="accent1"/>
+          </a:effectRef>
+          <a:fontRef idx="minor">
+            <a:schemeClr val="tx1"/>
+          </a:fontRef>
+        </p:style>
+      </p:cxnSp>
+      <p:cxnSp>
+        <p:nvCxnSpPr>
+          <p:cNvPr id="61" name="직선 화살표 연결선 60">
+            <a:extLst>
+              <a:ext uri="{FF2B5EF4-FFF2-40B4-BE49-F238E27FC236}">
+                <a16:creationId xmlns:a16="http://schemas.microsoft.com/office/drawing/2014/main" id="{C9591855-13E4-445D-AA22-88E2D62EFBE3}"/>
+              </a:ext>
+            </a:extLst>
+          </p:cNvPr>
+          <p:cNvCxnSpPr>
+            <a:cxnSpLocks/>
+            <a:endCxn id="26" idx="1"/>
+          </p:cNvCxnSpPr>
+          <p:nvPr/>
+        </p:nvCxnSpPr>
+        <p:spPr>
+          <a:xfrm>
+            <a:off x="2358138" y="3553225"/>
+            <a:ext cx="2084832" cy="1734371"/>
+          </a:xfrm>
+          <a:prstGeom prst="straightConnector1">
+            <a:avLst/>
+          </a:prstGeom>
+          <a:ln w="19050">
+            <a:solidFill>
+              <a:srgbClr val="FFC000"/>
+            </a:solidFill>
+            <a:tailEnd type="triangle"/>
+          </a:ln>
+        </p:spPr>
+        <p:style>
+          <a:lnRef idx="1">
+            <a:schemeClr val="accent1"/>
+          </a:lnRef>
+          <a:fillRef idx="0">
+            <a:schemeClr val="accent1"/>
+          </a:fillRef>
+          <a:effectRef idx="0">
+            <a:schemeClr val="accent1"/>
+          </a:effectRef>
+          <a:fontRef idx="minor">
+            <a:schemeClr val="tx1"/>
+          </a:fontRef>
+        </p:style>
+      </p:cxnSp>
+      <p:cxnSp>
+        <p:nvCxnSpPr>
+          <p:cNvPr id="64" name="직선 화살표 연결선 63">
+            <a:extLst>
+              <a:ext uri="{FF2B5EF4-FFF2-40B4-BE49-F238E27FC236}">
+                <a16:creationId xmlns:a16="http://schemas.microsoft.com/office/drawing/2014/main" id="{4BB51278-F1E0-498F-BC3D-2835B9AC2370}"/>
+              </a:ext>
+            </a:extLst>
+          </p:cNvPr>
+          <p:cNvCxnSpPr>
+            <a:cxnSpLocks/>
+            <a:stCxn id="9" idx="3"/>
+            <a:endCxn id="26" idx="1"/>
+          </p:cNvCxnSpPr>
+          <p:nvPr/>
+        </p:nvCxnSpPr>
+        <p:spPr>
+          <a:xfrm>
+            <a:off x="2362638" y="4080298"/>
+            <a:ext cx="2080332" cy="1207298"/>
+          </a:xfrm>
+          <a:prstGeom prst="straightConnector1">
+            <a:avLst/>
+          </a:prstGeom>
+          <a:ln w="19050">
+            <a:solidFill>
+              <a:srgbClr val="FF0000"/>
+            </a:solidFill>
+            <a:prstDash val="dash"/>
+            <a:tailEnd type="triangle"/>
+          </a:ln>
+        </p:spPr>
+        <p:style>
+          <a:lnRef idx="1">
+            <a:schemeClr val="accent1"/>
+          </a:lnRef>
+          <a:fillRef idx="0">
+            <a:schemeClr val="accent1"/>
+          </a:fillRef>
+          <a:effectRef idx="0">
+            <a:schemeClr val="accent1"/>
+          </a:effectRef>
+          <a:fontRef idx="minor">
+            <a:schemeClr val="tx1"/>
+          </a:fontRef>
+        </p:style>
+      </p:cxnSp>
+    </p:spTree>
+    <p:extLst>
+      <p:ext uri="{BB962C8B-B14F-4D97-AF65-F5344CB8AC3E}">
+        <p14:creationId xmlns:p14="http://schemas.microsoft.com/office/powerpoint/2010/main" val="2211483584"/>
+      </p:ext>
+    </p:extLst>
+  </p:cSld>
+  <p:clrMapOvr>
+    <a:masterClrMapping/>
+  </p:clrMapOvr>
+</p:sld>
+</file>
+
+<file path=ppt/slides/slide22.xml><?xml version="1.0" encoding="utf-8"?>
+<p:sld xmlns:a="http://schemas.openxmlformats.org/drawingml/2006/main" xmlns:r="http://schemas.openxmlformats.org/officeDocument/2006/relationships" xmlns:p="http://schemas.openxmlformats.org/presentationml/2006/main">
+  <p:cSld>
+    <p:spTree>
+      <p:nvGrpSpPr>
+        <p:cNvPr id="1" name=""/>
+        <p:cNvGrpSpPr/>
+        <p:nvPr/>
+      </p:nvGrpSpPr>
+      <p:grpSpPr>
+        <a:xfrm>
+          <a:off x="0" y="0"/>
+          <a:ext cx="0" cy="0"/>
+          <a:chOff x="0" y="0"/>
+          <a:chExt cx="0" cy="0"/>
+        </a:xfrm>
+      </p:grpSpPr>
+      <p:sp>
+        <p:nvSpPr>
+          <p:cNvPr id="4" name="제목 3">
+            <a:extLst>
+              <a:ext uri="{FF2B5EF4-FFF2-40B4-BE49-F238E27FC236}">
+                <a16:creationId xmlns:a16="http://schemas.microsoft.com/office/drawing/2014/main" id="{F0CEB32B-CB43-4410-BA08-A97E4BC47FCB}"/>
+              </a:ext>
+            </a:extLst>
+          </p:cNvPr>
+          <p:cNvSpPr>
+            <a:spLocks noGrp="1"/>
+          </p:cNvSpPr>
+          <p:nvPr>
+            <p:ph type="title"/>
+          </p:nvPr>
+        </p:nvSpPr>
+        <p:spPr/>
+        <p:txBody>
+          <a:bodyPr/>
+          <a:lstStyle/>
+          <a:p>
+            <a:r>
+              <a:rPr lang="ko-KR" altLang="en-US" dirty="0"/>
+              <a:t>협업방식 </a:t>
+            </a:r>
+            <a:r>
+              <a:rPr lang="en-US" altLang="ko-KR" dirty="0"/>
+              <a:t>1</a:t>
+            </a:r>
+            <a:endParaRPr lang="ko-KR" altLang="en-US" dirty="0"/>
+          </a:p>
+        </p:txBody>
+      </p:sp>
+      <p:sp>
+        <p:nvSpPr>
+          <p:cNvPr id="5" name="내용 개체 틀 4">
+            <a:extLst>
+              <a:ext uri="{FF2B5EF4-FFF2-40B4-BE49-F238E27FC236}">
+                <a16:creationId xmlns:a16="http://schemas.microsoft.com/office/drawing/2014/main" id="{FDF69C25-9F43-470B-8A20-AEDC0F371CCD}"/>
+              </a:ext>
+            </a:extLst>
+          </p:cNvPr>
+          <p:cNvSpPr>
+            <a:spLocks noGrp="1"/>
+          </p:cNvSpPr>
+          <p:nvPr>
+            <p:ph idx="1"/>
+          </p:nvPr>
+        </p:nvSpPr>
+        <p:spPr>
+          <a:xfrm>
+            <a:off x="250825" y="1000221"/>
+            <a:ext cx="8641655" cy="5146579"/>
+          </a:xfrm>
+        </p:spPr>
+        <p:txBody>
+          <a:bodyPr tIns="0" bIns="0">
+            <a:noAutofit/>
+          </a:bodyPr>
+          <a:lstStyle/>
+          <a:p>
+            <a:pPr>
+              <a:buClr>
+                <a:schemeClr val="tx1">
+                  <a:lumMod val="65000"/>
+                  <a:lumOff val="35000"/>
+                </a:schemeClr>
+              </a:buClr>
+              <a:defRPr/>
+            </a:pPr>
+            <a:r>
+              <a:rPr lang="en-US" altLang="ko-KR" dirty="0"/>
+              <a:t>Centralized workflow (collab </a:t>
+            </a:r>
+            <a:r>
+              <a:rPr lang="ko-KR" altLang="en-US" dirty="0"/>
+              <a:t>참여자가 모두가 결정하고 수정 진행</a:t>
+            </a:r>
+            <a:r>
+              <a:rPr lang="en-US" altLang="ko-KR" dirty="0"/>
+              <a:t>)</a:t>
+            </a:r>
+          </a:p>
+          <a:p>
+            <a:pPr marL="534988" lvl="1" indent="-268288">
+              <a:spcBef>
+                <a:spcPts val="0"/>
+              </a:spcBef>
+              <a:spcAft>
+                <a:spcPts val="0"/>
+              </a:spcAft>
+              <a:buClr>
+                <a:schemeClr val="tx1">
+                  <a:lumMod val="65000"/>
+                  <a:lumOff val="35000"/>
+                </a:schemeClr>
+              </a:buClr>
+              <a:buFont typeface="+mj-ea"/>
+              <a:buAutoNum type="circleNumDbPlain"/>
+              <a:defRPr/>
+            </a:pPr>
+            <a:r>
+              <a:rPr lang="en-US" altLang="ko-KR" dirty="0"/>
+              <a:t>Local </a:t>
+            </a:r>
+            <a:r>
+              <a:rPr lang="ko-KR" altLang="en-US" dirty="0"/>
+              <a:t>작업</a:t>
+            </a:r>
+            <a:endParaRPr lang="en-US" altLang="ko-KR" dirty="0"/>
+          </a:p>
+          <a:p>
+            <a:pPr marL="534988" lvl="1" indent="-268288">
+              <a:spcBef>
+                <a:spcPts val="0"/>
+              </a:spcBef>
+              <a:spcAft>
+                <a:spcPts val="0"/>
+              </a:spcAft>
+              <a:buClr>
+                <a:schemeClr val="tx1">
+                  <a:lumMod val="65000"/>
+                  <a:lumOff val="35000"/>
+                </a:schemeClr>
+              </a:buClr>
+              <a:buFont typeface="+mj-ea"/>
+              <a:buAutoNum type="circleNumDbPlain"/>
+              <a:defRPr/>
+            </a:pPr>
+            <a:r>
+              <a:rPr lang="ko-KR" altLang="en-US" dirty="0"/>
+              <a:t>원격</a:t>
+            </a:r>
+            <a:r>
+              <a:rPr lang="en-US" altLang="ko-KR" dirty="0"/>
+              <a:t>repo  </a:t>
+            </a:r>
+            <a:r>
+              <a:rPr lang="ko-KR" altLang="en-US" dirty="0"/>
+              <a:t>만들기</a:t>
+            </a:r>
+            <a:r>
+              <a:rPr lang="en-US" altLang="ko-KR" dirty="0"/>
+              <a:t>, collaborator</a:t>
+            </a:r>
+          </a:p>
+          <a:p>
+            <a:pPr marL="534988" lvl="1" indent="-268288">
+              <a:spcBef>
+                <a:spcPts val="0"/>
+              </a:spcBef>
+              <a:spcAft>
+                <a:spcPts val="0"/>
+              </a:spcAft>
+              <a:buClr>
+                <a:schemeClr val="tx1">
+                  <a:lumMod val="65000"/>
+                  <a:lumOff val="35000"/>
+                </a:schemeClr>
+              </a:buClr>
+              <a:buFont typeface="+mj-ea"/>
+              <a:buAutoNum type="circleNumDbPlain"/>
+              <a:defRPr/>
+            </a:pPr>
+            <a:r>
+              <a:rPr lang="en-US" altLang="ko-KR" dirty="0"/>
+              <a:t>Push</a:t>
+            </a:r>
+            <a:r>
+              <a:rPr lang="ko-KR" altLang="en-US" dirty="0"/>
+              <a:t>하기 </a:t>
+            </a:r>
+            <a:endParaRPr lang="en-US" altLang="ko-KR" dirty="0"/>
+          </a:p>
+          <a:p>
+            <a:pPr marL="534988" lvl="1" indent="-268288">
+              <a:spcBef>
+                <a:spcPts val="0"/>
+              </a:spcBef>
+              <a:spcAft>
+                <a:spcPts val="0"/>
+              </a:spcAft>
+              <a:buClr>
+                <a:schemeClr val="tx1">
+                  <a:lumMod val="65000"/>
+                  <a:lumOff val="35000"/>
+                </a:schemeClr>
+              </a:buClr>
+              <a:buFont typeface="+mj-ea"/>
+              <a:buAutoNum type="circleNumDbPlain"/>
+              <a:defRPr/>
+            </a:pPr>
+            <a:r>
+              <a:rPr lang="en-US" altLang="ko-KR" dirty="0"/>
+              <a:t>Collab clone</a:t>
+            </a:r>
+            <a:r>
+              <a:rPr lang="ko-KR" altLang="en-US" dirty="0"/>
+              <a:t>하기</a:t>
+            </a:r>
+            <a:endParaRPr lang="en-US" altLang="ko-KR" dirty="0"/>
+          </a:p>
+          <a:p>
+            <a:pPr marL="534988" lvl="1" indent="-268288">
+              <a:spcBef>
+                <a:spcPts val="0"/>
+              </a:spcBef>
+              <a:spcAft>
+                <a:spcPts val="0"/>
+              </a:spcAft>
+              <a:buClr>
+                <a:schemeClr val="tx1">
+                  <a:lumMod val="65000"/>
+                  <a:lumOff val="35000"/>
+                </a:schemeClr>
+              </a:buClr>
+              <a:buFont typeface="+mj-ea"/>
+              <a:buAutoNum type="circleNumDbPlain"/>
+              <a:defRPr/>
+            </a:pPr>
+            <a:r>
+              <a:rPr lang="en-US" altLang="ko-KR" dirty="0"/>
+              <a:t>1 </a:t>
+            </a:r>
+            <a:r>
+              <a:rPr lang="ko-KR" altLang="en-US" dirty="0"/>
+              <a:t>수정하고 </a:t>
+            </a:r>
+            <a:r>
+              <a:rPr lang="en-US" altLang="ko-KR" dirty="0"/>
+              <a:t>push</a:t>
+            </a:r>
+            <a:r>
+              <a:rPr lang="ko-KR" altLang="en-US" dirty="0"/>
+              <a:t>하기</a:t>
+            </a:r>
+            <a:endParaRPr lang="en-US" altLang="ko-KR" dirty="0"/>
+          </a:p>
+          <a:p>
+            <a:pPr marL="534988" lvl="1" indent="-268288">
+              <a:spcBef>
+                <a:spcPts val="0"/>
+              </a:spcBef>
+              <a:spcAft>
+                <a:spcPts val="0"/>
+              </a:spcAft>
+              <a:buClr>
+                <a:schemeClr val="tx1">
+                  <a:lumMod val="65000"/>
+                  <a:lumOff val="35000"/>
+                </a:schemeClr>
+              </a:buClr>
+              <a:buFont typeface="+mj-ea"/>
+              <a:buAutoNum type="circleNumDbPlain"/>
+              <a:defRPr/>
+            </a:pPr>
+            <a:r>
+              <a:rPr lang="en-US" altLang="ko-KR" dirty="0"/>
+              <a:t>2 </a:t>
+            </a:r>
+            <a:r>
+              <a:rPr lang="ko-KR" altLang="en-US" dirty="0"/>
+              <a:t>수정하고 </a:t>
+            </a:r>
+            <a:r>
+              <a:rPr lang="en-US" altLang="ko-KR" dirty="0"/>
+              <a:t>push</a:t>
+            </a:r>
+            <a:r>
+              <a:rPr lang="ko-KR" altLang="en-US" dirty="0"/>
+              <a:t>하기</a:t>
+            </a:r>
+            <a:endParaRPr lang="en-US" altLang="ko-KR" dirty="0"/>
+          </a:p>
+          <a:p>
+            <a:pPr marL="534988" lvl="1" indent="-268288">
+              <a:spcBef>
+                <a:spcPts val="0"/>
+              </a:spcBef>
+              <a:spcAft>
+                <a:spcPts val="0"/>
+              </a:spcAft>
+              <a:buClr>
+                <a:schemeClr val="tx1">
+                  <a:lumMod val="65000"/>
+                  <a:lumOff val="35000"/>
+                </a:schemeClr>
+              </a:buClr>
+              <a:buFont typeface="+mj-ea"/>
+              <a:buAutoNum type="circleNumDbPlain"/>
+              <a:defRPr/>
+            </a:pPr>
+            <a:r>
+              <a:rPr lang="en-US" altLang="ko-KR" dirty="0"/>
+              <a:t>2</a:t>
+            </a:r>
+            <a:r>
+              <a:rPr lang="ko-KR" altLang="en-US" dirty="0"/>
+              <a:t>에서 </a:t>
+            </a:r>
+            <a:r>
+              <a:rPr lang="en-US" altLang="ko-KR" dirty="0"/>
+              <a:t>Pull --rebase origin main  ( git pull</a:t>
+            </a:r>
+            <a:r>
+              <a:rPr lang="ko-KR" altLang="en-US" dirty="0"/>
+              <a:t>이하</a:t>
+            </a:r>
+            <a:r>
+              <a:rPr lang="en-US" altLang="ko-KR" dirty="0"/>
+              <a:t> 7</a:t>
+            </a:r>
+            <a:r>
+              <a:rPr lang="ko-KR" altLang="en-US" dirty="0"/>
+              <a:t>부터</a:t>
+            </a:r>
+            <a:r>
+              <a:rPr lang="en-US" altLang="ko-KR" dirty="0"/>
+              <a:t>10</a:t>
+            </a:r>
+            <a:r>
+              <a:rPr lang="ko-KR" altLang="en-US" dirty="0"/>
+              <a:t>까지 </a:t>
+            </a:r>
+            <a:r>
+              <a:rPr lang="en-US" altLang="ko-KR" dirty="0"/>
+              <a:t>git pull</a:t>
+            </a:r>
+            <a:r>
+              <a:rPr lang="ko-KR" altLang="en-US" dirty="0"/>
+              <a:t>하고 </a:t>
+            </a:r>
+            <a:r>
+              <a:rPr lang="en-US" altLang="ko-KR" dirty="0"/>
+              <a:t>conflict </a:t>
+            </a:r>
+            <a:r>
+              <a:rPr lang="ko-KR" altLang="en-US" dirty="0"/>
+              <a:t>수정 단계 같음</a:t>
+            </a:r>
+            <a:r>
+              <a:rPr lang="en-US" altLang="ko-KR" dirty="0"/>
+              <a:t>)</a:t>
+            </a:r>
+          </a:p>
+          <a:p>
+            <a:pPr marL="534988" lvl="1" indent="-268288">
+              <a:spcBef>
+                <a:spcPts val="0"/>
+              </a:spcBef>
+              <a:spcAft>
+                <a:spcPts val="0"/>
+              </a:spcAft>
+              <a:buClr>
+                <a:schemeClr val="tx1">
+                  <a:lumMod val="65000"/>
+                  <a:lumOff val="35000"/>
+                </a:schemeClr>
+              </a:buClr>
+              <a:buFont typeface="+mj-ea"/>
+              <a:buAutoNum type="circleNumDbPlain"/>
+              <a:defRPr/>
+            </a:pPr>
+            <a:r>
+              <a:rPr lang="en-US" altLang="ko-KR" dirty="0"/>
+              <a:t>Conflict</a:t>
+            </a:r>
+            <a:r>
+              <a:rPr lang="ko-KR" altLang="en-US" dirty="0"/>
+              <a:t> 파일 수정  </a:t>
+            </a:r>
+            <a:r>
+              <a:rPr lang="en-US" altLang="ko-KR" dirty="0"/>
+              <a:t>( = )</a:t>
+            </a:r>
+          </a:p>
+          <a:p>
+            <a:pPr marL="534988" lvl="1" indent="-268288">
+              <a:spcBef>
+                <a:spcPts val="0"/>
+              </a:spcBef>
+              <a:spcAft>
+                <a:spcPts val="0"/>
+              </a:spcAft>
+              <a:buClr>
+                <a:schemeClr val="tx1">
+                  <a:lumMod val="65000"/>
+                  <a:lumOff val="35000"/>
+                </a:schemeClr>
+              </a:buClr>
+              <a:buFont typeface="+mj-ea"/>
+              <a:buAutoNum type="circleNumDbPlain"/>
+              <a:defRPr/>
+            </a:pPr>
+            <a:r>
+              <a:rPr lang="en-US" altLang="ko-KR" dirty="0"/>
+              <a:t>Git</a:t>
+            </a:r>
+            <a:r>
+              <a:rPr lang="ko-KR" altLang="en-US" dirty="0"/>
+              <a:t> </a:t>
+            </a:r>
+            <a:r>
+              <a:rPr lang="en-US" altLang="ko-KR" dirty="0"/>
+              <a:t>add</a:t>
+            </a:r>
+            <a:r>
+              <a:rPr lang="ko-KR" altLang="en-US" dirty="0"/>
+              <a:t> </a:t>
+            </a:r>
+            <a:r>
+              <a:rPr lang="en-US" altLang="ko-KR" dirty="0"/>
+              <a:t>cen.txt ( = )</a:t>
+            </a:r>
+          </a:p>
+          <a:p>
+            <a:pPr marL="534988" lvl="1" indent="-268288">
+              <a:spcBef>
+                <a:spcPts val="0"/>
+              </a:spcBef>
+              <a:spcAft>
+                <a:spcPts val="0"/>
+              </a:spcAft>
+              <a:buClr>
+                <a:schemeClr val="tx1">
+                  <a:lumMod val="65000"/>
+                  <a:lumOff val="35000"/>
+                </a:schemeClr>
+              </a:buClr>
+              <a:buFont typeface="+mj-ea"/>
+              <a:buAutoNum type="circleNumDbPlain"/>
+              <a:defRPr/>
+            </a:pPr>
+            <a:r>
+              <a:rPr lang="en-US" altLang="ko-KR" dirty="0"/>
+              <a:t>Git rebase –continue </a:t>
+            </a:r>
+            <a:r>
+              <a:rPr lang="en-US" altLang="ko-KR" dirty="0">
+                <a:sym typeface="Wingdings" panose="05000000000000000000" pitchFamily="2" charset="2"/>
+              </a:rPr>
+              <a:t> text commit message  ( git commit)</a:t>
+            </a:r>
+          </a:p>
+          <a:p>
+            <a:pPr marL="534988" lvl="1" indent="-268288">
+              <a:spcBef>
+                <a:spcPts val="0"/>
+              </a:spcBef>
+              <a:spcAft>
+                <a:spcPts val="0"/>
+              </a:spcAft>
+              <a:buClr>
+                <a:schemeClr val="tx1">
+                  <a:lumMod val="65000"/>
+                  <a:lumOff val="35000"/>
+                </a:schemeClr>
+              </a:buClr>
+              <a:buFont typeface="+mj-ea"/>
+              <a:buAutoNum type="circleNumDbPlain"/>
+              <a:defRPr/>
+            </a:pPr>
+            <a:r>
+              <a:rPr lang="en-US" altLang="ko-KR" dirty="0">
+                <a:sym typeface="Wingdings" panose="05000000000000000000" pitchFamily="2" charset="2"/>
+              </a:rPr>
+              <a:t>Git push origin main</a:t>
+            </a:r>
+          </a:p>
+          <a:p>
+            <a:pPr marL="266700" lvl="1" indent="0">
+              <a:spcBef>
+                <a:spcPts val="0"/>
+              </a:spcBef>
+              <a:spcAft>
+                <a:spcPts val="0"/>
+              </a:spcAft>
+              <a:buClr>
+                <a:schemeClr val="tx1">
+                  <a:lumMod val="65000"/>
+                  <a:lumOff val="35000"/>
+                </a:schemeClr>
+              </a:buClr>
+              <a:buNone/>
+              <a:defRPr/>
+            </a:pPr>
+            <a:r>
+              <a:rPr lang="ko-KR" altLang="en-US" dirty="0">
+                <a:sym typeface="Wingdings" panose="05000000000000000000" pitchFamily="2" charset="2"/>
+              </a:rPr>
+              <a:t>내가 수정하고 </a:t>
+            </a:r>
+            <a:r>
+              <a:rPr lang="en-US" altLang="ko-KR" dirty="0">
+                <a:sym typeface="Wingdings" panose="05000000000000000000" pitchFamily="2" charset="2"/>
+              </a:rPr>
+              <a:t>push</a:t>
+            </a:r>
+            <a:r>
+              <a:rPr lang="ko-KR" altLang="en-US" dirty="0">
+                <a:sym typeface="Wingdings" panose="05000000000000000000" pitchFamily="2" charset="2"/>
+              </a:rPr>
+              <a:t>하고 다시 내용을 바꾸고 </a:t>
+            </a:r>
+            <a:r>
+              <a:rPr lang="en-US" altLang="ko-KR" dirty="0">
+                <a:sym typeface="Wingdings" panose="05000000000000000000" pitchFamily="2" charset="2"/>
+              </a:rPr>
+              <a:t>push</a:t>
+            </a:r>
+            <a:r>
+              <a:rPr lang="ko-KR" altLang="en-US" dirty="0">
+                <a:sym typeface="Wingdings" panose="05000000000000000000" pitchFamily="2" charset="2"/>
+              </a:rPr>
+              <a:t>해도 </a:t>
+            </a:r>
+            <a:r>
+              <a:rPr lang="en-US" altLang="ko-KR" dirty="0">
+                <a:sym typeface="Wingdings" panose="05000000000000000000" pitchFamily="2" charset="2"/>
+              </a:rPr>
+              <a:t>conflict</a:t>
+            </a:r>
+            <a:r>
+              <a:rPr lang="ko-KR" altLang="en-US" dirty="0">
+                <a:sym typeface="Wingdings" panose="05000000000000000000" pitchFamily="2" charset="2"/>
+              </a:rPr>
+              <a:t>이 발생하지 않는다 </a:t>
+            </a:r>
+            <a:r>
+              <a:rPr lang="ko-KR" altLang="en-US" dirty="0" err="1">
+                <a:sym typeface="Wingdings" panose="05000000000000000000" pitchFamily="2" charset="2"/>
+              </a:rPr>
+              <a:t>왜지</a:t>
+            </a:r>
+            <a:r>
+              <a:rPr lang="en-US" altLang="ko-KR" dirty="0">
+                <a:sym typeface="Wingdings" panose="05000000000000000000" pitchFamily="2" charset="2"/>
+              </a:rPr>
+              <a:t>?</a:t>
+            </a:r>
+            <a:endParaRPr lang="en-US" altLang="ko-KR" dirty="0"/>
+          </a:p>
+          <a:p>
+            <a:pPr marL="266700" lvl="1" indent="0">
+              <a:spcBef>
+                <a:spcPts val="0"/>
+              </a:spcBef>
+              <a:spcAft>
+                <a:spcPts val="0"/>
+              </a:spcAft>
+              <a:buClr>
+                <a:schemeClr val="tx1">
+                  <a:lumMod val="65000"/>
+                  <a:lumOff val="35000"/>
+                </a:schemeClr>
+              </a:buClr>
+              <a:buNone/>
+              <a:defRPr/>
+            </a:pPr>
+            <a:endParaRPr lang="en-US" altLang="ko-KR" dirty="0"/>
+          </a:p>
+          <a:p>
+            <a:pPr>
+              <a:buClr>
+                <a:schemeClr val="tx1">
+                  <a:lumMod val="65000"/>
+                  <a:lumOff val="35000"/>
+                </a:schemeClr>
+              </a:buClr>
+              <a:defRPr/>
+            </a:pPr>
+            <a:endParaRPr lang="en-US" altLang="ko-KR" dirty="0">
+              <a:solidFill>
+                <a:srgbClr val="FF0000"/>
+              </a:solidFill>
+            </a:endParaRPr>
+          </a:p>
+          <a:p>
+            <a:pPr>
+              <a:buClr>
+                <a:schemeClr val="tx1">
+                  <a:lumMod val="65000"/>
+                  <a:lumOff val="35000"/>
+                </a:schemeClr>
+              </a:buClr>
+              <a:defRPr/>
+            </a:pPr>
+            <a:endParaRPr lang="ko-KR" altLang="en-US" dirty="0">
+              <a:solidFill>
+                <a:srgbClr val="FF0000"/>
+              </a:solidFill>
+            </a:endParaRPr>
+          </a:p>
+        </p:txBody>
+      </p:sp>
+    </p:spTree>
+    <p:extLst>
+      <p:ext uri="{BB962C8B-B14F-4D97-AF65-F5344CB8AC3E}">
+        <p14:creationId xmlns:p14="http://schemas.microsoft.com/office/powerpoint/2010/main" val="729669329"/>
+      </p:ext>
+    </p:extLst>
+  </p:cSld>
+  <p:clrMapOvr>
+    <a:masterClrMapping/>
+  </p:clrMapOvr>
+</p:sld>
+</file>
+
+<file path=ppt/slides/slide23.xml><?xml version="1.0" encoding="utf-8"?>
+<p:sld xmlns:a="http://schemas.openxmlformats.org/drawingml/2006/main" xmlns:r="http://schemas.openxmlformats.org/officeDocument/2006/relationships" xmlns:p="http://schemas.openxmlformats.org/presentationml/2006/main">
+  <p:cSld>
+    <p:spTree>
+      <p:nvGrpSpPr>
+        <p:cNvPr id="1" name=""/>
+        <p:cNvGrpSpPr/>
+        <p:nvPr/>
+      </p:nvGrpSpPr>
+      <p:grpSpPr>
+        <a:xfrm>
+          <a:off x="0" y="0"/>
+          <a:ext cx="0" cy="0"/>
+          <a:chOff x="0" y="0"/>
+          <a:chExt cx="0" cy="0"/>
+        </a:xfrm>
+      </p:grpSpPr>
+      <p:sp>
+        <p:nvSpPr>
+          <p:cNvPr id="4" name="제목 3">
+            <a:extLst>
+              <a:ext uri="{FF2B5EF4-FFF2-40B4-BE49-F238E27FC236}">
+                <a16:creationId xmlns:a16="http://schemas.microsoft.com/office/drawing/2014/main" id="{F0CEB32B-CB43-4410-BA08-A97E4BC47FCB}"/>
+              </a:ext>
+            </a:extLst>
+          </p:cNvPr>
+          <p:cNvSpPr>
+            <a:spLocks noGrp="1"/>
+          </p:cNvSpPr>
+          <p:nvPr>
+            <p:ph type="title"/>
+          </p:nvPr>
+        </p:nvSpPr>
+        <p:spPr/>
+        <p:txBody>
+          <a:bodyPr/>
+          <a:lstStyle/>
+          <a:p>
+            <a:r>
+              <a:rPr lang="ko-KR" altLang="en-US" dirty="0"/>
+              <a:t>협업방식 </a:t>
+            </a:r>
+            <a:r>
+              <a:rPr lang="en-US" altLang="ko-KR" dirty="0"/>
+              <a:t>1</a:t>
+            </a:r>
+            <a:endParaRPr lang="ko-KR" altLang="en-US" dirty="0"/>
+          </a:p>
+        </p:txBody>
+      </p:sp>
+      <p:sp>
+        <p:nvSpPr>
+          <p:cNvPr id="5" name="내용 개체 틀 4">
+            <a:extLst>
+              <a:ext uri="{FF2B5EF4-FFF2-40B4-BE49-F238E27FC236}">
+                <a16:creationId xmlns:a16="http://schemas.microsoft.com/office/drawing/2014/main" id="{FDF69C25-9F43-470B-8A20-AEDC0F371CCD}"/>
+              </a:ext>
+            </a:extLst>
+          </p:cNvPr>
+          <p:cNvSpPr>
+            <a:spLocks noGrp="1"/>
+          </p:cNvSpPr>
+          <p:nvPr>
+            <p:ph idx="1"/>
+          </p:nvPr>
+        </p:nvSpPr>
+        <p:spPr>
+          <a:xfrm>
+            <a:off x="250825" y="1000221"/>
+            <a:ext cx="8641655" cy="5146579"/>
+          </a:xfrm>
+        </p:spPr>
+        <p:txBody>
+          <a:bodyPr tIns="0" bIns="0">
+            <a:noAutofit/>
+          </a:bodyPr>
+          <a:lstStyle/>
+          <a:p>
+            <a:pPr>
+              <a:buClr>
+                <a:schemeClr val="tx1">
+                  <a:lumMod val="65000"/>
+                  <a:lumOff val="35000"/>
+                </a:schemeClr>
+              </a:buClr>
+              <a:defRPr/>
+            </a:pPr>
+            <a:r>
+              <a:rPr lang="en-US" altLang="ko-KR" dirty="0"/>
+              <a:t>Feature branch workflow (collab </a:t>
+            </a:r>
+            <a:r>
+              <a:rPr lang="ko-KR" altLang="en-US" dirty="0"/>
+              <a:t>참여자가 모두가 결정하고 수정 진행</a:t>
+            </a:r>
+            <a:r>
+              <a:rPr lang="en-US" altLang="ko-KR" dirty="0"/>
+              <a:t>)</a:t>
+            </a:r>
+          </a:p>
+          <a:p>
+            <a:pPr marL="534988" lvl="1" indent="-268288">
+              <a:spcBef>
+                <a:spcPts val="0"/>
+              </a:spcBef>
+              <a:spcAft>
+                <a:spcPts val="0"/>
+              </a:spcAft>
+              <a:buClr>
+                <a:schemeClr val="tx1">
+                  <a:lumMod val="65000"/>
+                  <a:lumOff val="35000"/>
+                </a:schemeClr>
+              </a:buClr>
+              <a:buFont typeface="+mj-ea"/>
+              <a:buAutoNum type="circleNumDbPlain"/>
+              <a:defRPr/>
+            </a:pPr>
+            <a:r>
+              <a:rPr lang="en-US" altLang="ko-KR" dirty="0"/>
+              <a:t>Local </a:t>
+            </a:r>
+            <a:r>
+              <a:rPr lang="ko-KR" altLang="en-US" dirty="0"/>
+              <a:t>작업</a:t>
+            </a:r>
+            <a:endParaRPr lang="en-US" altLang="ko-KR" dirty="0"/>
+          </a:p>
+          <a:p>
+            <a:pPr marL="534988" lvl="1" indent="-268288">
+              <a:spcBef>
+                <a:spcPts val="0"/>
+              </a:spcBef>
+              <a:spcAft>
+                <a:spcPts val="0"/>
+              </a:spcAft>
+              <a:buClr>
+                <a:schemeClr val="tx1">
+                  <a:lumMod val="65000"/>
+                  <a:lumOff val="35000"/>
+                </a:schemeClr>
+              </a:buClr>
+              <a:buFont typeface="+mj-ea"/>
+              <a:buAutoNum type="circleNumDbPlain"/>
+              <a:defRPr/>
+            </a:pPr>
+            <a:r>
+              <a:rPr lang="ko-KR" altLang="en-US" dirty="0"/>
+              <a:t>원격</a:t>
+            </a:r>
+            <a:r>
+              <a:rPr lang="en-US" altLang="ko-KR" dirty="0"/>
+              <a:t>repo  </a:t>
+            </a:r>
+            <a:r>
+              <a:rPr lang="ko-KR" altLang="en-US" dirty="0"/>
+              <a:t>만들기</a:t>
+            </a:r>
+            <a:r>
+              <a:rPr lang="en-US" altLang="ko-KR" dirty="0"/>
+              <a:t>, collaborator</a:t>
+            </a:r>
+          </a:p>
+          <a:p>
+            <a:pPr marL="534988" lvl="1" indent="-268288">
+              <a:spcBef>
+                <a:spcPts val="0"/>
+              </a:spcBef>
+              <a:spcAft>
+                <a:spcPts val="0"/>
+              </a:spcAft>
+              <a:buClr>
+                <a:schemeClr val="tx1">
+                  <a:lumMod val="65000"/>
+                  <a:lumOff val="35000"/>
+                </a:schemeClr>
+              </a:buClr>
+              <a:buFont typeface="+mj-ea"/>
+              <a:buAutoNum type="circleNumDbPlain"/>
+              <a:defRPr/>
+            </a:pPr>
+            <a:r>
+              <a:rPr lang="en-US" altLang="ko-KR" dirty="0"/>
+              <a:t>Push</a:t>
+            </a:r>
+            <a:r>
+              <a:rPr lang="ko-KR" altLang="en-US" dirty="0"/>
+              <a:t>하기 </a:t>
+            </a:r>
+            <a:endParaRPr lang="en-US" altLang="ko-KR" dirty="0"/>
+          </a:p>
+          <a:p>
+            <a:pPr marL="534988" lvl="1" indent="-268288">
+              <a:spcBef>
+                <a:spcPts val="0"/>
+              </a:spcBef>
+              <a:spcAft>
+                <a:spcPts val="0"/>
+              </a:spcAft>
+              <a:buClr>
+                <a:schemeClr val="tx1">
+                  <a:lumMod val="65000"/>
+                  <a:lumOff val="35000"/>
+                </a:schemeClr>
+              </a:buClr>
+              <a:buFont typeface="+mj-ea"/>
+              <a:buAutoNum type="circleNumDbPlain"/>
+              <a:defRPr/>
+            </a:pPr>
+            <a:r>
+              <a:rPr lang="en-US" altLang="ko-KR" dirty="0"/>
+              <a:t>Collab clone</a:t>
+            </a:r>
+            <a:r>
+              <a:rPr lang="ko-KR" altLang="en-US" dirty="0"/>
+              <a:t>하기</a:t>
+            </a:r>
+            <a:endParaRPr lang="en-US" altLang="ko-KR" dirty="0"/>
+          </a:p>
+          <a:p>
+            <a:pPr marL="534988" lvl="1" indent="-268288">
+              <a:spcBef>
+                <a:spcPts val="0"/>
+              </a:spcBef>
+              <a:spcAft>
+                <a:spcPts val="0"/>
+              </a:spcAft>
+              <a:buClr>
+                <a:schemeClr val="tx1">
+                  <a:lumMod val="65000"/>
+                  <a:lumOff val="35000"/>
+                </a:schemeClr>
+              </a:buClr>
+              <a:buFont typeface="+mj-ea"/>
+              <a:buAutoNum type="circleNumDbPlain"/>
+              <a:defRPr/>
+            </a:pPr>
+            <a:r>
+              <a:rPr lang="en-US" altLang="ko-KR" dirty="0"/>
+              <a:t>Create new branch </a:t>
+            </a:r>
+            <a:r>
+              <a:rPr lang="en-US" altLang="ko-KR" dirty="0">
+                <a:sym typeface="Wingdings" panose="05000000000000000000" pitchFamily="2" charset="2"/>
+              </a:rPr>
+              <a:t> change files  add  commit</a:t>
+            </a:r>
+            <a:endParaRPr lang="en-US" altLang="ko-KR" dirty="0"/>
+          </a:p>
+          <a:p>
+            <a:pPr marL="534988" lvl="1" indent="-268288">
+              <a:spcBef>
+                <a:spcPts val="0"/>
+              </a:spcBef>
+              <a:spcAft>
+                <a:spcPts val="0"/>
+              </a:spcAft>
+              <a:buClr>
+                <a:schemeClr val="tx1">
+                  <a:lumMod val="65000"/>
+                  <a:lumOff val="35000"/>
+                </a:schemeClr>
+              </a:buClr>
+              <a:buFont typeface="+mj-ea"/>
+              <a:buAutoNum type="circleNumDbPlain"/>
+              <a:defRPr/>
+            </a:pPr>
+            <a:r>
+              <a:rPr lang="en-US" altLang="ko-KR" dirty="0"/>
+              <a:t>Push new branch </a:t>
+            </a:r>
+            <a:r>
+              <a:rPr lang="en-US" altLang="ko-KR" dirty="0">
+                <a:sym typeface="Wingdings" panose="05000000000000000000" pitchFamily="2" charset="2"/>
+              </a:rPr>
+              <a:t> in main </a:t>
+            </a:r>
+            <a:r>
+              <a:rPr lang="en-US" altLang="ko-KR" dirty="0" err="1">
+                <a:sym typeface="Wingdings" panose="05000000000000000000" pitchFamily="2" charset="2"/>
+              </a:rPr>
+              <a:t>github</a:t>
+            </a:r>
+            <a:r>
+              <a:rPr lang="en-US" altLang="ko-KR" dirty="0">
+                <a:sym typeface="Wingdings" panose="05000000000000000000" pitchFamily="2" charset="2"/>
+              </a:rPr>
+              <a:t>(upstream)  compare&amp; pull </a:t>
+            </a:r>
+            <a:r>
+              <a:rPr lang="en-US" altLang="ko-KR" dirty="0" err="1">
+                <a:sym typeface="Wingdings" panose="05000000000000000000" pitchFamily="2" charset="2"/>
+              </a:rPr>
+              <a:t>requ</a:t>
+            </a:r>
+            <a:r>
+              <a:rPr lang="ko-KR" altLang="en-US" dirty="0">
+                <a:sym typeface="Wingdings" panose="05000000000000000000" pitchFamily="2" charset="2"/>
+              </a:rPr>
+              <a:t>버튼 생성</a:t>
+            </a:r>
+            <a:endParaRPr lang="en-US" altLang="ko-KR" dirty="0">
+              <a:sym typeface="Wingdings" panose="05000000000000000000" pitchFamily="2" charset="2"/>
+            </a:endParaRPr>
+          </a:p>
+          <a:p>
+            <a:pPr marL="266700" lvl="1" indent="0">
+              <a:spcBef>
+                <a:spcPts val="0"/>
+              </a:spcBef>
+              <a:spcAft>
+                <a:spcPts val="0"/>
+              </a:spcAft>
+              <a:buClr>
+                <a:schemeClr val="tx1">
+                  <a:lumMod val="65000"/>
+                  <a:lumOff val="35000"/>
+                </a:schemeClr>
+              </a:buClr>
+              <a:buNone/>
+              <a:defRPr/>
+            </a:pPr>
+            <a:r>
+              <a:rPr lang="en-US" altLang="ko-KR" dirty="0">
+                <a:sym typeface="Wingdings" panose="05000000000000000000" pitchFamily="2" charset="2"/>
+              </a:rPr>
+              <a:t>     </a:t>
+            </a:r>
+          </a:p>
+          <a:p>
+            <a:pPr marL="266700" lvl="1" indent="0">
+              <a:spcBef>
+                <a:spcPts val="0"/>
+              </a:spcBef>
+              <a:spcAft>
+                <a:spcPts val="0"/>
+              </a:spcAft>
+              <a:buClr>
+                <a:schemeClr val="tx1">
+                  <a:lumMod val="65000"/>
+                  <a:lumOff val="35000"/>
+                </a:schemeClr>
+              </a:buClr>
+              <a:buNone/>
+              <a:defRPr/>
+            </a:pPr>
+            <a:r>
+              <a:rPr lang="ko-KR" altLang="en-US" dirty="0" err="1">
+                <a:sym typeface="Wingdings" panose="05000000000000000000" pitchFamily="2" charset="2"/>
+              </a:rPr>
+              <a:t>브랜치가</a:t>
+            </a:r>
+            <a:r>
+              <a:rPr lang="ko-KR" altLang="en-US" dirty="0">
+                <a:sym typeface="Wingdings" panose="05000000000000000000" pitchFamily="2" charset="2"/>
+              </a:rPr>
+              <a:t> </a:t>
+            </a:r>
+            <a:r>
+              <a:rPr lang="en-US" altLang="ko-KR" dirty="0">
+                <a:sym typeface="Wingdings" panose="05000000000000000000" pitchFamily="2" charset="2"/>
+              </a:rPr>
+              <a:t>upstream</a:t>
+            </a:r>
+            <a:r>
+              <a:rPr lang="ko-KR" altLang="en-US" dirty="0">
+                <a:sym typeface="Wingdings" panose="05000000000000000000" pitchFamily="2" charset="2"/>
+              </a:rPr>
+              <a:t>에 새로 생기면 </a:t>
+            </a:r>
+            <a:r>
+              <a:rPr lang="en-US" altLang="ko-KR" dirty="0" err="1">
+                <a:sym typeface="Wingdings" panose="05000000000000000000" pitchFamily="2" charset="2"/>
+              </a:rPr>
+              <a:t>compare&amp;pR</a:t>
+            </a:r>
+            <a:r>
+              <a:rPr lang="ko-KR" altLang="en-US" dirty="0">
+                <a:sym typeface="Wingdings" panose="05000000000000000000" pitchFamily="2" charset="2"/>
+              </a:rPr>
+              <a:t>버튼이 자동으로 생성되나</a:t>
+            </a:r>
+            <a:r>
+              <a:rPr lang="en-US" altLang="ko-KR" dirty="0">
+                <a:sym typeface="Wingdings" panose="05000000000000000000" pitchFamily="2" charset="2"/>
+              </a:rPr>
+              <a:t>,</a:t>
+            </a:r>
+          </a:p>
+          <a:p>
+            <a:pPr marL="266700" lvl="1" indent="0">
+              <a:spcBef>
+                <a:spcPts val="0"/>
+              </a:spcBef>
+              <a:spcAft>
+                <a:spcPts val="0"/>
+              </a:spcAft>
+              <a:buClr>
+                <a:schemeClr val="tx1">
+                  <a:lumMod val="65000"/>
+                  <a:lumOff val="35000"/>
+                </a:schemeClr>
+              </a:buClr>
+              <a:buNone/>
+              <a:defRPr/>
+            </a:pPr>
+            <a:r>
+              <a:rPr lang="ko-KR" altLang="en-US" dirty="0">
+                <a:sym typeface="Wingdings" panose="05000000000000000000" pitchFamily="2" charset="2"/>
+              </a:rPr>
+              <a:t>한번 생긴 </a:t>
+            </a:r>
+            <a:r>
+              <a:rPr lang="en-US" altLang="ko-KR" dirty="0" err="1">
+                <a:sym typeface="Wingdings" panose="05000000000000000000" pitchFamily="2" charset="2"/>
+              </a:rPr>
+              <a:t>br</a:t>
+            </a:r>
+            <a:r>
+              <a:rPr lang="ko-KR" altLang="en-US" dirty="0">
+                <a:sym typeface="Wingdings" panose="05000000000000000000" pitchFamily="2" charset="2"/>
+              </a:rPr>
+              <a:t>이면 자동으로 </a:t>
+            </a:r>
+            <a:r>
+              <a:rPr lang="en-US" altLang="ko-KR" dirty="0" err="1">
+                <a:sym typeface="Wingdings" panose="05000000000000000000" pitchFamily="2" charset="2"/>
+              </a:rPr>
+              <a:t>compare&amp;pr</a:t>
+            </a:r>
+            <a:r>
+              <a:rPr lang="en-US" altLang="ko-KR" dirty="0">
+                <a:sym typeface="Wingdings" panose="05000000000000000000" pitchFamily="2" charset="2"/>
+              </a:rPr>
+              <a:t> </a:t>
+            </a:r>
+            <a:r>
+              <a:rPr lang="ko-KR" altLang="en-US" dirty="0">
+                <a:sym typeface="Wingdings" panose="05000000000000000000" pitchFamily="2" charset="2"/>
+              </a:rPr>
+              <a:t>버튼이 생기지 않기 때문에</a:t>
+            </a:r>
+            <a:r>
+              <a:rPr lang="en-US" altLang="ko-KR" dirty="0">
+                <a:sym typeface="Wingdings" panose="05000000000000000000" pitchFamily="2" charset="2"/>
+              </a:rPr>
+              <a:t>(</a:t>
+            </a:r>
+            <a:r>
+              <a:rPr lang="ko-KR" altLang="en-US" dirty="0">
+                <a:sym typeface="Wingdings" panose="05000000000000000000" pitchFamily="2" charset="2"/>
+              </a:rPr>
+              <a:t>물론 로그인하여 </a:t>
+            </a:r>
+            <a:r>
+              <a:rPr lang="en-US" altLang="ko-KR" dirty="0">
+                <a:sym typeface="Wingdings" panose="05000000000000000000" pitchFamily="2" charset="2"/>
+              </a:rPr>
+              <a:t>pr</a:t>
+            </a:r>
+            <a:r>
+              <a:rPr lang="ko-KR" altLang="en-US" dirty="0">
+                <a:sym typeface="Wingdings" panose="05000000000000000000" pitchFamily="2" charset="2"/>
+              </a:rPr>
+              <a:t>할 수 있음</a:t>
+            </a:r>
+            <a:r>
+              <a:rPr lang="en-US" altLang="ko-KR" dirty="0">
+                <a:sym typeface="Wingdings" panose="05000000000000000000" pitchFamily="2" charset="2"/>
+              </a:rPr>
+              <a:t>)</a:t>
+            </a:r>
+            <a:r>
+              <a:rPr lang="ko-KR" altLang="en-US" dirty="0">
+                <a:sym typeface="Wingdings" panose="05000000000000000000" pitchFamily="2" charset="2"/>
+              </a:rPr>
+              <a:t> </a:t>
+            </a:r>
+            <a:r>
+              <a:rPr lang="en-US" altLang="ko-KR" dirty="0">
+                <a:sym typeface="Wingdings" panose="05000000000000000000" pitchFamily="2" charset="2"/>
+              </a:rPr>
+              <a:t>merge</a:t>
+            </a:r>
+            <a:r>
+              <a:rPr lang="ko-KR" altLang="en-US" dirty="0">
+                <a:sym typeface="Wingdings" panose="05000000000000000000" pitchFamily="2" charset="2"/>
+              </a:rPr>
+              <a:t>가 되면 삭제하는 과정이 필요하다</a:t>
+            </a:r>
+            <a:r>
+              <a:rPr lang="en-US" altLang="ko-KR" dirty="0">
+                <a:sym typeface="Wingdings" panose="05000000000000000000" pitchFamily="2" charset="2"/>
+              </a:rPr>
+              <a:t>.</a:t>
+            </a:r>
+          </a:p>
+          <a:p>
+            <a:pPr marL="534988" lvl="1" indent="-268288">
+              <a:spcBef>
+                <a:spcPts val="0"/>
+              </a:spcBef>
+              <a:spcAft>
+                <a:spcPts val="0"/>
+              </a:spcAft>
+              <a:buClr>
+                <a:schemeClr val="tx1">
+                  <a:lumMod val="65000"/>
+                  <a:lumOff val="35000"/>
+                </a:schemeClr>
+              </a:buClr>
+              <a:buFont typeface="+mj-ea"/>
+              <a:buAutoNum type="circleNumDbPlain"/>
+              <a:defRPr/>
+            </a:pPr>
+            <a:r>
+              <a:rPr lang="en-US" altLang="ko-KR" dirty="0">
+                <a:sym typeface="Wingdings" panose="05000000000000000000" pitchFamily="2" charset="2"/>
+              </a:rPr>
+              <a:t> </a:t>
+            </a:r>
+            <a:r>
+              <a:rPr lang="ko-KR" altLang="en-US" dirty="0">
+                <a:sym typeface="Wingdings" panose="05000000000000000000" pitchFamily="2" charset="2"/>
+              </a:rPr>
+              <a:t>다음 페이지에 메시지 남기기</a:t>
+            </a:r>
+            <a:endParaRPr lang="en-US" altLang="ko-KR" dirty="0"/>
+          </a:p>
+          <a:p>
+            <a:pPr marL="266700" lvl="1" indent="0">
+              <a:spcBef>
+                <a:spcPts val="0"/>
+              </a:spcBef>
+              <a:spcAft>
+                <a:spcPts val="0"/>
+              </a:spcAft>
+              <a:buClr>
+                <a:schemeClr val="tx1">
+                  <a:lumMod val="65000"/>
+                  <a:lumOff val="35000"/>
+                </a:schemeClr>
+              </a:buClr>
+              <a:buNone/>
+              <a:defRPr/>
+            </a:pPr>
+            <a:endParaRPr lang="en-US" altLang="ko-KR" dirty="0"/>
+          </a:p>
+          <a:p>
+            <a:pPr>
+              <a:buClr>
+                <a:schemeClr val="tx1">
+                  <a:lumMod val="65000"/>
+                  <a:lumOff val="35000"/>
+                </a:schemeClr>
+              </a:buClr>
+              <a:defRPr/>
+            </a:pPr>
+            <a:endParaRPr lang="en-US" altLang="ko-KR" dirty="0">
+              <a:solidFill>
+                <a:srgbClr val="FF0000"/>
+              </a:solidFill>
+            </a:endParaRPr>
+          </a:p>
+          <a:p>
+            <a:pPr>
+              <a:buClr>
+                <a:schemeClr val="tx1">
+                  <a:lumMod val="65000"/>
+                  <a:lumOff val="35000"/>
+                </a:schemeClr>
+              </a:buClr>
+              <a:defRPr/>
+            </a:pPr>
+            <a:endParaRPr lang="ko-KR" altLang="en-US" dirty="0">
+              <a:solidFill>
+                <a:srgbClr val="FF0000"/>
+              </a:solidFill>
+            </a:endParaRPr>
+          </a:p>
+        </p:txBody>
+      </p:sp>
+    </p:spTree>
+    <p:extLst>
+      <p:ext uri="{BB962C8B-B14F-4D97-AF65-F5344CB8AC3E}">
+        <p14:creationId xmlns:p14="http://schemas.microsoft.com/office/powerpoint/2010/main" val="1207098687"/>
+      </p:ext>
+    </p:extLst>
+  </p:cSld>
+  <p:clrMapOvr>
+    <a:masterClrMapping/>
+  </p:clrMapOvr>
+</p:sld>
+</file>
+
+<file path=ppt/slides/slide24.xml><?xml version="1.0" encoding="utf-8"?>
+<p:sld xmlns:a="http://schemas.openxmlformats.org/drawingml/2006/main" xmlns:r="http://schemas.openxmlformats.org/officeDocument/2006/relationships" xmlns:p="http://schemas.openxmlformats.org/presentationml/2006/main">
+  <p:cSld>
+    <p:spTree>
+      <p:nvGrpSpPr>
+        <p:cNvPr id="1" name=""/>
+        <p:cNvGrpSpPr/>
+        <p:nvPr/>
+      </p:nvGrpSpPr>
+      <p:grpSpPr>
+        <a:xfrm>
+          <a:off x="0" y="0"/>
+          <a:ext cx="0" cy="0"/>
+          <a:chOff x="0" y="0"/>
+          <a:chExt cx="0" cy="0"/>
+        </a:xfrm>
+      </p:grpSpPr>
+      <p:pic>
+        <p:nvPicPr>
+          <p:cNvPr id="2" name="그림 1"/>
+          <p:cNvPicPr>
+            <a:picLocks noChangeAspect="1"/>
+          </p:cNvPicPr>
+          <p:nvPr/>
+        </p:nvPicPr>
+        <p:blipFill>
+          <a:blip r:embed="rId2"/>
+          <a:stretch>
+            <a:fillRect/>
+          </a:stretch>
+        </p:blipFill>
+        <p:spPr>
+          <a:xfrm>
+            <a:off x="257175" y="2805112"/>
+            <a:ext cx="8629650" cy="1247775"/>
+          </a:xfrm>
+          <a:prstGeom prst="rect">
+            <a:avLst/>
+          </a:prstGeom>
+        </p:spPr>
+      </p:pic>
+      <p:sp>
+        <p:nvSpPr>
+          <p:cNvPr id="4" name="제목 3">
+            <a:extLst>
+              <a:ext uri="{FF2B5EF4-FFF2-40B4-BE49-F238E27FC236}">
+                <a16:creationId xmlns:a16="http://schemas.microsoft.com/office/drawing/2014/main" id="{F0CEB32B-CB43-4410-BA08-A97E4BC47FCB}"/>
+              </a:ext>
+            </a:extLst>
+          </p:cNvPr>
+          <p:cNvSpPr>
+            <a:spLocks noGrp="1"/>
+          </p:cNvSpPr>
+          <p:nvPr>
+            <p:ph type="title"/>
+          </p:nvPr>
+        </p:nvSpPr>
+        <p:spPr/>
+        <p:txBody>
+          <a:bodyPr/>
+          <a:lstStyle/>
+          <a:p>
+            <a:r>
+              <a:rPr lang="ko-KR" altLang="en-US" dirty="0"/>
+              <a:t>협업방식 </a:t>
+            </a:r>
+            <a:r>
+              <a:rPr lang="en-US" altLang="ko-KR" dirty="0"/>
+              <a:t>1</a:t>
+            </a:r>
+            <a:endParaRPr lang="ko-KR" altLang="en-US" dirty="0"/>
+          </a:p>
+        </p:txBody>
+      </p:sp>
+      <p:sp>
+        <p:nvSpPr>
+          <p:cNvPr id="5" name="내용 개체 틀 4">
+            <a:extLst>
+              <a:ext uri="{FF2B5EF4-FFF2-40B4-BE49-F238E27FC236}">
+                <a16:creationId xmlns:a16="http://schemas.microsoft.com/office/drawing/2014/main" id="{48DB0CC3-2321-4F7D-83F1-DDCF2E040E0D}"/>
+              </a:ext>
+            </a:extLst>
+          </p:cNvPr>
+          <p:cNvSpPr>
+            <a:spLocks noGrp="1"/>
+          </p:cNvSpPr>
+          <p:nvPr>
+            <p:ph idx="1"/>
+          </p:nvPr>
+        </p:nvSpPr>
+        <p:spPr>
+          <a:xfrm>
+            <a:off x="250825" y="1000221"/>
+            <a:ext cx="8641655" cy="5146579"/>
+          </a:xfrm>
+        </p:spPr>
+        <p:txBody>
+          <a:bodyPr tIns="0" bIns="0">
+            <a:noAutofit/>
+          </a:bodyPr>
+          <a:lstStyle/>
+          <a:p>
+            <a:pPr>
+              <a:buClr>
+                <a:schemeClr val="tx1">
+                  <a:lumMod val="65000"/>
+                  <a:lumOff val="35000"/>
+                </a:schemeClr>
+              </a:buClr>
+              <a:defRPr/>
+            </a:pPr>
+            <a:r>
+              <a:rPr lang="en-US" altLang="ko-KR" dirty="0"/>
+              <a:t>merge</a:t>
+            </a:r>
+            <a:r>
+              <a:rPr lang="ko-KR" altLang="en-US" dirty="0"/>
+              <a:t> </a:t>
+            </a:r>
+            <a:r>
+              <a:rPr lang="en-US" altLang="ko-KR" dirty="0"/>
+              <a:t>pull</a:t>
+            </a:r>
+            <a:r>
+              <a:rPr lang="ko-KR" altLang="en-US" dirty="0"/>
+              <a:t> </a:t>
+            </a:r>
+            <a:r>
+              <a:rPr lang="en-US" altLang="ko-KR" dirty="0" err="1"/>
+              <a:t>reque</a:t>
+            </a:r>
+            <a:r>
+              <a:rPr lang="ko-KR" altLang="en-US" dirty="0"/>
+              <a:t> 버튼 클릭 </a:t>
+            </a:r>
+            <a:r>
+              <a:rPr lang="en-US" altLang="ko-KR" dirty="0">
+                <a:sym typeface="Wingdings" panose="05000000000000000000" pitchFamily="2" charset="2"/>
+              </a:rPr>
+              <a:t> confirm</a:t>
+            </a:r>
+            <a:r>
+              <a:rPr lang="ko-KR" altLang="en-US" dirty="0">
+                <a:sym typeface="Wingdings" panose="05000000000000000000" pitchFamily="2" charset="2"/>
+              </a:rPr>
+              <a:t> </a:t>
+            </a:r>
+            <a:r>
+              <a:rPr lang="en-US" altLang="ko-KR" dirty="0">
+                <a:sym typeface="Wingdings" panose="05000000000000000000" pitchFamily="2" charset="2"/>
+              </a:rPr>
+              <a:t>merge</a:t>
+            </a:r>
+          </a:p>
+          <a:p>
+            <a:pPr>
+              <a:buClr>
+                <a:schemeClr val="tx1">
+                  <a:lumMod val="65000"/>
+                  <a:lumOff val="35000"/>
+                </a:schemeClr>
+              </a:buClr>
+              <a:defRPr/>
+            </a:pPr>
+            <a:r>
+              <a:rPr lang="en-US" altLang="ko-KR" dirty="0">
+                <a:solidFill>
+                  <a:srgbClr val="FF0000"/>
+                </a:solidFill>
+                <a:sym typeface="Wingdings" panose="05000000000000000000" pitchFamily="2" charset="2"/>
+              </a:rPr>
+              <a:t>Rebase &amp; merge</a:t>
+            </a:r>
+            <a:r>
+              <a:rPr lang="ko-KR" altLang="en-US" dirty="0">
+                <a:solidFill>
+                  <a:srgbClr val="FF0000"/>
+                </a:solidFill>
+                <a:sym typeface="Wingdings" panose="05000000000000000000" pitchFamily="2" charset="2"/>
+              </a:rPr>
+              <a:t>할 경우 </a:t>
+            </a:r>
+            <a:r>
+              <a:rPr lang="en-US" altLang="ko-KR" dirty="0">
+                <a:solidFill>
+                  <a:srgbClr val="FF0000"/>
+                </a:solidFill>
+                <a:sym typeface="Wingdings" panose="05000000000000000000" pitchFamily="2" charset="2"/>
+              </a:rPr>
+              <a:t>patch </a:t>
+            </a:r>
+            <a:r>
+              <a:rPr lang="ko-KR" altLang="en-US" dirty="0">
+                <a:solidFill>
+                  <a:srgbClr val="FF0000"/>
+                </a:solidFill>
+                <a:sym typeface="Wingdings" panose="05000000000000000000" pitchFamily="2" charset="2"/>
+              </a:rPr>
+              <a:t>수정 때문에 여러 번 반복할 수 있으니 </a:t>
+            </a:r>
+            <a:r>
+              <a:rPr lang="en-US" altLang="ko-KR" dirty="0">
+                <a:solidFill>
+                  <a:srgbClr val="FF0000"/>
+                </a:solidFill>
+                <a:sym typeface="Wingdings" panose="05000000000000000000" pitchFamily="2" charset="2"/>
+              </a:rPr>
+              <a:t>try again</a:t>
+            </a:r>
+            <a:r>
+              <a:rPr lang="ko-KR" altLang="en-US" dirty="0">
+                <a:solidFill>
+                  <a:srgbClr val="FF0000"/>
+                </a:solidFill>
+                <a:sym typeface="Wingdings" panose="05000000000000000000" pitchFamily="2" charset="2"/>
+              </a:rPr>
+              <a:t>을 클릭하면 됨</a:t>
+            </a:r>
+            <a:r>
+              <a:rPr lang="en-US" altLang="ko-KR" dirty="0">
+                <a:solidFill>
+                  <a:srgbClr val="FF0000"/>
+                </a:solidFill>
+                <a:sym typeface="Wingdings" panose="05000000000000000000" pitchFamily="2" charset="2"/>
+              </a:rPr>
+              <a:t>.</a:t>
+            </a:r>
+          </a:p>
+          <a:p>
+            <a:pPr>
+              <a:buClr>
+                <a:schemeClr val="tx1">
+                  <a:lumMod val="65000"/>
+                  <a:lumOff val="35000"/>
+                </a:schemeClr>
+              </a:buClr>
+              <a:defRPr/>
+            </a:pPr>
+            <a:r>
+              <a:rPr lang="en-US" altLang="ko-KR" dirty="0">
+                <a:solidFill>
+                  <a:srgbClr val="FF0000"/>
+                </a:solidFill>
+                <a:sym typeface="Wingdings" panose="05000000000000000000" pitchFamily="2" charset="2"/>
+              </a:rPr>
+              <a:t>Delete </a:t>
+            </a:r>
+            <a:r>
+              <a:rPr lang="ko-KR" altLang="en-US" dirty="0" err="1">
+                <a:solidFill>
+                  <a:srgbClr val="FF0000"/>
+                </a:solidFill>
+                <a:sym typeface="Wingdings" panose="05000000000000000000" pitchFamily="2" charset="2"/>
+              </a:rPr>
+              <a:t>브랜치</a:t>
+            </a:r>
+            <a:r>
+              <a:rPr lang="ko-KR" altLang="en-US" dirty="0">
+                <a:solidFill>
+                  <a:srgbClr val="FF0000"/>
+                </a:solidFill>
+                <a:sym typeface="Wingdings" panose="05000000000000000000" pitchFamily="2" charset="2"/>
+              </a:rPr>
+              <a:t> 실행하도록</a:t>
+            </a:r>
+            <a:r>
+              <a:rPr lang="en-US" altLang="ko-KR" dirty="0">
+                <a:solidFill>
+                  <a:srgbClr val="FF0000"/>
+                </a:solidFill>
+                <a:sym typeface="Wingdings" panose="05000000000000000000" pitchFamily="2" charset="2"/>
+              </a:rPr>
+              <a:t>…</a:t>
+            </a:r>
+            <a:endParaRPr lang="ko-KR" altLang="en-US" dirty="0">
+              <a:solidFill>
+                <a:srgbClr val="FF0000"/>
+              </a:solidFill>
+            </a:endParaRPr>
+          </a:p>
+        </p:txBody>
+      </p:sp>
+      <p:sp>
+        <p:nvSpPr>
+          <p:cNvPr id="10" name="직사각형 9">
+            <a:extLst>
+              <a:ext uri="{FF2B5EF4-FFF2-40B4-BE49-F238E27FC236}">
+                <a16:creationId xmlns:a16="http://schemas.microsoft.com/office/drawing/2014/main" id="{53A5D1B4-8ACE-4562-BE76-6E17038282F2}"/>
+              </a:ext>
+            </a:extLst>
+          </p:cNvPr>
+          <p:cNvSpPr/>
+          <p:nvPr/>
+        </p:nvSpPr>
+        <p:spPr>
+          <a:xfrm>
+            <a:off x="7321898" y="3412827"/>
+            <a:ext cx="1413590" cy="321365"/>
+          </a:xfrm>
+          <a:prstGeom prst="rect">
+            <a:avLst/>
+          </a:prstGeom>
+          <a:noFill/>
+          <a:ln w="38100">
+            <a:solidFill>
+              <a:srgbClr val="FF0000"/>
+            </a:solidFill>
+          </a:ln>
+        </p:spPr>
+        <p:style>
+          <a:lnRef idx="2">
+            <a:schemeClr val="accent1">
+              <a:shade val="50000"/>
+            </a:schemeClr>
+          </a:lnRef>
+          <a:fillRef idx="1">
+            <a:schemeClr val="accent1"/>
+          </a:fillRef>
+          <a:effectRef idx="0">
+            <a:schemeClr val="accent1"/>
+          </a:effectRef>
+          <a:fontRef idx="minor">
+            <a:schemeClr val="lt1"/>
+          </a:fontRef>
+        </p:style>
+        <p:txBody>
+          <a:bodyPr rtlCol="0" anchor="ctr"/>
+          <a:lstStyle/>
+          <a:p>
+            <a:pPr algn="ctr"/>
+            <a:endParaRPr lang="ko-KR" altLang="en-US"/>
+          </a:p>
+        </p:txBody>
+      </p:sp>
+    </p:spTree>
+    <p:extLst>
+      <p:ext uri="{BB962C8B-B14F-4D97-AF65-F5344CB8AC3E}">
+        <p14:creationId xmlns:p14="http://schemas.microsoft.com/office/powerpoint/2010/main" val="3404001508"/>
+      </p:ext>
+    </p:extLst>
+  </p:cSld>
+  <p:clrMapOvr>
+    <a:masterClrMapping/>
+  </p:clrMapOvr>
+</p:sld>
+</file>
+
+<file path=ppt/slides/slide25.xml><?xml version="1.0" encoding="utf-8"?>
+<p:sld xmlns:a="http://schemas.openxmlformats.org/drawingml/2006/main" xmlns:r="http://schemas.openxmlformats.org/officeDocument/2006/relationships" xmlns:p="http://schemas.openxmlformats.org/presentationml/2006/main">
+  <p:cSld>
+    <p:spTree>
+      <p:nvGrpSpPr>
+        <p:cNvPr id="1" name=""/>
+        <p:cNvGrpSpPr/>
+        <p:nvPr/>
+      </p:nvGrpSpPr>
+      <p:grpSpPr>
+        <a:xfrm>
+          <a:off x="0" y="0"/>
+          <a:ext cx="0" cy="0"/>
+          <a:chOff x="0" y="0"/>
+          <a:chExt cx="0" cy="0"/>
+        </a:xfrm>
+      </p:grpSpPr>
+      <p:pic>
+        <p:nvPicPr>
+          <p:cNvPr id="6" name="그림 5">
+            <a:extLst>
+              <a:ext uri="{FF2B5EF4-FFF2-40B4-BE49-F238E27FC236}">
+                <a16:creationId xmlns:a16="http://schemas.microsoft.com/office/drawing/2014/main" id="{1BB7AC58-9156-4C75-A8FE-02DED0248930}"/>
+              </a:ext>
+            </a:extLst>
+          </p:cNvPr>
+          <p:cNvPicPr>
+            <a:picLocks noChangeAspect="1"/>
+          </p:cNvPicPr>
+          <p:nvPr/>
+        </p:nvPicPr>
+        <p:blipFill>
+          <a:blip r:embed="rId2"/>
+          <a:stretch>
+            <a:fillRect/>
+          </a:stretch>
+        </p:blipFill>
+        <p:spPr>
+          <a:xfrm>
+            <a:off x="580677" y="1605230"/>
+            <a:ext cx="7981950" cy="1695450"/>
+          </a:xfrm>
+          <a:prstGeom prst="rect">
+            <a:avLst/>
+          </a:prstGeom>
+        </p:spPr>
+      </p:pic>
+      <p:sp>
+        <p:nvSpPr>
+          <p:cNvPr id="4" name="제목 3">
+            <a:extLst>
+              <a:ext uri="{FF2B5EF4-FFF2-40B4-BE49-F238E27FC236}">
+                <a16:creationId xmlns:a16="http://schemas.microsoft.com/office/drawing/2014/main" id="{F0CEB32B-CB43-4410-BA08-A97E4BC47FCB}"/>
+              </a:ext>
+            </a:extLst>
+          </p:cNvPr>
+          <p:cNvSpPr>
+            <a:spLocks noGrp="1"/>
+          </p:cNvSpPr>
+          <p:nvPr>
+            <p:ph type="title"/>
+          </p:nvPr>
+        </p:nvSpPr>
+        <p:spPr/>
+        <p:txBody>
+          <a:bodyPr/>
+          <a:lstStyle/>
+          <a:p>
+            <a:r>
+              <a:rPr lang="ko-KR" altLang="en-US" dirty="0"/>
+              <a:t>협업방식 </a:t>
+            </a:r>
+            <a:r>
+              <a:rPr lang="en-US" altLang="ko-KR" dirty="0"/>
+              <a:t>1</a:t>
+            </a:r>
+            <a:endParaRPr lang="ko-KR" altLang="en-US" dirty="0"/>
+          </a:p>
+        </p:txBody>
+      </p:sp>
+      <p:sp>
+        <p:nvSpPr>
+          <p:cNvPr id="5" name="내용 개체 틀 4">
+            <a:extLst>
+              <a:ext uri="{FF2B5EF4-FFF2-40B4-BE49-F238E27FC236}">
+                <a16:creationId xmlns:a16="http://schemas.microsoft.com/office/drawing/2014/main" id="{48DB0CC3-2321-4F7D-83F1-DDCF2E040E0D}"/>
+              </a:ext>
+            </a:extLst>
+          </p:cNvPr>
+          <p:cNvSpPr>
+            <a:spLocks noGrp="1"/>
+          </p:cNvSpPr>
+          <p:nvPr>
+            <p:ph idx="1"/>
+          </p:nvPr>
+        </p:nvSpPr>
+        <p:spPr>
+          <a:xfrm>
+            <a:off x="250825" y="1000221"/>
+            <a:ext cx="8641655" cy="605009"/>
+          </a:xfrm>
+        </p:spPr>
+        <p:txBody>
+          <a:bodyPr tIns="0" bIns="0">
+            <a:noAutofit/>
+          </a:bodyPr>
+          <a:lstStyle/>
+          <a:p>
+            <a:pPr>
+              <a:buClr>
+                <a:schemeClr val="tx1">
+                  <a:lumMod val="65000"/>
+                  <a:lumOff val="35000"/>
+                </a:schemeClr>
+              </a:buClr>
+              <a:defRPr/>
+            </a:pPr>
+            <a:r>
+              <a:rPr lang="en-US" altLang="ko-KR" dirty="0"/>
+              <a:t>Merged</a:t>
+            </a:r>
+            <a:r>
+              <a:rPr lang="ko-KR" altLang="en-US" dirty="0"/>
+              <a:t>로 바뀌고 내용을 확인</a:t>
+            </a:r>
+          </a:p>
+        </p:txBody>
+      </p:sp>
+      <p:sp>
+        <p:nvSpPr>
+          <p:cNvPr id="10" name="직사각형 9">
+            <a:extLst>
+              <a:ext uri="{FF2B5EF4-FFF2-40B4-BE49-F238E27FC236}">
+                <a16:creationId xmlns:a16="http://schemas.microsoft.com/office/drawing/2014/main" id="{53A5D1B4-8ACE-4562-BE76-6E17038282F2}"/>
+              </a:ext>
+            </a:extLst>
+          </p:cNvPr>
+          <p:cNvSpPr/>
+          <p:nvPr/>
+        </p:nvSpPr>
+        <p:spPr>
+          <a:xfrm>
+            <a:off x="877547" y="2030741"/>
+            <a:ext cx="1413590" cy="321365"/>
+          </a:xfrm>
+          <a:prstGeom prst="rect">
+            <a:avLst/>
+          </a:prstGeom>
+          <a:noFill/>
+          <a:ln w="38100">
+            <a:solidFill>
+              <a:srgbClr val="FF0000"/>
+            </a:solidFill>
+          </a:ln>
+        </p:spPr>
+        <p:style>
+          <a:lnRef idx="2">
+            <a:schemeClr val="accent1">
+              <a:shade val="50000"/>
+            </a:schemeClr>
+          </a:lnRef>
+          <a:fillRef idx="1">
+            <a:schemeClr val="accent1"/>
+          </a:fillRef>
+          <a:effectRef idx="0">
+            <a:schemeClr val="accent1"/>
+          </a:effectRef>
+          <a:fontRef idx="minor">
+            <a:schemeClr val="lt1"/>
+          </a:fontRef>
+        </p:style>
+        <p:txBody>
+          <a:bodyPr rtlCol="0" anchor="ctr"/>
+          <a:lstStyle/>
+          <a:p>
+            <a:pPr algn="ctr"/>
+            <a:endParaRPr lang="ko-KR" altLang="en-US"/>
+          </a:p>
+        </p:txBody>
+      </p:sp>
+      <p:pic>
+        <p:nvPicPr>
+          <p:cNvPr id="11" name="그림 10">
+            <a:extLst>
+              <a:ext uri="{FF2B5EF4-FFF2-40B4-BE49-F238E27FC236}">
+                <a16:creationId xmlns:a16="http://schemas.microsoft.com/office/drawing/2014/main" id="{DCEAF314-8B85-4E69-A7B8-2019E26D4EE7}"/>
+              </a:ext>
+            </a:extLst>
+          </p:cNvPr>
+          <p:cNvPicPr>
+            <a:picLocks noChangeAspect="1"/>
+          </p:cNvPicPr>
+          <p:nvPr/>
+        </p:nvPicPr>
+        <p:blipFill>
+          <a:blip r:embed="rId3"/>
+          <a:stretch>
+            <a:fillRect/>
+          </a:stretch>
+        </p:blipFill>
+        <p:spPr>
+          <a:xfrm>
+            <a:off x="539551" y="4425165"/>
+            <a:ext cx="5324475" cy="1295400"/>
+          </a:xfrm>
+          <a:prstGeom prst="rect">
+            <a:avLst/>
+          </a:prstGeom>
+        </p:spPr>
+      </p:pic>
+      <p:sp>
+        <p:nvSpPr>
+          <p:cNvPr id="12" name="내용 개체 틀 4">
+            <a:extLst>
+              <a:ext uri="{FF2B5EF4-FFF2-40B4-BE49-F238E27FC236}">
+                <a16:creationId xmlns:a16="http://schemas.microsoft.com/office/drawing/2014/main" id="{07071ECF-49C5-4774-8512-513FDEA986FF}"/>
+              </a:ext>
+            </a:extLst>
+          </p:cNvPr>
+          <p:cNvSpPr txBox="1">
+            <a:spLocks/>
+          </p:cNvSpPr>
+          <p:nvPr/>
+        </p:nvSpPr>
+        <p:spPr>
+          <a:xfrm>
+            <a:off x="250825" y="3769038"/>
+            <a:ext cx="8641655" cy="605009"/>
+          </a:xfrm>
+          <a:prstGeom prst="rect">
+            <a:avLst/>
+          </a:prstGeom>
+        </p:spPr>
+        <p:txBody>
+          <a:bodyPr vert="horz" lIns="91440" tIns="0" rIns="91440" bIns="0" rtlCol="0">
+            <a:noAutofit/>
+          </a:bodyPr>
+          <a:lstStyle>
+            <a:lvl1pPr marL="266700" indent="-266700" algn="l" defTabSz="914400" rtl="0" eaLnBrk="1" latinLnBrk="1" hangingPunct="1">
+              <a:lnSpc>
+                <a:spcPct val="150000"/>
+              </a:lnSpc>
+              <a:spcBef>
+                <a:spcPts val="0"/>
+              </a:spcBef>
+              <a:buClr>
+                <a:schemeClr val="tx1">
+                  <a:lumMod val="65000"/>
+                  <a:lumOff val="35000"/>
+                </a:schemeClr>
+              </a:buClr>
+              <a:buFont typeface="Wingdings" pitchFamily="2" charset="2"/>
+              <a:buChar char="n"/>
+              <a:defRPr sz="2000" b="1" kern="1200">
+                <a:solidFill>
+                  <a:schemeClr val="tx1"/>
+                </a:solidFill>
+                <a:latin typeface="+mn-ea"/>
+                <a:ea typeface="+mn-ea"/>
+                <a:cs typeface="+mn-cs"/>
+              </a:defRPr>
+            </a:lvl1pPr>
+            <a:lvl2pPr marL="447675" indent="-180975" algn="l" defTabSz="914400" rtl="0" eaLnBrk="1" latinLnBrk="1" hangingPunct="1">
+              <a:lnSpc>
+                <a:spcPct val="150000"/>
+              </a:lnSpc>
+              <a:spcBef>
+                <a:spcPts val="500"/>
+              </a:spcBef>
+              <a:spcAft>
+                <a:spcPts val="400"/>
+              </a:spcAft>
+              <a:buClr>
+                <a:schemeClr val="tx1">
+                  <a:lumMod val="65000"/>
+                  <a:lumOff val="35000"/>
+                </a:schemeClr>
+              </a:buClr>
+              <a:buFont typeface="Wingdings" pitchFamily="2" charset="2"/>
+              <a:buChar char="§"/>
+              <a:defRPr sz="1600" kern="1200">
+                <a:solidFill>
+                  <a:schemeClr val="tx1"/>
+                </a:solidFill>
+                <a:latin typeface="+mn-lt"/>
+                <a:ea typeface="+mn-ea"/>
+                <a:cs typeface="+mn-cs"/>
+              </a:defRPr>
+            </a:lvl2pPr>
+            <a:lvl3pPr marL="628650" indent="-180975" algn="l" defTabSz="914400" rtl="0" eaLnBrk="1" latinLnBrk="1" hangingPunct="1">
+              <a:lnSpc>
+                <a:spcPct val="150000"/>
+              </a:lnSpc>
+              <a:spcBef>
+                <a:spcPts val="500"/>
+              </a:spcBef>
+              <a:spcAft>
+                <a:spcPts val="300"/>
+              </a:spcAft>
+              <a:buClr>
+                <a:schemeClr val="tx1">
+                  <a:lumMod val="65000"/>
+                  <a:lumOff val="35000"/>
+                </a:schemeClr>
+              </a:buClr>
+              <a:buFont typeface="Arial" panose="020B0604020202020204" pitchFamily="34" charset="0"/>
+              <a:buChar char="•"/>
+              <a:defRPr sz="1400" kern="1200">
+                <a:solidFill>
+                  <a:schemeClr val="tx1"/>
+                </a:solidFill>
+                <a:latin typeface="+mn-lt"/>
+                <a:ea typeface="+mn-ea"/>
+                <a:cs typeface="+mn-cs"/>
+              </a:defRPr>
+            </a:lvl3pPr>
+            <a:lvl4pPr marL="809625" indent="-180975" algn="l" defTabSz="914400" rtl="0" eaLnBrk="1" latinLnBrk="1" hangingPunct="1">
+              <a:lnSpc>
+                <a:spcPct val="150000"/>
+              </a:lnSpc>
+              <a:spcBef>
+                <a:spcPts val="500"/>
+              </a:spcBef>
+              <a:spcAft>
+                <a:spcPts val="300"/>
+              </a:spcAft>
+              <a:buClr>
+                <a:schemeClr val="tx1">
+                  <a:lumMod val="65000"/>
+                  <a:lumOff val="35000"/>
+                </a:schemeClr>
+              </a:buClr>
+              <a:buSzPct val="96000"/>
+              <a:buFont typeface="Arial" panose="020B0604020202020204" pitchFamily="34" charset="0"/>
+              <a:buChar char="•"/>
+              <a:defRPr sz="1200" kern="1200">
+                <a:solidFill>
+                  <a:schemeClr val="tx1"/>
+                </a:solidFill>
+                <a:latin typeface="+mn-lt"/>
+                <a:ea typeface="+mn-ea"/>
+                <a:cs typeface="+mn-cs"/>
+              </a:defRPr>
+            </a:lvl4pPr>
+            <a:lvl5pPr marL="990600" indent="-180975" algn="l" defTabSz="914400" rtl="0" eaLnBrk="1" latinLnBrk="1" hangingPunct="1">
+              <a:lnSpc>
+                <a:spcPct val="150000"/>
+              </a:lnSpc>
+              <a:spcBef>
+                <a:spcPts val="500"/>
+              </a:spcBef>
+              <a:buClr>
+                <a:schemeClr val="tx1">
+                  <a:lumMod val="65000"/>
+                  <a:lumOff val="35000"/>
+                </a:schemeClr>
+              </a:buClr>
+              <a:buFont typeface="Arial" panose="020B0604020202020204" pitchFamily="34" charset="0"/>
+              <a:buChar char="•"/>
+              <a:defRPr sz="1000" kern="1200">
+                <a:solidFill>
+                  <a:schemeClr val="tx1"/>
+                </a:solidFill>
+                <a:latin typeface="+mn-lt"/>
+                <a:ea typeface="+mn-ea"/>
+                <a:cs typeface="+mn-cs"/>
+              </a:defRPr>
+            </a:lvl5pPr>
+            <a:lvl6pPr marL="2514600" indent="-228600" algn="l" defTabSz="914400" rtl="0" eaLnBrk="1" latinLnBrk="1" hangingPunct="1">
+              <a:lnSpc>
+                <a:spcPct val="90000"/>
+              </a:lnSpc>
+              <a:spcBef>
+                <a:spcPts val="500"/>
+              </a:spcBef>
+              <a:buFont typeface="Arial" panose="020B0604020202020204" pitchFamily="34" charset="0"/>
+              <a:buChar char="•"/>
+              <a:defRPr sz="1800" kern="1200">
+                <a:solidFill>
+                  <a:schemeClr val="tx1"/>
+                </a:solidFill>
+                <a:latin typeface="+mn-lt"/>
+                <a:ea typeface="+mn-ea"/>
+                <a:cs typeface="+mn-cs"/>
+              </a:defRPr>
+            </a:lvl6pPr>
+            <a:lvl7pPr marL="2971800" indent="-228600" algn="l" defTabSz="914400" rtl="0" eaLnBrk="1" latinLnBrk="1" hangingPunct="1">
+              <a:lnSpc>
+                <a:spcPct val="90000"/>
+              </a:lnSpc>
+              <a:spcBef>
+                <a:spcPts val="500"/>
+              </a:spcBef>
+              <a:buFont typeface="Arial" panose="020B0604020202020204" pitchFamily="34" charset="0"/>
+              <a:buChar char="•"/>
+              <a:defRPr sz="1800" kern="1200">
+                <a:solidFill>
+                  <a:schemeClr val="tx1"/>
+                </a:solidFill>
+                <a:latin typeface="+mn-lt"/>
+                <a:ea typeface="+mn-ea"/>
+                <a:cs typeface="+mn-cs"/>
+              </a:defRPr>
+            </a:lvl7pPr>
+            <a:lvl8pPr marL="3429000" indent="-228600" algn="l" defTabSz="914400" rtl="0" eaLnBrk="1" latinLnBrk="1" hangingPunct="1">
+              <a:lnSpc>
+                <a:spcPct val="90000"/>
+              </a:lnSpc>
+              <a:spcBef>
+                <a:spcPts val="500"/>
+              </a:spcBef>
+              <a:buFont typeface="Arial" panose="020B0604020202020204" pitchFamily="34" charset="0"/>
+              <a:buChar char="•"/>
+              <a:defRPr sz="1800" kern="1200">
+                <a:solidFill>
+                  <a:schemeClr val="tx1"/>
+                </a:solidFill>
+                <a:latin typeface="+mn-lt"/>
+                <a:ea typeface="+mn-ea"/>
+                <a:cs typeface="+mn-cs"/>
+              </a:defRPr>
+            </a:lvl8pPr>
+            <a:lvl9pPr marL="3886200" indent="-228600" algn="l" defTabSz="914400" rtl="0" eaLnBrk="1" latinLnBrk="1" hangingPunct="1">
+              <a:lnSpc>
+                <a:spcPct val="90000"/>
+              </a:lnSpc>
+              <a:spcBef>
+                <a:spcPts val="500"/>
+              </a:spcBef>
+              <a:buFont typeface="Arial" panose="020B0604020202020204" pitchFamily="34" charset="0"/>
+              <a:buChar char="•"/>
+              <a:defRPr sz="1800" kern="1200">
+                <a:solidFill>
+                  <a:schemeClr val="tx1"/>
+                </a:solidFill>
+                <a:latin typeface="+mn-lt"/>
+                <a:ea typeface="+mn-ea"/>
+                <a:cs typeface="+mn-cs"/>
+              </a:defRPr>
+            </a:lvl9pPr>
+          </a:lstStyle>
+          <a:p>
+            <a:pPr>
+              <a:defRPr/>
+            </a:pPr>
+            <a:r>
+              <a:rPr lang="ko-KR" altLang="en-US" dirty="0"/>
+              <a:t>마지막 수정된 내용으로 </a:t>
+            </a:r>
+            <a:r>
+              <a:rPr lang="en-US" altLang="ko-KR" dirty="0"/>
+              <a:t>merge</a:t>
+            </a:r>
+            <a:r>
+              <a:rPr lang="ko-KR" altLang="en-US" dirty="0"/>
+              <a:t>되어 있음</a:t>
+            </a:r>
+          </a:p>
+        </p:txBody>
+      </p:sp>
+    </p:spTree>
+    <p:extLst>
+      <p:ext uri="{BB962C8B-B14F-4D97-AF65-F5344CB8AC3E}">
+        <p14:creationId xmlns:p14="http://schemas.microsoft.com/office/powerpoint/2010/main" val="3786883709"/>
+      </p:ext>
+    </p:extLst>
+  </p:cSld>
+  <p:clrMapOvr>
+    <a:masterClrMapping/>
+  </p:clrMapOvr>
+</p:sld>
+</file>
+
+<file path=ppt/slides/slide26.xml><?xml version="1.0" encoding="utf-8"?>
+<p:sld xmlns:a="http://schemas.openxmlformats.org/drawingml/2006/main" xmlns:r="http://schemas.openxmlformats.org/officeDocument/2006/relationships" xmlns:p="http://schemas.openxmlformats.org/presentationml/2006/main">
+  <p:cSld>
+    <p:spTree>
+      <p:nvGrpSpPr>
+        <p:cNvPr id="1" name=""/>
+        <p:cNvGrpSpPr/>
+        <p:nvPr/>
+      </p:nvGrpSpPr>
+      <p:grpSpPr>
+        <a:xfrm>
+          <a:off x="0" y="0"/>
+          <a:ext cx="0" cy="0"/>
+          <a:chOff x="0" y="0"/>
+          <a:chExt cx="0" cy="0"/>
+        </a:xfrm>
+      </p:grpSpPr>
+      <p:sp>
+        <p:nvSpPr>
+          <p:cNvPr id="4" name="제목 3">
+            <a:extLst>
+              <a:ext uri="{FF2B5EF4-FFF2-40B4-BE49-F238E27FC236}">
+                <a16:creationId xmlns:a16="http://schemas.microsoft.com/office/drawing/2014/main" id="{F0CEB32B-CB43-4410-BA08-A97E4BC47FCB}"/>
+              </a:ext>
+            </a:extLst>
+          </p:cNvPr>
+          <p:cNvSpPr>
+            <a:spLocks noGrp="1"/>
+          </p:cNvSpPr>
+          <p:nvPr>
+            <p:ph type="title"/>
+          </p:nvPr>
+        </p:nvSpPr>
+        <p:spPr/>
+        <p:txBody>
+          <a:bodyPr/>
+          <a:lstStyle/>
+          <a:p>
+            <a:r>
+              <a:rPr lang="ko-KR" altLang="en-US" dirty="0"/>
+              <a:t>협업방식 </a:t>
+            </a:r>
+            <a:r>
+              <a:rPr lang="en-US" altLang="ko-KR" dirty="0"/>
+              <a:t>1</a:t>
+            </a:r>
+            <a:endParaRPr lang="ko-KR" altLang="en-US" dirty="0"/>
+          </a:p>
+        </p:txBody>
+      </p:sp>
+      <p:sp>
+        <p:nvSpPr>
+          <p:cNvPr id="5" name="내용 개체 틀 4">
+            <a:extLst>
+              <a:ext uri="{FF2B5EF4-FFF2-40B4-BE49-F238E27FC236}">
+                <a16:creationId xmlns:a16="http://schemas.microsoft.com/office/drawing/2014/main" id="{48DB0CC3-2321-4F7D-83F1-DDCF2E040E0D}"/>
+              </a:ext>
+            </a:extLst>
+          </p:cNvPr>
+          <p:cNvSpPr>
+            <a:spLocks noGrp="1"/>
+          </p:cNvSpPr>
+          <p:nvPr>
+            <p:ph idx="1"/>
+          </p:nvPr>
+        </p:nvSpPr>
+        <p:spPr>
+          <a:xfrm>
+            <a:off x="250825" y="1000221"/>
+            <a:ext cx="8641655" cy="3448489"/>
+          </a:xfrm>
+        </p:spPr>
+        <p:txBody>
+          <a:bodyPr tIns="0" bIns="0">
+            <a:noAutofit/>
+          </a:bodyPr>
+          <a:lstStyle/>
+          <a:p>
+            <a:pPr>
+              <a:buClr>
+                <a:schemeClr val="tx1">
+                  <a:lumMod val="65000"/>
+                  <a:lumOff val="35000"/>
+                </a:schemeClr>
+              </a:buClr>
+              <a:defRPr/>
+            </a:pPr>
+            <a:r>
+              <a:rPr lang="ko-KR" altLang="en-US" dirty="0"/>
+              <a:t>마지막 정리 단계</a:t>
+            </a:r>
+            <a:r>
+              <a:rPr lang="en-US" altLang="ko-KR" dirty="0"/>
+              <a:t>)</a:t>
+            </a:r>
+          </a:p>
+          <a:p>
+            <a:pPr marL="717550" lvl="1" indent="-266700">
+              <a:buFont typeface="+mj-ea"/>
+              <a:buAutoNum type="circleNumDbPlain" startAt="2"/>
+            </a:pPr>
+            <a:r>
+              <a:rPr lang="ko-KR" altLang="en-US" dirty="0"/>
+              <a:t>로컬 </a:t>
+            </a:r>
+            <a:r>
+              <a:rPr lang="en-US" altLang="ko-KR" dirty="0"/>
+              <a:t>main</a:t>
+            </a:r>
+            <a:r>
+              <a:rPr lang="ko-KR" altLang="en-US" dirty="0"/>
+              <a:t>에서  </a:t>
+            </a:r>
+            <a:r>
+              <a:rPr lang="en-US" altLang="ko-KR" dirty="0"/>
+              <a:t>upstream main</a:t>
+            </a:r>
+            <a:r>
+              <a:rPr lang="ko-KR" altLang="en-US" dirty="0"/>
+              <a:t> </a:t>
+            </a:r>
+            <a:r>
+              <a:rPr lang="en-US" altLang="ko-KR" dirty="0"/>
+              <a:t>pull </a:t>
+            </a:r>
+            <a:r>
+              <a:rPr lang="ko-KR" altLang="en-US" dirty="0"/>
+              <a:t>받기</a:t>
+            </a:r>
+            <a:endParaRPr lang="en-US" altLang="ko-KR" dirty="0">
+              <a:latin typeface="+mn-ea"/>
+            </a:endParaRPr>
+          </a:p>
+          <a:p>
+            <a:pPr marL="266700" lvl="1" indent="0">
+              <a:buNone/>
+            </a:pPr>
+            <a:r>
+              <a:rPr lang="en-US" altLang="ko-KR" dirty="0">
+                <a:latin typeface="+mn-ea"/>
+              </a:rPr>
+              <a:t>      ☞ git checkout main</a:t>
+            </a:r>
+          </a:p>
+          <a:p>
+            <a:pPr marL="357188" lvl="1" indent="0">
+              <a:spcBef>
+                <a:spcPts val="0"/>
+              </a:spcBef>
+              <a:spcAft>
+                <a:spcPts val="0"/>
+              </a:spcAft>
+              <a:buClr>
+                <a:schemeClr val="tx1">
+                  <a:lumMod val="50000"/>
+                  <a:lumOff val="50000"/>
+                </a:schemeClr>
+              </a:buClr>
+              <a:buNone/>
+            </a:pPr>
+            <a:r>
+              <a:rPr lang="en-US" altLang="ko-KR" dirty="0">
+                <a:latin typeface="+mn-ea"/>
+              </a:rPr>
+              <a:t>     ☞ git pull (</a:t>
+            </a:r>
+            <a:r>
+              <a:rPr lang="ko-KR" altLang="en-US" dirty="0">
+                <a:latin typeface="+mn-ea"/>
+              </a:rPr>
+              <a:t>강제로 </a:t>
+            </a:r>
+            <a:r>
+              <a:rPr lang="en-US" altLang="ko-KR" dirty="0">
+                <a:latin typeface="+mn-ea"/>
+              </a:rPr>
+              <a:t>pull , git fetch –all, git reset –hard origin/main)</a:t>
+            </a:r>
+          </a:p>
+          <a:p>
+            <a:pPr marL="700088" lvl="1" indent="-342900">
+              <a:spcBef>
+                <a:spcPts val="0"/>
+              </a:spcBef>
+              <a:spcAft>
+                <a:spcPts val="0"/>
+              </a:spcAft>
+              <a:buClr>
+                <a:schemeClr val="tx1">
+                  <a:lumMod val="50000"/>
+                  <a:lumOff val="50000"/>
+                </a:schemeClr>
+              </a:buClr>
+              <a:buFont typeface="+mj-ea"/>
+              <a:buAutoNum type="circleNumDbPlain" startAt="3"/>
+            </a:pPr>
+            <a:r>
+              <a:rPr lang="en-US" altLang="ko-KR" dirty="0">
+                <a:latin typeface="+mn-ea"/>
+              </a:rPr>
+              <a:t>Feature1 </a:t>
+            </a:r>
+            <a:r>
+              <a:rPr lang="ko-KR" altLang="en-US" dirty="0" err="1">
+                <a:latin typeface="+mn-ea"/>
+              </a:rPr>
+              <a:t>브랜치</a:t>
+            </a:r>
+            <a:r>
+              <a:rPr lang="ko-KR" altLang="en-US" dirty="0">
+                <a:latin typeface="+mn-ea"/>
+              </a:rPr>
+              <a:t> 삭제  </a:t>
+            </a:r>
+            <a:r>
+              <a:rPr lang="en-US" altLang="ko-KR" dirty="0">
+                <a:latin typeface="+mn-ea"/>
+              </a:rPr>
+              <a:t>☞ git branch</a:t>
+            </a:r>
+            <a:r>
+              <a:rPr lang="ko-KR" altLang="en-US" dirty="0">
+                <a:latin typeface="+mn-ea"/>
+              </a:rPr>
+              <a:t> </a:t>
+            </a:r>
+            <a:r>
+              <a:rPr lang="en-US" altLang="ko-KR" dirty="0">
+                <a:latin typeface="+mn-ea"/>
+              </a:rPr>
+              <a:t>–d feature1</a:t>
+            </a:r>
+          </a:p>
+          <a:p>
+            <a:pPr marL="700088" lvl="1" indent="-342900">
+              <a:spcBef>
+                <a:spcPts val="0"/>
+              </a:spcBef>
+              <a:spcAft>
+                <a:spcPts val="0"/>
+              </a:spcAft>
+              <a:buClr>
+                <a:schemeClr val="tx1">
+                  <a:lumMod val="50000"/>
+                  <a:lumOff val="50000"/>
+                </a:schemeClr>
+              </a:buClr>
+              <a:buFont typeface="+mj-ea"/>
+              <a:buAutoNum type="circleNumDbPlain" startAt="3"/>
+            </a:pPr>
+            <a:r>
+              <a:rPr lang="en-US" altLang="ko-KR" dirty="0">
+                <a:latin typeface="+mn-ea"/>
+              </a:rPr>
+              <a:t> upstream branch </a:t>
+            </a:r>
+            <a:r>
+              <a:rPr lang="ko-KR" altLang="en-US" dirty="0">
+                <a:latin typeface="+mn-ea"/>
+              </a:rPr>
+              <a:t>삭제  </a:t>
+            </a:r>
+            <a:r>
+              <a:rPr lang="en-US" altLang="ko-KR" dirty="0">
+                <a:latin typeface="+mn-ea"/>
+              </a:rPr>
+              <a:t>☞ git push</a:t>
+            </a:r>
+            <a:r>
+              <a:rPr lang="ko-KR" altLang="en-US" dirty="0">
+                <a:latin typeface="+mn-ea"/>
+              </a:rPr>
+              <a:t> </a:t>
+            </a:r>
+            <a:r>
+              <a:rPr lang="en-US" altLang="ko-KR" dirty="0">
+                <a:latin typeface="+mn-ea"/>
+              </a:rPr>
+              <a:t>–d origin</a:t>
+            </a:r>
+            <a:r>
+              <a:rPr lang="ko-KR" altLang="en-US" dirty="0">
+                <a:latin typeface="+mn-ea"/>
+              </a:rPr>
+              <a:t> </a:t>
+            </a:r>
+            <a:r>
+              <a:rPr lang="en-US" altLang="ko-KR" dirty="0">
+                <a:latin typeface="+mn-ea"/>
+              </a:rPr>
+              <a:t>feature1</a:t>
+            </a:r>
+          </a:p>
+          <a:p>
+            <a:pPr marL="534988" lvl="1" indent="-268288">
+              <a:spcBef>
+                <a:spcPts val="0"/>
+              </a:spcBef>
+              <a:spcAft>
+                <a:spcPts val="0"/>
+              </a:spcAft>
+              <a:buClr>
+                <a:schemeClr val="tx1">
+                  <a:lumMod val="65000"/>
+                  <a:lumOff val="35000"/>
+                </a:schemeClr>
+              </a:buClr>
+              <a:buFont typeface="+mj-ea"/>
+              <a:buAutoNum type="circleNumDbPlain"/>
+              <a:defRPr/>
+            </a:pPr>
+            <a:endParaRPr lang="en-US" altLang="ko-KR" dirty="0"/>
+          </a:p>
+          <a:p>
+            <a:pPr marL="534988" lvl="1" indent="-268288">
+              <a:spcBef>
+                <a:spcPts val="0"/>
+              </a:spcBef>
+              <a:spcAft>
+                <a:spcPts val="0"/>
+              </a:spcAft>
+              <a:buClr>
+                <a:schemeClr val="tx1">
+                  <a:lumMod val="65000"/>
+                  <a:lumOff val="35000"/>
+                </a:schemeClr>
+              </a:buClr>
+              <a:buFont typeface="+mj-ea"/>
+              <a:buAutoNum type="circleNumDbPlain"/>
+              <a:defRPr/>
+            </a:pPr>
+            <a:endParaRPr lang="en-US" altLang="ko-KR" dirty="0"/>
+          </a:p>
+          <a:p>
+            <a:pPr>
+              <a:buClr>
+                <a:schemeClr val="tx1">
+                  <a:lumMod val="65000"/>
+                  <a:lumOff val="35000"/>
+                </a:schemeClr>
+              </a:buClr>
+              <a:defRPr/>
+            </a:pPr>
+            <a:endParaRPr lang="ko-KR" altLang="en-US" dirty="0"/>
+          </a:p>
+        </p:txBody>
+      </p:sp>
+    </p:spTree>
+    <p:extLst>
+      <p:ext uri="{BB962C8B-B14F-4D97-AF65-F5344CB8AC3E}">
+        <p14:creationId xmlns:p14="http://schemas.microsoft.com/office/powerpoint/2010/main" val="2633795014"/>
+      </p:ext>
+    </p:extLst>
+  </p:cSld>
+  <p:clrMapOvr>
+    <a:masterClrMapping/>
+  </p:clrMapOvr>
+</p:sld>
+</file>
+
+<file path=ppt/slides/slide27.xml><?xml version="1.0" encoding="utf-8"?>
+<p:sld xmlns:a="http://schemas.openxmlformats.org/drawingml/2006/main" xmlns:r="http://schemas.openxmlformats.org/officeDocument/2006/relationships" xmlns:p="http://schemas.openxmlformats.org/presentationml/2006/main">
+  <p:cSld>
+    <p:spTree>
+      <p:nvGrpSpPr>
+        <p:cNvPr id="1" name=""/>
+        <p:cNvGrpSpPr/>
+        <p:nvPr/>
+      </p:nvGrpSpPr>
+      <p:grpSpPr>
+        <a:xfrm>
+          <a:off x="0" y="0"/>
+          <a:ext cx="0" cy="0"/>
+          <a:chOff x="0" y="0"/>
+          <a:chExt cx="0" cy="0"/>
+        </a:xfrm>
+      </p:grpSpPr>
+      <p:sp>
+        <p:nvSpPr>
+          <p:cNvPr id="4" name="제목 3">
+            <a:extLst>
+              <a:ext uri="{FF2B5EF4-FFF2-40B4-BE49-F238E27FC236}">
+                <a16:creationId xmlns:a16="http://schemas.microsoft.com/office/drawing/2014/main" id="{F0CEB32B-CB43-4410-BA08-A97E4BC47FCB}"/>
+              </a:ext>
+            </a:extLst>
+          </p:cNvPr>
+          <p:cNvSpPr>
+            <a:spLocks noGrp="1"/>
+          </p:cNvSpPr>
+          <p:nvPr>
+            <p:ph type="title"/>
+          </p:nvPr>
+        </p:nvSpPr>
+        <p:spPr/>
+        <p:txBody>
+          <a:bodyPr/>
+          <a:lstStyle/>
+          <a:p>
+            <a:r>
+              <a:rPr lang="ko-KR" altLang="en-US" dirty="0"/>
+              <a:t>협업하기</a:t>
+            </a:r>
+          </a:p>
+        </p:txBody>
+      </p:sp>
+      <p:sp>
+        <p:nvSpPr>
+          <p:cNvPr id="7" name="내용 개체 틀 2">
+            <a:extLst>
+              <a:ext uri="{FF2B5EF4-FFF2-40B4-BE49-F238E27FC236}">
+                <a16:creationId xmlns:a16="http://schemas.microsoft.com/office/drawing/2014/main" id="{A44AC902-3746-40D6-9827-94B46EEDDC67}"/>
+              </a:ext>
+            </a:extLst>
+          </p:cNvPr>
+          <p:cNvSpPr txBox="1">
+            <a:spLocks/>
+          </p:cNvSpPr>
+          <p:nvPr/>
+        </p:nvSpPr>
+        <p:spPr>
+          <a:xfrm>
+            <a:off x="341787" y="1120545"/>
+            <a:ext cx="8642350" cy="2351314"/>
+          </a:xfrm>
+          <a:prstGeom prst="rect">
+            <a:avLst/>
+          </a:prstGeom>
+        </p:spPr>
+        <p:txBody>
+          <a:bodyPr vert="horz" lIns="91440" tIns="45720" rIns="91440" bIns="45720" rtlCol="0">
+            <a:noAutofit/>
+          </a:bodyPr>
+          <a:lstStyle>
+            <a:lvl1pPr marL="266700" indent="-266700" defTabSz="914400" latinLnBrk="1">
+              <a:lnSpc>
+                <a:spcPct val="150000"/>
+              </a:lnSpc>
+              <a:spcBef>
+                <a:spcPct val="0"/>
+              </a:spcBef>
+              <a:buClr>
+                <a:schemeClr val="tx1">
+                  <a:lumMod val="65000"/>
+                  <a:lumOff val="35000"/>
+                </a:schemeClr>
+              </a:buClr>
+              <a:buFont typeface="Wingdings" pitchFamily="2" charset="2"/>
+              <a:buChar char="n"/>
+              <a:defRPr sz="2000" b="1">
+                <a:latin typeface="+mn-ea"/>
+              </a:defRPr>
+            </a:lvl1pPr>
+            <a:lvl2pPr marL="447675" lvl="1" indent="-180975" defTabSz="914400" latinLnBrk="1">
+              <a:lnSpc>
+                <a:spcPct val="150000"/>
+              </a:lnSpc>
+              <a:spcBef>
+                <a:spcPts val="0"/>
+              </a:spcBef>
+              <a:spcAft>
+                <a:spcPts val="0"/>
+              </a:spcAft>
+              <a:buClr>
+                <a:schemeClr val="tx1">
+                  <a:lumMod val="50000"/>
+                  <a:lumOff val="50000"/>
+                </a:schemeClr>
+              </a:buClr>
+              <a:buFont typeface="Wingdings" pitchFamily="2" charset="2"/>
+              <a:buChar char="§"/>
+              <a:defRPr sz="1600"/>
+            </a:lvl2pPr>
+            <a:lvl3pPr marL="628650" indent="-180975" defTabSz="914400" latinLnBrk="1">
+              <a:lnSpc>
+                <a:spcPct val="150000"/>
+              </a:lnSpc>
+              <a:spcBef>
+                <a:spcPts val="500"/>
+              </a:spcBef>
+              <a:spcAft>
+                <a:spcPts val="300"/>
+              </a:spcAft>
+              <a:buClr>
+                <a:schemeClr val="tx1">
+                  <a:lumMod val="65000"/>
+                  <a:lumOff val="35000"/>
+                </a:schemeClr>
+              </a:buClr>
+              <a:buFont typeface="Arial" panose="020B0604020202020204" pitchFamily="34" charset="0"/>
+              <a:buChar char="•"/>
+              <a:defRPr sz="1400"/>
+            </a:lvl3pPr>
+            <a:lvl4pPr marL="809625" indent="-180975" defTabSz="914400" latinLnBrk="1">
+              <a:lnSpc>
+                <a:spcPct val="150000"/>
+              </a:lnSpc>
+              <a:spcBef>
+                <a:spcPts val="500"/>
+              </a:spcBef>
+              <a:spcAft>
+                <a:spcPts val="300"/>
+              </a:spcAft>
+              <a:buClr>
+                <a:schemeClr val="tx1">
+                  <a:lumMod val="65000"/>
+                  <a:lumOff val="35000"/>
+                </a:schemeClr>
+              </a:buClr>
+              <a:buSzPct val="96000"/>
+              <a:buFont typeface="Arial" panose="020B0604020202020204" pitchFamily="34" charset="0"/>
+              <a:buChar char="•"/>
+              <a:defRPr sz="1200"/>
+            </a:lvl4pPr>
+            <a:lvl5pPr marL="990600" indent="-180975" defTabSz="914400" latinLnBrk="1">
+              <a:lnSpc>
+                <a:spcPct val="150000"/>
+              </a:lnSpc>
+              <a:spcBef>
+                <a:spcPts val="500"/>
+              </a:spcBef>
+              <a:buClr>
+                <a:schemeClr val="tx1">
+                  <a:lumMod val="65000"/>
+                  <a:lumOff val="35000"/>
+                </a:schemeClr>
+              </a:buClr>
+              <a:buFont typeface="Arial" panose="020B0604020202020204" pitchFamily="34" charset="0"/>
+              <a:buChar char="•"/>
+              <a:defRPr sz="1000"/>
+            </a:lvl5pPr>
+            <a:lvl6pPr marL="2514600" indent="-228600" defTabSz="914400" latinLnBrk="1">
+              <a:lnSpc>
+                <a:spcPct val="90000"/>
+              </a:lnSpc>
+              <a:spcBef>
+                <a:spcPts val="500"/>
+              </a:spcBef>
+              <a:buFont typeface="Arial" panose="020B0604020202020204" pitchFamily="34" charset="0"/>
+              <a:buChar char="•"/>
+            </a:lvl6pPr>
+            <a:lvl7pPr marL="2971800" indent="-228600" defTabSz="914400" latinLnBrk="1">
+              <a:lnSpc>
+                <a:spcPct val="90000"/>
+              </a:lnSpc>
+              <a:spcBef>
+                <a:spcPts val="500"/>
+              </a:spcBef>
+              <a:buFont typeface="Arial" panose="020B0604020202020204" pitchFamily="34" charset="0"/>
+              <a:buChar char="•"/>
+            </a:lvl7pPr>
+            <a:lvl8pPr marL="3429000" indent="-228600" defTabSz="914400" latinLnBrk="1">
+              <a:lnSpc>
+                <a:spcPct val="90000"/>
+              </a:lnSpc>
+              <a:spcBef>
+                <a:spcPts val="500"/>
+              </a:spcBef>
+              <a:buFont typeface="Arial" panose="020B0604020202020204" pitchFamily="34" charset="0"/>
+              <a:buChar char="•"/>
+            </a:lvl8pPr>
+            <a:lvl9pPr marL="3886200" indent="-228600" defTabSz="914400" latinLnBrk="1">
+              <a:lnSpc>
+                <a:spcPct val="90000"/>
+              </a:lnSpc>
+              <a:spcBef>
+                <a:spcPts val="500"/>
+              </a:spcBef>
+              <a:buFont typeface="Arial" panose="020B0604020202020204" pitchFamily="34" charset="0"/>
+              <a:buChar char="•"/>
+            </a:lvl9pPr>
+          </a:lstStyle>
+          <a:p>
+            <a:r>
+              <a:rPr lang="ko-KR" altLang="en-US" dirty="0"/>
+              <a:t>협업환경 </a:t>
+            </a:r>
+            <a:r>
+              <a:rPr lang="en-US" altLang="ko-KR" dirty="0"/>
+              <a:t>(</a:t>
+            </a:r>
+            <a:r>
+              <a:rPr lang="ko-KR" altLang="en-US" dirty="0"/>
+              <a:t>참고 </a:t>
+            </a:r>
+            <a:r>
+              <a:rPr lang="en-US" altLang="ko-KR" dirty="0"/>
+              <a:t>: project </a:t>
+            </a:r>
+            <a:r>
+              <a:rPr lang="ko-KR" altLang="en-US" dirty="0"/>
+              <a:t>등록은 복잡</a:t>
+            </a:r>
+            <a:r>
+              <a:rPr lang="en-US" altLang="ko-KR" dirty="0"/>
+              <a:t>)</a:t>
+            </a:r>
+          </a:p>
+          <a:p>
+            <a:pPr lvl="1"/>
+            <a:r>
+              <a:rPr lang="ko-KR" altLang="en-US" dirty="0">
+                <a:latin typeface="+mn-ea"/>
+              </a:rPr>
+              <a:t>참여를 원하는 인원의 </a:t>
+            </a:r>
+            <a:r>
+              <a:rPr lang="en-US" altLang="ko-KR" dirty="0">
+                <a:latin typeface="+mn-ea"/>
+              </a:rPr>
+              <a:t>username </a:t>
+            </a:r>
+            <a:r>
+              <a:rPr lang="ko-KR" altLang="en-US" dirty="0">
+                <a:latin typeface="+mn-ea"/>
+              </a:rPr>
+              <a:t>혹은 이메일 등 한가지 </a:t>
+            </a:r>
+            <a:r>
+              <a:rPr lang="ko-KR" altLang="en-US" dirty="0" err="1">
+                <a:latin typeface="+mn-ea"/>
+              </a:rPr>
+              <a:t>입력후</a:t>
+            </a:r>
+            <a:r>
+              <a:rPr lang="ko-KR" altLang="en-US" dirty="0">
+                <a:latin typeface="+mn-ea"/>
+              </a:rPr>
+              <a:t> 클릭</a:t>
+            </a:r>
+            <a:endParaRPr lang="en-US" altLang="ko-KR" dirty="0">
+              <a:latin typeface="+mn-ea"/>
+            </a:endParaRPr>
+          </a:p>
+        </p:txBody>
+      </p:sp>
+      <p:pic>
+        <p:nvPicPr>
+          <p:cNvPr id="3" name="그림 2">
+            <a:extLst>
+              <a:ext uri="{FF2B5EF4-FFF2-40B4-BE49-F238E27FC236}">
+                <a16:creationId xmlns:a16="http://schemas.microsoft.com/office/drawing/2014/main" id="{ECF4A57F-E76D-4D0B-8E49-634EB2B8772C}"/>
+              </a:ext>
+            </a:extLst>
+          </p:cNvPr>
+          <p:cNvPicPr>
+            <a:picLocks noChangeAspect="1"/>
+          </p:cNvPicPr>
+          <p:nvPr/>
+        </p:nvPicPr>
+        <p:blipFill>
+          <a:blip r:embed="rId3"/>
+          <a:stretch>
+            <a:fillRect/>
+          </a:stretch>
+        </p:blipFill>
+        <p:spPr>
+          <a:xfrm>
+            <a:off x="561734" y="2043996"/>
+            <a:ext cx="7249930" cy="4057691"/>
+          </a:xfrm>
+          <a:prstGeom prst="rect">
+            <a:avLst/>
+          </a:prstGeom>
+        </p:spPr>
+      </p:pic>
+    </p:spTree>
+    <p:extLst>
+      <p:ext uri="{BB962C8B-B14F-4D97-AF65-F5344CB8AC3E}">
+        <p14:creationId xmlns:p14="http://schemas.microsoft.com/office/powerpoint/2010/main" val="2387636783"/>
+      </p:ext>
+    </p:extLst>
+  </p:cSld>
+  <p:clrMapOvr>
+    <a:masterClrMapping/>
+  </p:clrMapOvr>
+</p:sld>
+</file>
+
+<file path=ppt/slides/slide28.xml><?xml version="1.0" encoding="utf-8"?>
+<p:sld xmlns:a="http://schemas.openxmlformats.org/drawingml/2006/main" xmlns:r="http://schemas.openxmlformats.org/officeDocument/2006/relationships" xmlns:p="http://schemas.openxmlformats.org/presentationml/2006/main">
+  <p:cSld>
+    <p:spTree>
+      <p:nvGrpSpPr>
+        <p:cNvPr id="1" name=""/>
+        <p:cNvGrpSpPr/>
+        <p:nvPr/>
+      </p:nvGrpSpPr>
+      <p:grpSpPr>
+        <a:xfrm>
+          <a:off x="0" y="0"/>
+          <a:ext cx="0" cy="0"/>
+          <a:chOff x="0" y="0"/>
+          <a:chExt cx="0" cy="0"/>
+        </a:xfrm>
+      </p:grpSpPr>
+      <p:sp>
+        <p:nvSpPr>
+          <p:cNvPr id="4" name="제목 3">
+            <a:extLst>
+              <a:ext uri="{FF2B5EF4-FFF2-40B4-BE49-F238E27FC236}">
+                <a16:creationId xmlns:a16="http://schemas.microsoft.com/office/drawing/2014/main" id="{F0CEB32B-CB43-4410-BA08-A97E4BC47FCB}"/>
+              </a:ext>
+            </a:extLst>
+          </p:cNvPr>
+          <p:cNvSpPr>
+            <a:spLocks noGrp="1"/>
+          </p:cNvSpPr>
+          <p:nvPr>
+            <p:ph type="title"/>
+          </p:nvPr>
+        </p:nvSpPr>
+        <p:spPr/>
+        <p:txBody>
+          <a:bodyPr/>
+          <a:lstStyle/>
+          <a:p>
+            <a:r>
+              <a:rPr lang="ko-KR" altLang="en-US" dirty="0"/>
+              <a:t>협업하기</a:t>
+            </a:r>
+          </a:p>
+        </p:txBody>
+      </p:sp>
+      <p:sp>
+        <p:nvSpPr>
+          <p:cNvPr id="7" name="내용 개체 틀 2">
+            <a:extLst>
+              <a:ext uri="{FF2B5EF4-FFF2-40B4-BE49-F238E27FC236}">
+                <a16:creationId xmlns:a16="http://schemas.microsoft.com/office/drawing/2014/main" id="{A44AC902-3746-40D6-9827-94B46EEDDC67}"/>
+              </a:ext>
+            </a:extLst>
+          </p:cNvPr>
+          <p:cNvSpPr txBox="1">
+            <a:spLocks/>
+          </p:cNvSpPr>
+          <p:nvPr/>
+        </p:nvSpPr>
+        <p:spPr>
+          <a:xfrm>
+            <a:off x="341787" y="1120545"/>
+            <a:ext cx="8642350" cy="2351314"/>
+          </a:xfrm>
+          <a:prstGeom prst="rect">
+            <a:avLst/>
+          </a:prstGeom>
+        </p:spPr>
+        <p:txBody>
+          <a:bodyPr vert="horz" lIns="91440" tIns="45720" rIns="91440" bIns="45720" rtlCol="0">
+            <a:noAutofit/>
+          </a:bodyPr>
+          <a:lstStyle>
+            <a:lvl1pPr marL="266700" indent="-266700" defTabSz="914400" latinLnBrk="1">
+              <a:lnSpc>
+                <a:spcPct val="150000"/>
+              </a:lnSpc>
+              <a:spcBef>
+                <a:spcPct val="0"/>
+              </a:spcBef>
+              <a:buClr>
+                <a:schemeClr val="tx1">
+                  <a:lumMod val="65000"/>
+                  <a:lumOff val="35000"/>
+                </a:schemeClr>
+              </a:buClr>
+              <a:buFont typeface="Wingdings" pitchFamily="2" charset="2"/>
+              <a:buChar char="n"/>
+              <a:defRPr sz="2000" b="1">
+                <a:latin typeface="+mn-ea"/>
+              </a:defRPr>
+            </a:lvl1pPr>
+            <a:lvl2pPr marL="447675" lvl="1" indent="-180975" defTabSz="914400" latinLnBrk="1">
+              <a:lnSpc>
+                <a:spcPct val="150000"/>
+              </a:lnSpc>
+              <a:spcBef>
+                <a:spcPts val="0"/>
+              </a:spcBef>
+              <a:spcAft>
+                <a:spcPts val="0"/>
+              </a:spcAft>
+              <a:buClr>
+                <a:schemeClr val="tx1">
+                  <a:lumMod val="50000"/>
+                  <a:lumOff val="50000"/>
+                </a:schemeClr>
+              </a:buClr>
+              <a:buFont typeface="Wingdings" pitchFamily="2" charset="2"/>
+              <a:buChar char="§"/>
+              <a:defRPr sz="1600"/>
+            </a:lvl2pPr>
+            <a:lvl3pPr marL="628650" indent="-180975" defTabSz="914400" latinLnBrk="1">
+              <a:lnSpc>
+                <a:spcPct val="150000"/>
+              </a:lnSpc>
+              <a:spcBef>
+                <a:spcPts val="500"/>
+              </a:spcBef>
+              <a:spcAft>
+                <a:spcPts val="300"/>
+              </a:spcAft>
+              <a:buClr>
+                <a:schemeClr val="tx1">
+                  <a:lumMod val="65000"/>
+                  <a:lumOff val="35000"/>
+                </a:schemeClr>
+              </a:buClr>
+              <a:buFont typeface="Arial" panose="020B0604020202020204" pitchFamily="34" charset="0"/>
+              <a:buChar char="•"/>
+              <a:defRPr sz="1400"/>
+            </a:lvl3pPr>
+            <a:lvl4pPr marL="809625" indent="-180975" defTabSz="914400" latinLnBrk="1">
+              <a:lnSpc>
+                <a:spcPct val="150000"/>
+              </a:lnSpc>
+              <a:spcBef>
+                <a:spcPts val="500"/>
+              </a:spcBef>
+              <a:spcAft>
+                <a:spcPts val="300"/>
+              </a:spcAft>
+              <a:buClr>
+                <a:schemeClr val="tx1">
+                  <a:lumMod val="65000"/>
+                  <a:lumOff val="35000"/>
+                </a:schemeClr>
+              </a:buClr>
+              <a:buSzPct val="96000"/>
+              <a:buFont typeface="Arial" panose="020B0604020202020204" pitchFamily="34" charset="0"/>
+              <a:buChar char="•"/>
+              <a:defRPr sz="1200"/>
+            </a:lvl4pPr>
+            <a:lvl5pPr marL="990600" indent="-180975" defTabSz="914400" latinLnBrk="1">
+              <a:lnSpc>
+                <a:spcPct val="150000"/>
+              </a:lnSpc>
+              <a:spcBef>
+                <a:spcPts val="500"/>
+              </a:spcBef>
+              <a:buClr>
+                <a:schemeClr val="tx1">
+                  <a:lumMod val="65000"/>
+                  <a:lumOff val="35000"/>
+                </a:schemeClr>
+              </a:buClr>
+              <a:buFont typeface="Arial" panose="020B0604020202020204" pitchFamily="34" charset="0"/>
+              <a:buChar char="•"/>
+              <a:defRPr sz="1000"/>
+            </a:lvl5pPr>
+            <a:lvl6pPr marL="2514600" indent="-228600" defTabSz="914400" latinLnBrk="1">
+              <a:lnSpc>
+                <a:spcPct val="90000"/>
+              </a:lnSpc>
+              <a:spcBef>
+                <a:spcPts val="500"/>
+              </a:spcBef>
+              <a:buFont typeface="Arial" panose="020B0604020202020204" pitchFamily="34" charset="0"/>
+              <a:buChar char="•"/>
+            </a:lvl6pPr>
+            <a:lvl7pPr marL="2971800" indent="-228600" defTabSz="914400" latinLnBrk="1">
+              <a:lnSpc>
+                <a:spcPct val="90000"/>
+              </a:lnSpc>
+              <a:spcBef>
+                <a:spcPts val="500"/>
+              </a:spcBef>
+              <a:buFont typeface="Arial" panose="020B0604020202020204" pitchFamily="34" charset="0"/>
+              <a:buChar char="•"/>
+            </a:lvl7pPr>
+            <a:lvl8pPr marL="3429000" indent="-228600" defTabSz="914400" latinLnBrk="1">
+              <a:lnSpc>
+                <a:spcPct val="90000"/>
+              </a:lnSpc>
+              <a:spcBef>
+                <a:spcPts val="500"/>
+              </a:spcBef>
+              <a:buFont typeface="Arial" panose="020B0604020202020204" pitchFamily="34" charset="0"/>
+              <a:buChar char="•"/>
+            </a:lvl8pPr>
+            <a:lvl9pPr marL="3886200" indent="-228600" defTabSz="914400" latinLnBrk="1">
+              <a:lnSpc>
+                <a:spcPct val="90000"/>
+              </a:lnSpc>
+              <a:spcBef>
+                <a:spcPts val="500"/>
+              </a:spcBef>
+              <a:buFont typeface="Arial" panose="020B0604020202020204" pitchFamily="34" charset="0"/>
+              <a:buChar char="•"/>
+            </a:lvl9pPr>
+          </a:lstStyle>
+          <a:p>
+            <a:r>
+              <a:rPr lang="ko-KR" altLang="en-US" dirty="0"/>
+              <a:t>협업환경 </a:t>
+            </a:r>
+            <a:r>
+              <a:rPr lang="en-US" altLang="ko-KR" dirty="0"/>
+              <a:t>(collaborator</a:t>
+            </a:r>
+            <a:r>
+              <a:rPr lang="ko-KR" altLang="en-US" dirty="0"/>
+              <a:t> 등록</a:t>
+            </a:r>
+            <a:r>
+              <a:rPr lang="en-US" altLang="ko-KR" dirty="0"/>
+              <a:t>)</a:t>
+            </a:r>
+          </a:p>
+          <a:p>
+            <a:pPr lvl="1"/>
+            <a:r>
+              <a:rPr lang="en-US" altLang="ko-KR" dirty="0">
+                <a:latin typeface="+mn-ea"/>
+              </a:rPr>
+              <a:t>Settings → Manage Access </a:t>
+            </a:r>
+            <a:r>
+              <a:rPr lang="ko-KR" altLang="en-US" dirty="0">
+                <a:latin typeface="+mn-ea"/>
+              </a:rPr>
+              <a:t>클릭</a:t>
+            </a:r>
+            <a:endParaRPr lang="en-US" altLang="ko-KR" dirty="0">
+              <a:latin typeface="+mn-ea"/>
+            </a:endParaRPr>
+          </a:p>
+        </p:txBody>
+      </p:sp>
+      <p:sp>
+        <p:nvSpPr>
+          <p:cNvPr id="6" name="직사각형 5">
+            <a:extLst>
+              <a:ext uri="{FF2B5EF4-FFF2-40B4-BE49-F238E27FC236}">
+                <a16:creationId xmlns:a16="http://schemas.microsoft.com/office/drawing/2014/main" id="{A0CA71EF-AE4C-453D-A797-8649D36F99F5}"/>
+              </a:ext>
+            </a:extLst>
+          </p:cNvPr>
+          <p:cNvSpPr/>
+          <p:nvPr/>
+        </p:nvSpPr>
+        <p:spPr>
+          <a:xfrm>
+            <a:off x="6051166" y="2824217"/>
+            <a:ext cx="643929" cy="213274"/>
+          </a:xfrm>
+          <a:prstGeom prst="rect">
+            <a:avLst/>
+          </a:prstGeom>
+          <a:noFill/>
+          <a:ln w="38100">
+            <a:solidFill>
+              <a:srgbClr val="FF0000"/>
+            </a:solidFill>
+          </a:ln>
+        </p:spPr>
+        <p:style>
+          <a:lnRef idx="2">
+            <a:schemeClr val="accent1">
+              <a:shade val="50000"/>
+            </a:schemeClr>
+          </a:lnRef>
+          <a:fillRef idx="1">
+            <a:schemeClr val="accent1"/>
+          </a:fillRef>
+          <a:effectRef idx="0">
+            <a:schemeClr val="accent1"/>
+          </a:effectRef>
+          <a:fontRef idx="minor">
+            <a:schemeClr val="lt1"/>
+          </a:fontRef>
+        </p:style>
+        <p:txBody>
+          <a:bodyPr rtlCol="0" anchor="ctr"/>
+          <a:lstStyle/>
+          <a:p>
+            <a:pPr algn="ctr"/>
+            <a:endParaRPr lang="ko-KR" altLang="en-US"/>
+          </a:p>
+        </p:txBody>
+      </p:sp>
+      <p:sp>
+        <p:nvSpPr>
+          <p:cNvPr id="9" name="직사각형 8">
+            <a:extLst>
+              <a:ext uri="{FF2B5EF4-FFF2-40B4-BE49-F238E27FC236}">
+                <a16:creationId xmlns:a16="http://schemas.microsoft.com/office/drawing/2014/main" id="{2D982C0A-7CE5-4414-99C0-863AA7806C73}"/>
+              </a:ext>
+            </a:extLst>
+          </p:cNvPr>
+          <p:cNvSpPr/>
+          <p:nvPr/>
+        </p:nvSpPr>
+        <p:spPr>
+          <a:xfrm>
+            <a:off x="1163857" y="5767453"/>
+            <a:ext cx="1589853" cy="223443"/>
+          </a:xfrm>
+          <a:prstGeom prst="rect">
+            <a:avLst/>
+          </a:prstGeom>
+          <a:noFill/>
+          <a:ln w="38100">
+            <a:solidFill>
+              <a:srgbClr val="FF0000"/>
+            </a:solidFill>
+          </a:ln>
+        </p:spPr>
+        <p:style>
+          <a:lnRef idx="2">
+            <a:schemeClr val="accent1">
+              <a:shade val="50000"/>
+            </a:schemeClr>
+          </a:lnRef>
+          <a:fillRef idx="1">
+            <a:schemeClr val="accent1"/>
+          </a:fillRef>
+          <a:effectRef idx="0">
+            <a:schemeClr val="accent1"/>
+          </a:effectRef>
+          <a:fontRef idx="minor">
+            <a:schemeClr val="lt1"/>
+          </a:fontRef>
+        </p:style>
+        <p:txBody>
+          <a:bodyPr rtlCol="0" anchor="ctr"/>
+          <a:lstStyle/>
+          <a:p>
+            <a:pPr algn="ctr"/>
+            <a:endParaRPr lang="ko-KR" altLang="en-US"/>
+          </a:p>
+        </p:txBody>
+      </p:sp>
+      <p:pic>
+        <p:nvPicPr>
+          <p:cNvPr id="5" name="그림 4">
+            <a:extLst>
+              <a:ext uri="{FF2B5EF4-FFF2-40B4-BE49-F238E27FC236}">
+                <a16:creationId xmlns:a16="http://schemas.microsoft.com/office/drawing/2014/main" id="{0E108528-D01B-481D-8297-4E1E44CD0571}"/>
+              </a:ext>
+            </a:extLst>
+          </p:cNvPr>
+          <p:cNvPicPr>
+            <a:picLocks noChangeAspect="1"/>
+          </p:cNvPicPr>
+          <p:nvPr/>
+        </p:nvPicPr>
+        <p:blipFill>
+          <a:blip r:embed="rId3"/>
+          <a:stretch>
+            <a:fillRect/>
+          </a:stretch>
+        </p:blipFill>
+        <p:spPr>
+          <a:xfrm>
+            <a:off x="341787" y="2133352"/>
+            <a:ext cx="8953500" cy="3381375"/>
+          </a:xfrm>
+          <a:prstGeom prst="rect">
+            <a:avLst/>
+          </a:prstGeom>
+        </p:spPr>
+      </p:pic>
+    </p:spTree>
+    <p:extLst>
+      <p:ext uri="{BB962C8B-B14F-4D97-AF65-F5344CB8AC3E}">
+        <p14:creationId xmlns:p14="http://schemas.microsoft.com/office/powerpoint/2010/main" val="3943420863"/>
+      </p:ext>
+    </p:extLst>
+  </p:cSld>
+  <p:clrMapOvr>
+    <a:masterClrMapping/>
+  </p:clrMapOvr>
+</p:sld>
+</file>
+
+<file path=ppt/slides/slide29.xml><?xml version="1.0" encoding="utf-8"?>
+<p:sld xmlns:a="http://schemas.openxmlformats.org/drawingml/2006/main" xmlns:r="http://schemas.openxmlformats.org/officeDocument/2006/relationships" xmlns:p="http://schemas.openxmlformats.org/presentationml/2006/main">
+  <p:cSld>
+    <p:spTree>
+      <p:nvGrpSpPr>
+        <p:cNvPr id="1" name=""/>
+        <p:cNvGrpSpPr/>
+        <p:nvPr/>
+      </p:nvGrpSpPr>
+      <p:grpSpPr>
+        <a:xfrm>
+          <a:off x="0" y="0"/>
+          <a:ext cx="0" cy="0"/>
+          <a:chOff x="0" y="0"/>
+          <a:chExt cx="0" cy="0"/>
+        </a:xfrm>
+      </p:grpSpPr>
+      <p:sp>
+        <p:nvSpPr>
+          <p:cNvPr id="4" name="제목 3">
+            <a:extLst>
+              <a:ext uri="{FF2B5EF4-FFF2-40B4-BE49-F238E27FC236}">
+                <a16:creationId xmlns:a16="http://schemas.microsoft.com/office/drawing/2014/main" id="{F0CEB32B-CB43-4410-BA08-A97E4BC47FCB}"/>
+              </a:ext>
+            </a:extLst>
+          </p:cNvPr>
+          <p:cNvSpPr>
+            <a:spLocks noGrp="1"/>
+          </p:cNvSpPr>
+          <p:nvPr>
+            <p:ph type="title"/>
+          </p:nvPr>
+        </p:nvSpPr>
+        <p:spPr/>
+        <p:txBody>
+          <a:bodyPr/>
+          <a:lstStyle/>
+          <a:p>
+            <a:r>
+              <a:rPr lang="ko-KR" altLang="en-US" dirty="0"/>
+              <a:t>협업하기</a:t>
+            </a:r>
+          </a:p>
+        </p:txBody>
+      </p:sp>
+      <p:sp>
+        <p:nvSpPr>
+          <p:cNvPr id="7" name="내용 개체 틀 2">
+            <a:extLst>
+              <a:ext uri="{FF2B5EF4-FFF2-40B4-BE49-F238E27FC236}">
+                <a16:creationId xmlns:a16="http://schemas.microsoft.com/office/drawing/2014/main" id="{A44AC902-3746-40D6-9827-94B46EEDDC67}"/>
+              </a:ext>
+            </a:extLst>
+          </p:cNvPr>
+          <p:cNvSpPr txBox="1">
+            <a:spLocks/>
+          </p:cNvSpPr>
+          <p:nvPr/>
+        </p:nvSpPr>
+        <p:spPr>
+          <a:xfrm>
+            <a:off x="341787" y="1120545"/>
+            <a:ext cx="8642350" cy="2351314"/>
+          </a:xfrm>
+          <a:prstGeom prst="rect">
+            <a:avLst/>
+          </a:prstGeom>
+        </p:spPr>
+        <p:txBody>
+          <a:bodyPr vert="horz" lIns="91440" tIns="45720" rIns="91440" bIns="45720" rtlCol="0">
+            <a:noAutofit/>
+          </a:bodyPr>
+          <a:lstStyle>
+            <a:lvl1pPr marL="266700" indent="-266700" defTabSz="914400" latinLnBrk="1">
+              <a:lnSpc>
+                <a:spcPct val="150000"/>
+              </a:lnSpc>
+              <a:spcBef>
+                <a:spcPct val="0"/>
+              </a:spcBef>
+              <a:buClr>
+                <a:schemeClr val="tx1">
+                  <a:lumMod val="65000"/>
+                  <a:lumOff val="35000"/>
+                </a:schemeClr>
+              </a:buClr>
+              <a:buFont typeface="Wingdings" pitchFamily="2" charset="2"/>
+              <a:buChar char="n"/>
+              <a:defRPr sz="2000" b="1">
+                <a:latin typeface="+mn-ea"/>
+              </a:defRPr>
+            </a:lvl1pPr>
+            <a:lvl2pPr marL="447675" lvl="1" indent="-180975" defTabSz="914400" latinLnBrk="1">
+              <a:lnSpc>
+                <a:spcPct val="150000"/>
+              </a:lnSpc>
+              <a:spcBef>
+                <a:spcPts val="0"/>
+              </a:spcBef>
+              <a:spcAft>
+                <a:spcPts val="0"/>
+              </a:spcAft>
+              <a:buClr>
+                <a:schemeClr val="tx1">
+                  <a:lumMod val="50000"/>
+                  <a:lumOff val="50000"/>
+                </a:schemeClr>
+              </a:buClr>
+              <a:buFont typeface="Wingdings" pitchFamily="2" charset="2"/>
+              <a:buChar char="§"/>
+              <a:defRPr sz="1600"/>
+            </a:lvl2pPr>
+            <a:lvl3pPr marL="628650" indent="-180975" defTabSz="914400" latinLnBrk="1">
+              <a:lnSpc>
+                <a:spcPct val="150000"/>
+              </a:lnSpc>
+              <a:spcBef>
+                <a:spcPts val="500"/>
+              </a:spcBef>
+              <a:spcAft>
+                <a:spcPts val="300"/>
+              </a:spcAft>
+              <a:buClr>
+                <a:schemeClr val="tx1">
+                  <a:lumMod val="65000"/>
+                  <a:lumOff val="35000"/>
+                </a:schemeClr>
+              </a:buClr>
+              <a:buFont typeface="Arial" panose="020B0604020202020204" pitchFamily="34" charset="0"/>
+              <a:buChar char="•"/>
+              <a:defRPr sz="1400"/>
+            </a:lvl3pPr>
+            <a:lvl4pPr marL="809625" indent="-180975" defTabSz="914400" latinLnBrk="1">
+              <a:lnSpc>
+                <a:spcPct val="150000"/>
+              </a:lnSpc>
+              <a:spcBef>
+                <a:spcPts val="500"/>
+              </a:spcBef>
+              <a:spcAft>
+                <a:spcPts val="300"/>
+              </a:spcAft>
+              <a:buClr>
+                <a:schemeClr val="tx1">
+                  <a:lumMod val="65000"/>
+                  <a:lumOff val="35000"/>
+                </a:schemeClr>
+              </a:buClr>
+              <a:buSzPct val="96000"/>
+              <a:buFont typeface="Arial" panose="020B0604020202020204" pitchFamily="34" charset="0"/>
+              <a:buChar char="•"/>
+              <a:defRPr sz="1200"/>
+            </a:lvl4pPr>
+            <a:lvl5pPr marL="990600" indent="-180975" defTabSz="914400" latinLnBrk="1">
+              <a:lnSpc>
+                <a:spcPct val="150000"/>
+              </a:lnSpc>
+              <a:spcBef>
+                <a:spcPts val="500"/>
+              </a:spcBef>
+              <a:buClr>
+                <a:schemeClr val="tx1">
+                  <a:lumMod val="65000"/>
+                  <a:lumOff val="35000"/>
+                </a:schemeClr>
+              </a:buClr>
+              <a:buFont typeface="Arial" panose="020B0604020202020204" pitchFamily="34" charset="0"/>
+              <a:buChar char="•"/>
+              <a:defRPr sz="1000"/>
+            </a:lvl5pPr>
+            <a:lvl6pPr marL="2514600" indent="-228600" defTabSz="914400" latinLnBrk="1">
+              <a:lnSpc>
+                <a:spcPct val="90000"/>
+              </a:lnSpc>
+              <a:spcBef>
+                <a:spcPts val="500"/>
+              </a:spcBef>
+              <a:buFont typeface="Arial" panose="020B0604020202020204" pitchFamily="34" charset="0"/>
+              <a:buChar char="•"/>
+            </a:lvl6pPr>
+            <a:lvl7pPr marL="2971800" indent="-228600" defTabSz="914400" latinLnBrk="1">
+              <a:lnSpc>
+                <a:spcPct val="90000"/>
+              </a:lnSpc>
+              <a:spcBef>
+                <a:spcPts val="500"/>
+              </a:spcBef>
+              <a:buFont typeface="Arial" panose="020B0604020202020204" pitchFamily="34" charset="0"/>
+              <a:buChar char="•"/>
+            </a:lvl7pPr>
+            <a:lvl8pPr marL="3429000" indent="-228600" defTabSz="914400" latinLnBrk="1">
+              <a:lnSpc>
+                <a:spcPct val="90000"/>
+              </a:lnSpc>
+              <a:spcBef>
+                <a:spcPts val="500"/>
+              </a:spcBef>
+              <a:buFont typeface="Arial" panose="020B0604020202020204" pitchFamily="34" charset="0"/>
+              <a:buChar char="•"/>
+            </a:lvl8pPr>
+            <a:lvl9pPr marL="3886200" indent="-228600" defTabSz="914400" latinLnBrk="1">
+              <a:lnSpc>
+                <a:spcPct val="90000"/>
+              </a:lnSpc>
+              <a:spcBef>
+                <a:spcPts val="500"/>
+              </a:spcBef>
+              <a:buFont typeface="Arial" panose="020B0604020202020204" pitchFamily="34" charset="0"/>
+              <a:buChar char="•"/>
+            </a:lvl9pPr>
+          </a:lstStyle>
+          <a:p>
+            <a:r>
+              <a:rPr lang="ko-KR" altLang="en-US" dirty="0"/>
+              <a:t>협업환경 </a:t>
+            </a:r>
+            <a:r>
+              <a:rPr lang="en-US" altLang="ko-KR" dirty="0"/>
+              <a:t>(collaborator</a:t>
+            </a:r>
+            <a:r>
+              <a:rPr lang="ko-KR" altLang="en-US" dirty="0"/>
+              <a:t> 등록</a:t>
+            </a:r>
+            <a:r>
+              <a:rPr lang="en-US" altLang="ko-KR" dirty="0"/>
+              <a:t>)</a:t>
+            </a:r>
+          </a:p>
+          <a:p>
+            <a:pPr lvl="1"/>
+            <a:r>
+              <a:rPr lang="en-US" altLang="ko-KR" dirty="0">
+                <a:latin typeface="+mn-ea"/>
+              </a:rPr>
+              <a:t>Settings → Manage Access </a:t>
+            </a:r>
+            <a:r>
+              <a:rPr lang="ko-KR" altLang="en-US" dirty="0">
+                <a:latin typeface="+mn-ea"/>
+              </a:rPr>
+              <a:t>클릭</a:t>
+            </a:r>
+            <a:endParaRPr lang="en-US" altLang="ko-KR" dirty="0">
+              <a:latin typeface="+mn-ea"/>
+            </a:endParaRPr>
+          </a:p>
+        </p:txBody>
+      </p:sp>
+      <p:sp>
+        <p:nvSpPr>
+          <p:cNvPr id="6" name="직사각형 5">
+            <a:extLst>
+              <a:ext uri="{FF2B5EF4-FFF2-40B4-BE49-F238E27FC236}">
+                <a16:creationId xmlns:a16="http://schemas.microsoft.com/office/drawing/2014/main" id="{A0CA71EF-AE4C-453D-A797-8649D36F99F5}"/>
+              </a:ext>
+            </a:extLst>
+          </p:cNvPr>
+          <p:cNvSpPr/>
+          <p:nvPr/>
+        </p:nvSpPr>
+        <p:spPr>
+          <a:xfrm>
+            <a:off x="6051166" y="2824217"/>
+            <a:ext cx="643929" cy="213274"/>
+          </a:xfrm>
+          <a:prstGeom prst="rect">
+            <a:avLst/>
+          </a:prstGeom>
+          <a:noFill/>
+          <a:ln w="38100">
+            <a:solidFill>
+              <a:srgbClr val="FF0000"/>
+            </a:solidFill>
+          </a:ln>
+        </p:spPr>
+        <p:style>
+          <a:lnRef idx="2">
+            <a:schemeClr val="accent1">
+              <a:shade val="50000"/>
+            </a:schemeClr>
+          </a:lnRef>
+          <a:fillRef idx="1">
+            <a:schemeClr val="accent1"/>
+          </a:fillRef>
+          <a:effectRef idx="0">
+            <a:schemeClr val="accent1"/>
+          </a:effectRef>
+          <a:fontRef idx="minor">
+            <a:schemeClr val="lt1"/>
+          </a:fontRef>
+        </p:style>
+        <p:txBody>
+          <a:bodyPr rtlCol="0" anchor="ctr"/>
+          <a:lstStyle/>
+          <a:p>
+            <a:pPr algn="ctr"/>
+            <a:endParaRPr lang="ko-KR" altLang="en-US"/>
+          </a:p>
+        </p:txBody>
+      </p:sp>
+      <p:sp>
+        <p:nvSpPr>
+          <p:cNvPr id="9" name="직사각형 8">
+            <a:extLst>
+              <a:ext uri="{FF2B5EF4-FFF2-40B4-BE49-F238E27FC236}">
+                <a16:creationId xmlns:a16="http://schemas.microsoft.com/office/drawing/2014/main" id="{2D982C0A-7CE5-4414-99C0-863AA7806C73}"/>
+              </a:ext>
+            </a:extLst>
+          </p:cNvPr>
+          <p:cNvSpPr/>
+          <p:nvPr/>
+        </p:nvSpPr>
+        <p:spPr>
+          <a:xfrm>
+            <a:off x="1163857" y="5767453"/>
+            <a:ext cx="1589853" cy="223443"/>
+          </a:xfrm>
+          <a:prstGeom prst="rect">
+            <a:avLst/>
+          </a:prstGeom>
+          <a:noFill/>
+          <a:ln w="38100">
+            <a:solidFill>
+              <a:srgbClr val="FF0000"/>
+            </a:solidFill>
+          </a:ln>
+        </p:spPr>
+        <p:style>
+          <a:lnRef idx="2">
+            <a:schemeClr val="accent1">
+              <a:shade val="50000"/>
+            </a:schemeClr>
+          </a:lnRef>
+          <a:fillRef idx="1">
+            <a:schemeClr val="accent1"/>
+          </a:fillRef>
+          <a:effectRef idx="0">
+            <a:schemeClr val="accent1"/>
+          </a:effectRef>
+          <a:fontRef idx="minor">
+            <a:schemeClr val="lt1"/>
+          </a:fontRef>
+        </p:style>
+        <p:txBody>
+          <a:bodyPr rtlCol="0" anchor="ctr"/>
+          <a:lstStyle/>
+          <a:p>
+            <a:pPr algn="ctr"/>
+            <a:endParaRPr lang="ko-KR" altLang="en-US"/>
+          </a:p>
+        </p:txBody>
+      </p:sp>
+      <p:pic>
+        <p:nvPicPr>
+          <p:cNvPr id="5" name="그림 4">
+            <a:extLst>
+              <a:ext uri="{FF2B5EF4-FFF2-40B4-BE49-F238E27FC236}">
+                <a16:creationId xmlns:a16="http://schemas.microsoft.com/office/drawing/2014/main" id="{0E108528-D01B-481D-8297-4E1E44CD0571}"/>
+              </a:ext>
+            </a:extLst>
+          </p:cNvPr>
+          <p:cNvPicPr>
+            <a:picLocks noChangeAspect="1"/>
+          </p:cNvPicPr>
+          <p:nvPr/>
+        </p:nvPicPr>
+        <p:blipFill>
+          <a:blip r:embed="rId3"/>
+          <a:stretch>
+            <a:fillRect/>
+          </a:stretch>
+        </p:blipFill>
+        <p:spPr>
+          <a:xfrm>
+            <a:off x="30637" y="1781171"/>
+            <a:ext cx="8953500" cy="3381375"/>
+          </a:xfrm>
+          <a:prstGeom prst="rect">
+            <a:avLst/>
+          </a:prstGeom>
+        </p:spPr>
+      </p:pic>
+    </p:spTree>
+    <p:extLst>
+      <p:ext uri="{BB962C8B-B14F-4D97-AF65-F5344CB8AC3E}">
+        <p14:creationId xmlns:p14="http://schemas.microsoft.com/office/powerpoint/2010/main" val="2390400070"/>
       </p:ext>
     </p:extLst>
   </p:cSld>
@@ -9573,6 +16764,1496 @@
     <p:extLst>
       <p:ext uri="{BB962C8B-B14F-4D97-AF65-F5344CB8AC3E}">
         <p14:creationId xmlns:p14="http://schemas.microsoft.com/office/powerpoint/2010/main" val="778635645"/>
+      </p:ext>
+    </p:extLst>
+  </p:cSld>
+  <p:clrMapOvr>
+    <a:masterClrMapping/>
+  </p:clrMapOvr>
+</p:sld>
+</file>
+
+<file path=ppt/slides/slide30.xml><?xml version="1.0" encoding="utf-8"?>
+<p:sld xmlns:a="http://schemas.openxmlformats.org/drawingml/2006/main" xmlns:r="http://schemas.openxmlformats.org/officeDocument/2006/relationships" xmlns:p="http://schemas.openxmlformats.org/presentationml/2006/main">
+  <p:cSld>
+    <p:spTree>
+      <p:nvGrpSpPr>
+        <p:cNvPr id="1" name=""/>
+        <p:cNvGrpSpPr/>
+        <p:nvPr/>
+      </p:nvGrpSpPr>
+      <p:grpSpPr>
+        <a:xfrm>
+          <a:off x="0" y="0"/>
+          <a:ext cx="0" cy="0"/>
+          <a:chOff x="0" y="0"/>
+          <a:chExt cx="0" cy="0"/>
+        </a:xfrm>
+      </p:grpSpPr>
+      <p:pic>
+        <p:nvPicPr>
+          <p:cNvPr id="8" name="그림 7">
+            <a:extLst>
+              <a:ext uri="{FF2B5EF4-FFF2-40B4-BE49-F238E27FC236}">
+                <a16:creationId xmlns:a16="http://schemas.microsoft.com/office/drawing/2014/main" id="{6618A6A4-508E-4FFD-B103-024A92179486}"/>
+              </a:ext>
+            </a:extLst>
+          </p:cNvPr>
+          <p:cNvPicPr>
+            <a:picLocks noChangeAspect="1"/>
+          </p:cNvPicPr>
+          <p:nvPr/>
+        </p:nvPicPr>
+        <p:blipFill>
+          <a:blip r:embed="rId3"/>
+          <a:stretch>
+            <a:fillRect/>
+          </a:stretch>
+        </p:blipFill>
+        <p:spPr>
+          <a:xfrm>
+            <a:off x="890587" y="1558465"/>
+            <a:ext cx="7362825" cy="4714875"/>
+          </a:xfrm>
+          <a:prstGeom prst="rect">
+            <a:avLst/>
+          </a:prstGeom>
+        </p:spPr>
+      </p:pic>
+      <p:sp>
+        <p:nvSpPr>
+          <p:cNvPr id="4" name="제목 3">
+            <a:extLst>
+              <a:ext uri="{FF2B5EF4-FFF2-40B4-BE49-F238E27FC236}">
+                <a16:creationId xmlns:a16="http://schemas.microsoft.com/office/drawing/2014/main" id="{F0CEB32B-CB43-4410-BA08-A97E4BC47FCB}"/>
+              </a:ext>
+            </a:extLst>
+          </p:cNvPr>
+          <p:cNvSpPr>
+            <a:spLocks noGrp="1"/>
+          </p:cNvSpPr>
+          <p:nvPr>
+            <p:ph type="title"/>
+          </p:nvPr>
+        </p:nvSpPr>
+        <p:spPr/>
+        <p:txBody>
+          <a:bodyPr/>
+          <a:lstStyle/>
+          <a:p>
+            <a:r>
+              <a:rPr lang="ko-KR" altLang="en-US" dirty="0"/>
+              <a:t>협업하기</a:t>
+            </a:r>
+          </a:p>
+        </p:txBody>
+      </p:sp>
+      <p:sp>
+        <p:nvSpPr>
+          <p:cNvPr id="7" name="내용 개체 틀 2">
+            <a:extLst>
+              <a:ext uri="{FF2B5EF4-FFF2-40B4-BE49-F238E27FC236}">
+                <a16:creationId xmlns:a16="http://schemas.microsoft.com/office/drawing/2014/main" id="{A44AC902-3746-40D6-9827-94B46EEDDC67}"/>
+              </a:ext>
+            </a:extLst>
+          </p:cNvPr>
+          <p:cNvSpPr txBox="1">
+            <a:spLocks/>
+          </p:cNvSpPr>
+          <p:nvPr/>
+        </p:nvSpPr>
+        <p:spPr>
+          <a:xfrm>
+            <a:off x="341787" y="1120545"/>
+            <a:ext cx="8642350" cy="2351314"/>
+          </a:xfrm>
+          <a:prstGeom prst="rect">
+            <a:avLst/>
+          </a:prstGeom>
+        </p:spPr>
+        <p:txBody>
+          <a:bodyPr vert="horz" lIns="91440" tIns="45720" rIns="91440" bIns="45720" rtlCol="0">
+            <a:noAutofit/>
+          </a:bodyPr>
+          <a:lstStyle>
+            <a:lvl1pPr marL="266700" indent="-266700" defTabSz="914400" latinLnBrk="1">
+              <a:lnSpc>
+                <a:spcPct val="150000"/>
+              </a:lnSpc>
+              <a:spcBef>
+                <a:spcPct val="0"/>
+              </a:spcBef>
+              <a:buClr>
+                <a:schemeClr val="tx1">
+                  <a:lumMod val="65000"/>
+                  <a:lumOff val="35000"/>
+                </a:schemeClr>
+              </a:buClr>
+              <a:buFont typeface="Wingdings" pitchFamily="2" charset="2"/>
+              <a:buChar char="n"/>
+              <a:defRPr sz="2000" b="1">
+                <a:latin typeface="+mn-ea"/>
+              </a:defRPr>
+            </a:lvl1pPr>
+            <a:lvl2pPr marL="447675" lvl="1" indent="-180975" defTabSz="914400" latinLnBrk="1">
+              <a:lnSpc>
+                <a:spcPct val="150000"/>
+              </a:lnSpc>
+              <a:spcBef>
+                <a:spcPts val="0"/>
+              </a:spcBef>
+              <a:spcAft>
+                <a:spcPts val="0"/>
+              </a:spcAft>
+              <a:buClr>
+                <a:schemeClr val="tx1">
+                  <a:lumMod val="50000"/>
+                  <a:lumOff val="50000"/>
+                </a:schemeClr>
+              </a:buClr>
+              <a:buFont typeface="Wingdings" pitchFamily="2" charset="2"/>
+              <a:buChar char="§"/>
+              <a:defRPr sz="1600"/>
+            </a:lvl2pPr>
+            <a:lvl3pPr marL="628650" indent="-180975" defTabSz="914400" latinLnBrk="1">
+              <a:lnSpc>
+                <a:spcPct val="150000"/>
+              </a:lnSpc>
+              <a:spcBef>
+                <a:spcPts val="500"/>
+              </a:spcBef>
+              <a:spcAft>
+                <a:spcPts val="300"/>
+              </a:spcAft>
+              <a:buClr>
+                <a:schemeClr val="tx1">
+                  <a:lumMod val="65000"/>
+                  <a:lumOff val="35000"/>
+                </a:schemeClr>
+              </a:buClr>
+              <a:buFont typeface="Arial" panose="020B0604020202020204" pitchFamily="34" charset="0"/>
+              <a:buChar char="•"/>
+              <a:defRPr sz="1400"/>
+            </a:lvl3pPr>
+            <a:lvl4pPr marL="809625" indent="-180975" defTabSz="914400" latinLnBrk="1">
+              <a:lnSpc>
+                <a:spcPct val="150000"/>
+              </a:lnSpc>
+              <a:spcBef>
+                <a:spcPts val="500"/>
+              </a:spcBef>
+              <a:spcAft>
+                <a:spcPts val="300"/>
+              </a:spcAft>
+              <a:buClr>
+                <a:schemeClr val="tx1">
+                  <a:lumMod val="65000"/>
+                  <a:lumOff val="35000"/>
+                </a:schemeClr>
+              </a:buClr>
+              <a:buSzPct val="96000"/>
+              <a:buFont typeface="Arial" panose="020B0604020202020204" pitchFamily="34" charset="0"/>
+              <a:buChar char="•"/>
+              <a:defRPr sz="1200"/>
+            </a:lvl4pPr>
+            <a:lvl5pPr marL="990600" indent="-180975" defTabSz="914400" latinLnBrk="1">
+              <a:lnSpc>
+                <a:spcPct val="150000"/>
+              </a:lnSpc>
+              <a:spcBef>
+                <a:spcPts val="500"/>
+              </a:spcBef>
+              <a:buClr>
+                <a:schemeClr val="tx1">
+                  <a:lumMod val="65000"/>
+                  <a:lumOff val="35000"/>
+                </a:schemeClr>
+              </a:buClr>
+              <a:buFont typeface="Arial" panose="020B0604020202020204" pitchFamily="34" charset="0"/>
+              <a:buChar char="•"/>
+              <a:defRPr sz="1000"/>
+            </a:lvl5pPr>
+            <a:lvl6pPr marL="2514600" indent="-228600" defTabSz="914400" latinLnBrk="1">
+              <a:lnSpc>
+                <a:spcPct val="90000"/>
+              </a:lnSpc>
+              <a:spcBef>
+                <a:spcPts val="500"/>
+              </a:spcBef>
+              <a:buFont typeface="Arial" panose="020B0604020202020204" pitchFamily="34" charset="0"/>
+              <a:buChar char="•"/>
+            </a:lvl6pPr>
+            <a:lvl7pPr marL="2971800" indent="-228600" defTabSz="914400" latinLnBrk="1">
+              <a:lnSpc>
+                <a:spcPct val="90000"/>
+              </a:lnSpc>
+              <a:spcBef>
+                <a:spcPts val="500"/>
+              </a:spcBef>
+              <a:buFont typeface="Arial" panose="020B0604020202020204" pitchFamily="34" charset="0"/>
+              <a:buChar char="•"/>
+            </a:lvl7pPr>
+            <a:lvl8pPr marL="3429000" indent="-228600" defTabSz="914400" latinLnBrk="1">
+              <a:lnSpc>
+                <a:spcPct val="90000"/>
+              </a:lnSpc>
+              <a:spcBef>
+                <a:spcPts val="500"/>
+              </a:spcBef>
+              <a:buFont typeface="Arial" panose="020B0604020202020204" pitchFamily="34" charset="0"/>
+              <a:buChar char="•"/>
+            </a:lvl8pPr>
+            <a:lvl9pPr marL="3886200" indent="-228600" defTabSz="914400" latinLnBrk="1">
+              <a:lnSpc>
+                <a:spcPct val="90000"/>
+              </a:lnSpc>
+              <a:spcBef>
+                <a:spcPts val="500"/>
+              </a:spcBef>
+              <a:buFont typeface="Arial" panose="020B0604020202020204" pitchFamily="34" charset="0"/>
+              <a:buChar char="•"/>
+            </a:lvl9pPr>
+          </a:lstStyle>
+          <a:p>
+            <a:r>
+              <a:rPr lang="ko-KR" altLang="en-US" dirty="0"/>
+              <a:t>협업환경 </a:t>
+            </a:r>
+            <a:r>
+              <a:rPr lang="en-US" altLang="ko-KR" dirty="0"/>
+              <a:t>(</a:t>
+            </a:r>
+            <a:r>
+              <a:rPr lang="ko-KR" altLang="en-US" dirty="0"/>
+              <a:t>참고 </a:t>
+            </a:r>
+            <a:r>
+              <a:rPr lang="en-US" altLang="ko-KR" dirty="0"/>
+              <a:t>: project </a:t>
+            </a:r>
+            <a:r>
+              <a:rPr lang="ko-KR" altLang="en-US" dirty="0"/>
+              <a:t>등록은 복잡</a:t>
+            </a:r>
+            <a:r>
+              <a:rPr lang="en-US" altLang="ko-KR" dirty="0"/>
+              <a:t>)</a:t>
+            </a:r>
+          </a:p>
+          <a:p>
+            <a:pPr lvl="1"/>
+            <a:r>
+              <a:rPr lang="ko-KR" altLang="en-US" dirty="0">
+                <a:latin typeface="+mn-ea"/>
+              </a:rPr>
+              <a:t>참여를 원하는 인원의 </a:t>
+            </a:r>
+            <a:r>
+              <a:rPr lang="en-US" altLang="ko-KR" dirty="0">
+                <a:latin typeface="+mn-ea"/>
+              </a:rPr>
+              <a:t>username </a:t>
+            </a:r>
+            <a:r>
+              <a:rPr lang="ko-KR" altLang="en-US" dirty="0">
+                <a:latin typeface="+mn-ea"/>
+              </a:rPr>
+              <a:t>혹은 이메일 등 한가지 </a:t>
+            </a:r>
+            <a:r>
+              <a:rPr lang="ko-KR" altLang="en-US" dirty="0" err="1">
+                <a:latin typeface="+mn-ea"/>
+              </a:rPr>
+              <a:t>입력후</a:t>
+            </a:r>
+            <a:r>
+              <a:rPr lang="ko-KR" altLang="en-US" dirty="0">
+                <a:latin typeface="+mn-ea"/>
+              </a:rPr>
+              <a:t> 클릭</a:t>
+            </a:r>
+            <a:endParaRPr lang="en-US" altLang="ko-KR" dirty="0">
+              <a:latin typeface="+mn-ea"/>
+            </a:endParaRPr>
+          </a:p>
+        </p:txBody>
+      </p:sp>
+      <p:sp>
+        <p:nvSpPr>
+          <p:cNvPr id="6" name="직사각형 5">
+            <a:extLst>
+              <a:ext uri="{FF2B5EF4-FFF2-40B4-BE49-F238E27FC236}">
+                <a16:creationId xmlns:a16="http://schemas.microsoft.com/office/drawing/2014/main" id="{8B406F40-E317-42B9-A5FC-3A5D3B871C26}"/>
+              </a:ext>
+            </a:extLst>
+          </p:cNvPr>
+          <p:cNvSpPr/>
+          <p:nvPr/>
+        </p:nvSpPr>
+        <p:spPr>
+          <a:xfrm>
+            <a:off x="1788056" y="2296202"/>
+            <a:ext cx="1329624" cy="321365"/>
+          </a:xfrm>
+          <a:prstGeom prst="rect">
+            <a:avLst/>
+          </a:prstGeom>
+          <a:noFill/>
+          <a:ln w="38100">
+            <a:solidFill>
+              <a:srgbClr val="FF0000"/>
+            </a:solidFill>
+          </a:ln>
+        </p:spPr>
+        <p:style>
+          <a:lnRef idx="2">
+            <a:schemeClr val="accent1">
+              <a:shade val="50000"/>
+            </a:schemeClr>
+          </a:lnRef>
+          <a:fillRef idx="1">
+            <a:schemeClr val="accent1"/>
+          </a:fillRef>
+          <a:effectRef idx="0">
+            <a:schemeClr val="accent1"/>
+          </a:effectRef>
+          <a:fontRef idx="minor">
+            <a:schemeClr val="lt1"/>
+          </a:fontRef>
+        </p:style>
+        <p:txBody>
+          <a:bodyPr rtlCol="0" anchor="ctr"/>
+          <a:lstStyle/>
+          <a:p>
+            <a:pPr algn="ctr"/>
+            <a:endParaRPr lang="ko-KR" altLang="en-US"/>
+          </a:p>
+        </p:txBody>
+      </p:sp>
+    </p:spTree>
+    <p:extLst>
+      <p:ext uri="{BB962C8B-B14F-4D97-AF65-F5344CB8AC3E}">
+        <p14:creationId xmlns:p14="http://schemas.microsoft.com/office/powerpoint/2010/main" val="1844620192"/>
+      </p:ext>
+    </p:extLst>
+  </p:cSld>
+  <p:clrMapOvr>
+    <a:masterClrMapping/>
+  </p:clrMapOvr>
+</p:sld>
+</file>
+
+<file path=ppt/slides/slide31.xml><?xml version="1.0" encoding="utf-8"?>
+<p:sld xmlns:a="http://schemas.openxmlformats.org/drawingml/2006/main" xmlns:r="http://schemas.openxmlformats.org/officeDocument/2006/relationships" xmlns:p="http://schemas.openxmlformats.org/presentationml/2006/main">
+  <p:cSld>
+    <p:spTree>
+      <p:nvGrpSpPr>
+        <p:cNvPr id="1" name=""/>
+        <p:cNvGrpSpPr/>
+        <p:nvPr/>
+      </p:nvGrpSpPr>
+      <p:grpSpPr>
+        <a:xfrm>
+          <a:off x="0" y="0"/>
+          <a:ext cx="0" cy="0"/>
+          <a:chOff x="0" y="0"/>
+          <a:chExt cx="0" cy="0"/>
+        </a:xfrm>
+      </p:grpSpPr>
+      <p:sp>
+        <p:nvSpPr>
+          <p:cNvPr id="4" name="제목 3">
+            <a:extLst>
+              <a:ext uri="{FF2B5EF4-FFF2-40B4-BE49-F238E27FC236}">
+                <a16:creationId xmlns:a16="http://schemas.microsoft.com/office/drawing/2014/main" id="{F0CEB32B-CB43-4410-BA08-A97E4BC47FCB}"/>
+              </a:ext>
+            </a:extLst>
+          </p:cNvPr>
+          <p:cNvSpPr>
+            <a:spLocks noGrp="1"/>
+          </p:cNvSpPr>
+          <p:nvPr>
+            <p:ph type="title"/>
+          </p:nvPr>
+        </p:nvSpPr>
+        <p:spPr/>
+        <p:txBody>
+          <a:bodyPr/>
+          <a:lstStyle/>
+          <a:p>
+            <a:r>
+              <a:rPr lang="ko-KR" altLang="en-US" dirty="0"/>
+              <a:t>협업하기</a:t>
+            </a:r>
+          </a:p>
+        </p:txBody>
+      </p:sp>
+      <p:sp>
+        <p:nvSpPr>
+          <p:cNvPr id="7" name="내용 개체 틀 2">
+            <a:extLst>
+              <a:ext uri="{FF2B5EF4-FFF2-40B4-BE49-F238E27FC236}">
+                <a16:creationId xmlns:a16="http://schemas.microsoft.com/office/drawing/2014/main" id="{A44AC902-3746-40D6-9827-94B46EEDDC67}"/>
+              </a:ext>
+            </a:extLst>
+          </p:cNvPr>
+          <p:cNvSpPr txBox="1">
+            <a:spLocks/>
+          </p:cNvSpPr>
+          <p:nvPr/>
+        </p:nvSpPr>
+        <p:spPr>
+          <a:xfrm>
+            <a:off x="341787" y="1120545"/>
+            <a:ext cx="8642350" cy="2351314"/>
+          </a:xfrm>
+          <a:prstGeom prst="rect">
+            <a:avLst/>
+          </a:prstGeom>
+        </p:spPr>
+        <p:txBody>
+          <a:bodyPr vert="horz" lIns="91440" tIns="45720" rIns="91440" bIns="45720" rtlCol="0">
+            <a:noAutofit/>
+          </a:bodyPr>
+          <a:lstStyle>
+            <a:lvl1pPr marL="266700" indent="-266700" defTabSz="914400" latinLnBrk="1">
+              <a:lnSpc>
+                <a:spcPct val="150000"/>
+              </a:lnSpc>
+              <a:spcBef>
+                <a:spcPct val="0"/>
+              </a:spcBef>
+              <a:buClr>
+                <a:schemeClr val="tx1">
+                  <a:lumMod val="65000"/>
+                  <a:lumOff val="35000"/>
+                </a:schemeClr>
+              </a:buClr>
+              <a:buFont typeface="Wingdings" pitchFamily="2" charset="2"/>
+              <a:buChar char="n"/>
+              <a:defRPr sz="2000" b="1">
+                <a:latin typeface="+mn-ea"/>
+              </a:defRPr>
+            </a:lvl1pPr>
+            <a:lvl2pPr marL="447675" lvl="1" indent="-180975" defTabSz="914400" latinLnBrk="1">
+              <a:lnSpc>
+                <a:spcPct val="150000"/>
+              </a:lnSpc>
+              <a:spcBef>
+                <a:spcPts val="0"/>
+              </a:spcBef>
+              <a:spcAft>
+                <a:spcPts val="0"/>
+              </a:spcAft>
+              <a:buClr>
+                <a:schemeClr val="tx1">
+                  <a:lumMod val="50000"/>
+                  <a:lumOff val="50000"/>
+                </a:schemeClr>
+              </a:buClr>
+              <a:buFont typeface="Wingdings" pitchFamily="2" charset="2"/>
+              <a:buChar char="§"/>
+              <a:defRPr sz="1600"/>
+            </a:lvl2pPr>
+            <a:lvl3pPr marL="628650" indent="-180975" defTabSz="914400" latinLnBrk="1">
+              <a:lnSpc>
+                <a:spcPct val="150000"/>
+              </a:lnSpc>
+              <a:spcBef>
+                <a:spcPts val="500"/>
+              </a:spcBef>
+              <a:spcAft>
+                <a:spcPts val="300"/>
+              </a:spcAft>
+              <a:buClr>
+                <a:schemeClr val="tx1">
+                  <a:lumMod val="65000"/>
+                  <a:lumOff val="35000"/>
+                </a:schemeClr>
+              </a:buClr>
+              <a:buFont typeface="Arial" panose="020B0604020202020204" pitchFamily="34" charset="0"/>
+              <a:buChar char="•"/>
+              <a:defRPr sz="1400"/>
+            </a:lvl3pPr>
+            <a:lvl4pPr marL="809625" indent="-180975" defTabSz="914400" latinLnBrk="1">
+              <a:lnSpc>
+                <a:spcPct val="150000"/>
+              </a:lnSpc>
+              <a:spcBef>
+                <a:spcPts val="500"/>
+              </a:spcBef>
+              <a:spcAft>
+                <a:spcPts val="300"/>
+              </a:spcAft>
+              <a:buClr>
+                <a:schemeClr val="tx1">
+                  <a:lumMod val="65000"/>
+                  <a:lumOff val="35000"/>
+                </a:schemeClr>
+              </a:buClr>
+              <a:buSzPct val="96000"/>
+              <a:buFont typeface="Arial" panose="020B0604020202020204" pitchFamily="34" charset="0"/>
+              <a:buChar char="•"/>
+              <a:defRPr sz="1200"/>
+            </a:lvl4pPr>
+            <a:lvl5pPr marL="990600" indent="-180975" defTabSz="914400" latinLnBrk="1">
+              <a:lnSpc>
+                <a:spcPct val="150000"/>
+              </a:lnSpc>
+              <a:spcBef>
+                <a:spcPts val="500"/>
+              </a:spcBef>
+              <a:buClr>
+                <a:schemeClr val="tx1">
+                  <a:lumMod val="65000"/>
+                  <a:lumOff val="35000"/>
+                </a:schemeClr>
+              </a:buClr>
+              <a:buFont typeface="Arial" panose="020B0604020202020204" pitchFamily="34" charset="0"/>
+              <a:buChar char="•"/>
+              <a:defRPr sz="1000"/>
+            </a:lvl5pPr>
+            <a:lvl6pPr marL="2514600" indent="-228600" defTabSz="914400" latinLnBrk="1">
+              <a:lnSpc>
+                <a:spcPct val="90000"/>
+              </a:lnSpc>
+              <a:spcBef>
+                <a:spcPts val="500"/>
+              </a:spcBef>
+              <a:buFont typeface="Arial" panose="020B0604020202020204" pitchFamily="34" charset="0"/>
+              <a:buChar char="•"/>
+            </a:lvl6pPr>
+            <a:lvl7pPr marL="2971800" indent="-228600" defTabSz="914400" latinLnBrk="1">
+              <a:lnSpc>
+                <a:spcPct val="90000"/>
+              </a:lnSpc>
+              <a:spcBef>
+                <a:spcPts val="500"/>
+              </a:spcBef>
+              <a:buFont typeface="Arial" panose="020B0604020202020204" pitchFamily="34" charset="0"/>
+              <a:buChar char="•"/>
+            </a:lvl7pPr>
+            <a:lvl8pPr marL="3429000" indent="-228600" defTabSz="914400" latinLnBrk="1">
+              <a:lnSpc>
+                <a:spcPct val="90000"/>
+              </a:lnSpc>
+              <a:spcBef>
+                <a:spcPts val="500"/>
+              </a:spcBef>
+              <a:buFont typeface="Arial" panose="020B0604020202020204" pitchFamily="34" charset="0"/>
+              <a:buChar char="•"/>
+            </a:lvl8pPr>
+            <a:lvl9pPr marL="3886200" indent="-228600" defTabSz="914400" latinLnBrk="1">
+              <a:lnSpc>
+                <a:spcPct val="90000"/>
+              </a:lnSpc>
+              <a:spcBef>
+                <a:spcPts val="500"/>
+              </a:spcBef>
+              <a:buFont typeface="Arial" panose="020B0604020202020204" pitchFamily="34" charset="0"/>
+              <a:buChar char="•"/>
+            </a:lvl9pPr>
+          </a:lstStyle>
+          <a:p>
+            <a:r>
+              <a:rPr lang="ko-KR" altLang="en-US" dirty="0"/>
+              <a:t>협업환경 </a:t>
+            </a:r>
+            <a:r>
+              <a:rPr lang="en-US" altLang="ko-KR" dirty="0"/>
+              <a:t>(</a:t>
+            </a:r>
+            <a:r>
+              <a:rPr lang="ko-KR" altLang="en-US" dirty="0"/>
+              <a:t>참고 </a:t>
+            </a:r>
+            <a:r>
+              <a:rPr lang="en-US" altLang="ko-KR" dirty="0"/>
+              <a:t>: project </a:t>
+            </a:r>
+            <a:r>
+              <a:rPr lang="ko-KR" altLang="en-US" dirty="0"/>
+              <a:t>등록은 복잡</a:t>
+            </a:r>
+            <a:r>
+              <a:rPr lang="en-US" altLang="ko-KR" dirty="0"/>
+              <a:t>)</a:t>
+            </a:r>
+          </a:p>
+          <a:p>
+            <a:pPr lvl="1"/>
+            <a:r>
+              <a:rPr lang="ko-KR" altLang="en-US" dirty="0">
+                <a:latin typeface="+mn-ea"/>
+              </a:rPr>
+              <a:t>참여를 원하는 인원의 </a:t>
+            </a:r>
+            <a:r>
+              <a:rPr lang="en-US" altLang="ko-KR" dirty="0">
+                <a:latin typeface="+mn-ea"/>
+              </a:rPr>
+              <a:t>username </a:t>
+            </a:r>
+            <a:r>
+              <a:rPr lang="ko-KR" altLang="en-US" dirty="0">
+                <a:latin typeface="+mn-ea"/>
+              </a:rPr>
+              <a:t>혹은 이메일 등 한가지 </a:t>
+            </a:r>
+            <a:r>
+              <a:rPr lang="ko-KR" altLang="en-US" dirty="0" err="1">
+                <a:latin typeface="+mn-ea"/>
+              </a:rPr>
+              <a:t>입력후</a:t>
+            </a:r>
+            <a:r>
+              <a:rPr lang="ko-KR" altLang="en-US" dirty="0">
+                <a:latin typeface="+mn-ea"/>
+              </a:rPr>
+              <a:t> 클릭</a:t>
+            </a:r>
+            <a:endParaRPr lang="en-US" altLang="ko-KR" dirty="0">
+              <a:latin typeface="+mn-ea"/>
+            </a:endParaRPr>
+          </a:p>
+        </p:txBody>
+      </p:sp>
+      <p:pic>
+        <p:nvPicPr>
+          <p:cNvPr id="6" name="그림 5">
+            <a:extLst>
+              <a:ext uri="{FF2B5EF4-FFF2-40B4-BE49-F238E27FC236}">
+                <a16:creationId xmlns:a16="http://schemas.microsoft.com/office/drawing/2014/main" id="{6F75B120-B902-41B8-87A2-9D9AAA612560}"/>
+              </a:ext>
+            </a:extLst>
+          </p:cNvPr>
+          <p:cNvPicPr>
+            <a:picLocks noChangeAspect="1"/>
+          </p:cNvPicPr>
+          <p:nvPr/>
+        </p:nvPicPr>
+        <p:blipFill>
+          <a:blip r:embed="rId3"/>
+          <a:stretch>
+            <a:fillRect/>
+          </a:stretch>
+        </p:blipFill>
+        <p:spPr>
+          <a:xfrm>
+            <a:off x="883577" y="2019504"/>
+            <a:ext cx="7863247" cy="3847039"/>
+          </a:xfrm>
+          <a:prstGeom prst="rect">
+            <a:avLst/>
+          </a:prstGeom>
+        </p:spPr>
+      </p:pic>
+    </p:spTree>
+    <p:extLst>
+      <p:ext uri="{BB962C8B-B14F-4D97-AF65-F5344CB8AC3E}">
+        <p14:creationId xmlns:p14="http://schemas.microsoft.com/office/powerpoint/2010/main" val="3740684401"/>
+      </p:ext>
+    </p:extLst>
+  </p:cSld>
+  <p:clrMapOvr>
+    <a:masterClrMapping/>
+  </p:clrMapOvr>
+</p:sld>
+</file>
+
+<file path=ppt/slides/slide32.xml><?xml version="1.0" encoding="utf-8"?>
+<p:sld xmlns:a="http://schemas.openxmlformats.org/drawingml/2006/main" xmlns:r="http://schemas.openxmlformats.org/officeDocument/2006/relationships" xmlns:p="http://schemas.openxmlformats.org/presentationml/2006/main">
+  <p:cSld>
+    <p:spTree>
+      <p:nvGrpSpPr>
+        <p:cNvPr id="1" name=""/>
+        <p:cNvGrpSpPr/>
+        <p:nvPr/>
+      </p:nvGrpSpPr>
+      <p:grpSpPr>
+        <a:xfrm>
+          <a:off x="0" y="0"/>
+          <a:ext cx="0" cy="0"/>
+          <a:chOff x="0" y="0"/>
+          <a:chExt cx="0" cy="0"/>
+        </a:xfrm>
+      </p:grpSpPr>
+      <p:sp>
+        <p:nvSpPr>
+          <p:cNvPr id="5" name="슬라이드 번호 개체 틀 4">
+            <a:extLst>
+              <a:ext uri="{FF2B5EF4-FFF2-40B4-BE49-F238E27FC236}">
+                <a16:creationId xmlns:a16="http://schemas.microsoft.com/office/drawing/2014/main" id="{F173C1D3-216A-403A-A8C8-A8FF24D1DB4D}"/>
+              </a:ext>
+            </a:extLst>
+          </p:cNvPr>
+          <p:cNvSpPr>
+            <a:spLocks noGrp="1"/>
+          </p:cNvSpPr>
+          <p:nvPr>
+            <p:ph type="sldNum" sz="quarter" idx="4294967295"/>
+          </p:nvPr>
+        </p:nvSpPr>
+        <p:spPr>
+          <a:xfrm>
+            <a:off x="6457950" y="6356351"/>
+            <a:ext cx="2057400" cy="365125"/>
+          </a:xfrm>
+          <a:prstGeom prst="rect">
+            <a:avLst/>
+          </a:prstGeom>
+        </p:spPr>
+        <p:txBody>
+          <a:bodyPr vert="horz" lIns="91440" tIns="45720" rIns="91440" bIns="45720" rtlCol="0" anchor="ctr"/>
+          <a:lstStyle>
+            <a:defPPr>
+              <a:defRPr lang="en-US"/>
+            </a:defPPr>
+            <a:lvl1pPr marL="0" algn="r" defTabSz="457200" rtl="0" eaLnBrk="1" latinLnBrk="0" hangingPunct="1">
+              <a:defRPr sz="1200" kern="1200">
+                <a:solidFill>
+                  <a:schemeClr val="bg1">
+                    <a:lumMod val="75000"/>
+                  </a:schemeClr>
+                </a:solidFill>
+                <a:latin typeface="+mn-lt"/>
+                <a:ea typeface="+mn-ea"/>
+                <a:cs typeface="+mn-cs"/>
+              </a:defRPr>
+            </a:lvl1pPr>
+            <a:lvl2pPr marL="457200" algn="l" defTabSz="457200" rtl="0" eaLnBrk="1" latinLnBrk="0" hangingPunct="1">
+              <a:defRPr sz="1800" kern="1200">
+                <a:solidFill>
+                  <a:schemeClr val="tx1"/>
+                </a:solidFill>
+                <a:latin typeface="+mn-lt"/>
+                <a:ea typeface="+mn-ea"/>
+                <a:cs typeface="+mn-cs"/>
+              </a:defRPr>
+            </a:lvl2pPr>
+            <a:lvl3pPr marL="914400" algn="l" defTabSz="457200" rtl="0" eaLnBrk="1" latinLnBrk="0" hangingPunct="1">
+              <a:defRPr sz="1800" kern="1200">
+                <a:solidFill>
+                  <a:schemeClr val="tx1"/>
+                </a:solidFill>
+                <a:latin typeface="+mn-lt"/>
+                <a:ea typeface="+mn-ea"/>
+                <a:cs typeface="+mn-cs"/>
+              </a:defRPr>
+            </a:lvl3pPr>
+            <a:lvl4pPr marL="1371600" algn="l" defTabSz="457200" rtl="0" eaLnBrk="1" latinLnBrk="0" hangingPunct="1">
+              <a:defRPr sz="1800" kern="1200">
+                <a:solidFill>
+                  <a:schemeClr val="tx1"/>
+                </a:solidFill>
+                <a:latin typeface="+mn-lt"/>
+                <a:ea typeface="+mn-ea"/>
+                <a:cs typeface="+mn-cs"/>
+              </a:defRPr>
+            </a:lvl4pPr>
+            <a:lvl5pPr marL="1828800" algn="l" defTabSz="457200" rtl="0" eaLnBrk="1" latinLnBrk="0" hangingPunct="1">
+              <a:defRPr sz="1800" kern="1200">
+                <a:solidFill>
+                  <a:schemeClr val="tx1"/>
+                </a:solidFill>
+                <a:latin typeface="+mn-lt"/>
+                <a:ea typeface="+mn-ea"/>
+                <a:cs typeface="+mn-cs"/>
+              </a:defRPr>
+            </a:lvl5pPr>
+            <a:lvl6pPr marL="2286000" algn="l" defTabSz="457200" rtl="0" eaLnBrk="1" latinLnBrk="0" hangingPunct="1">
+              <a:defRPr sz="1800" kern="1200">
+                <a:solidFill>
+                  <a:schemeClr val="tx1"/>
+                </a:solidFill>
+                <a:latin typeface="+mn-lt"/>
+                <a:ea typeface="+mn-ea"/>
+                <a:cs typeface="+mn-cs"/>
+              </a:defRPr>
+            </a:lvl6pPr>
+            <a:lvl7pPr marL="2743200" algn="l" defTabSz="457200" rtl="0" eaLnBrk="1" latinLnBrk="0" hangingPunct="1">
+              <a:defRPr sz="1800" kern="1200">
+                <a:solidFill>
+                  <a:schemeClr val="tx1"/>
+                </a:solidFill>
+                <a:latin typeface="+mn-lt"/>
+                <a:ea typeface="+mn-ea"/>
+                <a:cs typeface="+mn-cs"/>
+              </a:defRPr>
+            </a:lvl7pPr>
+            <a:lvl8pPr marL="3200400" algn="l" defTabSz="457200" rtl="0" eaLnBrk="1" latinLnBrk="0" hangingPunct="1">
+              <a:defRPr sz="1800" kern="1200">
+                <a:solidFill>
+                  <a:schemeClr val="tx1"/>
+                </a:solidFill>
+                <a:latin typeface="+mn-lt"/>
+                <a:ea typeface="+mn-ea"/>
+                <a:cs typeface="+mn-cs"/>
+              </a:defRPr>
+            </a:lvl8pPr>
+            <a:lvl9pPr marL="3657600" algn="l" defTabSz="457200" rtl="0" eaLnBrk="1" latinLnBrk="0" hangingPunct="1">
+              <a:defRPr sz="1800" kern="1200">
+                <a:solidFill>
+                  <a:schemeClr val="tx1"/>
+                </a:solidFill>
+                <a:latin typeface="+mn-lt"/>
+                <a:ea typeface="+mn-ea"/>
+                <a:cs typeface="+mn-cs"/>
+              </a:defRPr>
+            </a:lvl9pPr>
+          </a:lstStyle>
+          <a:p>
+            <a:fld id="{526ADF51-C4A2-4521-899C-87F34FDB9C0A}" type="slidenum">
+              <a:rPr lang="ko-KR" altLang="en-US" smtClean="0"/>
+              <a:pPr/>
+              <a:t>32</a:t>
+            </a:fld>
+            <a:endParaRPr lang="ko-KR" altLang="en-US" dirty="0"/>
+          </a:p>
+        </p:txBody>
+      </p:sp>
+      <p:pic>
+        <p:nvPicPr>
+          <p:cNvPr id="8" name="그림 7">
+            <a:extLst>
+              <a:ext uri="{FF2B5EF4-FFF2-40B4-BE49-F238E27FC236}">
+                <a16:creationId xmlns:a16="http://schemas.microsoft.com/office/drawing/2014/main" id="{72AF3F4D-4481-45F8-BE2F-012C295856F2}"/>
+              </a:ext>
+            </a:extLst>
+          </p:cNvPr>
+          <p:cNvPicPr>
+            <a:picLocks noChangeAspect="1"/>
+          </p:cNvPicPr>
+          <p:nvPr/>
+        </p:nvPicPr>
+        <p:blipFill>
+          <a:blip r:embed="rId2"/>
+          <a:stretch>
+            <a:fillRect/>
+          </a:stretch>
+        </p:blipFill>
+        <p:spPr>
+          <a:xfrm>
+            <a:off x="0" y="1042932"/>
+            <a:ext cx="9144000" cy="4751588"/>
+          </a:xfrm>
+          <a:prstGeom prst="rect">
+            <a:avLst/>
+          </a:prstGeom>
+        </p:spPr>
+      </p:pic>
+      <p:sp>
+        <p:nvSpPr>
+          <p:cNvPr id="9" name="TextBox 8">
+            <a:extLst>
+              <a:ext uri="{FF2B5EF4-FFF2-40B4-BE49-F238E27FC236}">
+                <a16:creationId xmlns:a16="http://schemas.microsoft.com/office/drawing/2014/main" id="{5DA02F52-7618-40A7-A957-FDDB959F849F}"/>
+              </a:ext>
+            </a:extLst>
+          </p:cNvPr>
+          <p:cNvSpPr txBox="1"/>
+          <p:nvPr/>
+        </p:nvSpPr>
+        <p:spPr>
+          <a:xfrm>
+            <a:off x="5886686" y="5991138"/>
+            <a:ext cx="3220753" cy="261610"/>
+          </a:xfrm>
+          <a:prstGeom prst="rect">
+            <a:avLst/>
+          </a:prstGeom>
+          <a:noFill/>
+        </p:spPr>
+        <p:txBody>
+          <a:bodyPr wrap="none" rtlCol="0">
+            <a:spAutoFit/>
+          </a:bodyPr>
+          <a:lstStyle/>
+          <a:p>
+            <a:r>
+              <a:rPr lang="en-US" altLang="ko-KR" sz="1100" dirty="0"/>
+              <a:t>ETRI </a:t>
+            </a:r>
+            <a:r>
+              <a:rPr lang="ko-KR" altLang="en-US" sz="1100" dirty="0" err="1"/>
+              <a:t>오픈소스전문위원</a:t>
+            </a:r>
+            <a:r>
+              <a:rPr lang="ko-KR" altLang="en-US" sz="1100" dirty="0"/>
+              <a:t> 특강자료</a:t>
+            </a:r>
+            <a:r>
+              <a:rPr lang="en-US" altLang="ko-KR" sz="1100" dirty="0"/>
+              <a:t> </a:t>
+            </a:r>
+            <a:r>
+              <a:rPr lang="ko-KR" altLang="en-US" sz="1100" dirty="0"/>
+              <a:t>발췌</a:t>
+            </a:r>
+            <a:r>
+              <a:rPr lang="en-US" altLang="ko-KR" sz="1100" dirty="0"/>
+              <a:t>. 2020.11.03</a:t>
+            </a:r>
+            <a:endParaRPr lang="ko-KR" altLang="en-US" sz="1100" dirty="0"/>
+          </a:p>
+        </p:txBody>
+      </p:sp>
+    </p:spTree>
+    <p:extLst>
+      <p:ext uri="{BB962C8B-B14F-4D97-AF65-F5344CB8AC3E}">
+        <p14:creationId xmlns:p14="http://schemas.microsoft.com/office/powerpoint/2010/main" val="1357562288"/>
+      </p:ext>
+    </p:extLst>
+  </p:cSld>
+  <p:clrMapOvr>
+    <a:masterClrMapping/>
+  </p:clrMapOvr>
+</p:sld>
+</file>
+
+<file path=ppt/slides/slide33.xml><?xml version="1.0" encoding="utf-8"?>
+<p:sld xmlns:a="http://schemas.openxmlformats.org/drawingml/2006/main" xmlns:r="http://schemas.openxmlformats.org/officeDocument/2006/relationships" xmlns:p="http://schemas.openxmlformats.org/presentationml/2006/main">
+  <p:cSld>
+    <p:spTree>
+      <p:nvGrpSpPr>
+        <p:cNvPr id="1" name=""/>
+        <p:cNvGrpSpPr/>
+        <p:nvPr/>
+      </p:nvGrpSpPr>
+      <p:grpSpPr>
+        <a:xfrm>
+          <a:off x="0" y="0"/>
+          <a:ext cx="0" cy="0"/>
+          <a:chOff x="0" y="0"/>
+          <a:chExt cx="0" cy="0"/>
+        </a:xfrm>
+      </p:grpSpPr>
+      <p:sp>
+        <p:nvSpPr>
+          <p:cNvPr id="5" name="슬라이드 번호 개체 틀 4">
+            <a:extLst>
+              <a:ext uri="{FF2B5EF4-FFF2-40B4-BE49-F238E27FC236}">
+                <a16:creationId xmlns:a16="http://schemas.microsoft.com/office/drawing/2014/main" id="{F173C1D3-216A-403A-A8C8-A8FF24D1DB4D}"/>
+              </a:ext>
+            </a:extLst>
+          </p:cNvPr>
+          <p:cNvSpPr>
+            <a:spLocks noGrp="1"/>
+          </p:cNvSpPr>
+          <p:nvPr>
+            <p:ph type="sldNum" sz="quarter" idx="4294967295"/>
+          </p:nvPr>
+        </p:nvSpPr>
+        <p:spPr>
+          <a:xfrm>
+            <a:off x="6457950" y="6356351"/>
+            <a:ext cx="2057400" cy="365125"/>
+          </a:xfrm>
+          <a:prstGeom prst="rect">
+            <a:avLst/>
+          </a:prstGeom>
+        </p:spPr>
+        <p:txBody>
+          <a:bodyPr vert="horz" lIns="91440" tIns="45720" rIns="91440" bIns="45720" rtlCol="0" anchor="ctr"/>
+          <a:lstStyle>
+            <a:defPPr>
+              <a:defRPr lang="en-US"/>
+            </a:defPPr>
+            <a:lvl1pPr marL="0" algn="r" defTabSz="457200" rtl="0" eaLnBrk="1" latinLnBrk="0" hangingPunct="1">
+              <a:defRPr sz="1200" kern="1200">
+                <a:solidFill>
+                  <a:schemeClr val="bg1">
+                    <a:lumMod val="75000"/>
+                  </a:schemeClr>
+                </a:solidFill>
+                <a:latin typeface="+mn-lt"/>
+                <a:ea typeface="+mn-ea"/>
+                <a:cs typeface="+mn-cs"/>
+              </a:defRPr>
+            </a:lvl1pPr>
+            <a:lvl2pPr marL="457200" algn="l" defTabSz="457200" rtl="0" eaLnBrk="1" latinLnBrk="0" hangingPunct="1">
+              <a:defRPr sz="1800" kern="1200">
+                <a:solidFill>
+                  <a:schemeClr val="tx1"/>
+                </a:solidFill>
+                <a:latin typeface="+mn-lt"/>
+                <a:ea typeface="+mn-ea"/>
+                <a:cs typeface="+mn-cs"/>
+              </a:defRPr>
+            </a:lvl2pPr>
+            <a:lvl3pPr marL="914400" algn="l" defTabSz="457200" rtl="0" eaLnBrk="1" latinLnBrk="0" hangingPunct="1">
+              <a:defRPr sz="1800" kern="1200">
+                <a:solidFill>
+                  <a:schemeClr val="tx1"/>
+                </a:solidFill>
+                <a:latin typeface="+mn-lt"/>
+                <a:ea typeface="+mn-ea"/>
+                <a:cs typeface="+mn-cs"/>
+              </a:defRPr>
+            </a:lvl3pPr>
+            <a:lvl4pPr marL="1371600" algn="l" defTabSz="457200" rtl="0" eaLnBrk="1" latinLnBrk="0" hangingPunct="1">
+              <a:defRPr sz="1800" kern="1200">
+                <a:solidFill>
+                  <a:schemeClr val="tx1"/>
+                </a:solidFill>
+                <a:latin typeface="+mn-lt"/>
+                <a:ea typeface="+mn-ea"/>
+                <a:cs typeface="+mn-cs"/>
+              </a:defRPr>
+            </a:lvl4pPr>
+            <a:lvl5pPr marL="1828800" algn="l" defTabSz="457200" rtl="0" eaLnBrk="1" latinLnBrk="0" hangingPunct="1">
+              <a:defRPr sz="1800" kern="1200">
+                <a:solidFill>
+                  <a:schemeClr val="tx1"/>
+                </a:solidFill>
+                <a:latin typeface="+mn-lt"/>
+                <a:ea typeface="+mn-ea"/>
+                <a:cs typeface="+mn-cs"/>
+              </a:defRPr>
+            </a:lvl5pPr>
+            <a:lvl6pPr marL="2286000" algn="l" defTabSz="457200" rtl="0" eaLnBrk="1" latinLnBrk="0" hangingPunct="1">
+              <a:defRPr sz="1800" kern="1200">
+                <a:solidFill>
+                  <a:schemeClr val="tx1"/>
+                </a:solidFill>
+                <a:latin typeface="+mn-lt"/>
+                <a:ea typeface="+mn-ea"/>
+                <a:cs typeface="+mn-cs"/>
+              </a:defRPr>
+            </a:lvl6pPr>
+            <a:lvl7pPr marL="2743200" algn="l" defTabSz="457200" rtl="0" eaLnBrk="1" latinLnBrk="0" hangingPunct="1">
+              <a:defRPr sz="1800" kern="1200">
+                <a:solidFill>
+                  <a:schemeClr val="tx1"/>
+                </a:solidFill>
+                <a:latin typeface="+mn-lt"/>
+                <a:ea typeface="+mn-ea"/>
+                <a:cs typeface="+mn-cs"/>
+              </a:defRPr>
+            </a:lvl7pPr>
+            <a:lvl8pPr marL="3200400" algn="l" defTabSz="457200" rtl="0" eaLnBrk="1" latinLnBrk="0" hangingPunct="1">
+              <a:defRPr sz="1800" kern="1200">
+                <a:solidFill>
+                  <a:schemeClr val="tx1"/>
+                </a:solidFill>
+                <a:latin typeface="+mn-lt"/>
+                <a:ea typeface="+mn-ea"/>
+                <a:cs typeface="+mn-cs"/>
+              </a:defRPr>
+            </a:lvl8pPr>
+            <a:lvl9pPr marL="3657600" algn="l" defTabSz="457200" rtl="0" eaLnBrk="1" latinLnBrk="0" hangingPunct="1">
+              <a:defRPr sz="1800" kern="1200">
+                <a:solidFill>
+                  <a:schemeClr val="tx1"/>
+                </a:solidFill>
+                <a:latin typeface="+mn-lt"/>
+                <a:ea typeface="+mn-ea"/>
+                <a:cs typeface="+mn-cs"/>
+              </a:defRPr>
+            </a:lvl9pPr>
+          </a:lstStyle>
+          <a:p>
+            <a:fld id="{526ADF51-C4A2-4521-899C-87F34FDB9C0A}" type="slidenum">
+              <a:rPr lang="ko-KR" altLang="en-US" smtClean="0"/>
+              <a:pPr/>
+              <a:t>33</a:t>
+            </a:fld>
+            <a:endParaRPr lang="ko-KR" altLang="en-US" dirty="0"/>
+          </a:p>
+        </p:txBody>
+      </p:sp>
+      <p:pic>
+        <p:nvPicPr>
+          <p:cNvPr id="3" name="그림 2">
+            <a:extLst>
+              <a:ext uri="{FF2B5EF4-FFF2-40B4-BE49-F238E27FC236}">
+                <a16:creationId xmlns:a16="http://schemas.microsoft.com/office/drawing/2014/main" id="{C48AED3C-C908-4B19-A858-55CB43AF6882}"/>
+              </a:ext>
+            </a:extLst>
+          </p:cNvPr>
+          <p:cNvPicPr>
+            <a:picLocks noChangeAspect="1"/>
+          </p:cNvPicPr>
+          <p:nvPr/>
+        </p:nvPicPr>
+        <p:blipFill>
+          <a:blip r:embed="rId2"/>
+          <a:stretch>
+            <a:fillRect/>
+          </a:stretch>
+        </p:blipFill>
+        <p:spPr>
+          <a:xfrm>
+            <a:off x="0" y="1037268"/>
+            <a:ext cx="9144000" cy="4783464"/>
+          </a:xfrm>
+          <a:prstGeom prst="rect">
+            <a:avLst/>
+          </a:prstGeom>
+        </p:spPr>
+      </p:pic>
+      <p:sp>
+        <p:nvSpPr>
+          <p:cNvPr id="4" name="TextBox 3">
+            <a:extLst>
+              <a:ext uri="{FF2B5EF4-FFF2-40B4-BE49-F238E27FC236}">
+                <a16:creationId xmlns:a16="http://schemas.microsoft.com/office/drawing/2014/main" id="{540EF42A-5194-45BA-BA9E-6C4730B12D0C}"/>
+              </a:ext>
+            </a:extLst>
+          </p:cNvPr>
+          <p:cNvSpPr txBox="1"/>
+          <p:nvPr/>
+        </p:nvSpPr>
+        <p:spPr>
+          <a:xfrm>
+            <a:off x="5886686" y="5991138"/>
+            <a:ext cx="3220753" cy="261610"/>
+          </a:xfrm>
+          <a:prstGeom prst="rect">
+            <a:avLst/>
+          </a:prstGeom>
+          <a:noFill/>
+        </p:spPr>
+        <p:txBody>
+          <a:bodyPr wrap="none" rtlCol="0">
+            <a:spAutoFit/>
+          </a:bodyPr>
+          <a:lstStyle/>
+          <a:p>
+            <a:r>
+              <a:rPr lang="en-US" altLang="ko-KR" sz="1100" dirty="0"/>
+              <a:t>ETRI </a:t>
+            </a:r>
+            <a:r>
+              <a:rPr lang="ko-KR" altLang="en-US" sz="1100" dirty="0" err="1"/>
+              <a:t>오픈소스전문위원</a:t>
+            </a:r>
+            <a:r>
+              <a:rPr lang="ko-KR" altLang="en-US" sz="1100" dirty="0"/>
+              <a:t> 특강자료</a:t>
+            </a:r>
+            <a:r>
+              <a:rPr lang="en-US" altLang="ko-KR" sz="1100" dirty="0"/>
+              <a:t> </a:t>
+            </a:r>
+            <a:r>
+              <a:rPr lang="ko-KR" altLang="en-US" sz="1100" dirty="0"/>
+              <a:t>발췌</a:t>
+            </a:r>
+            <a:r>
+              <a:rPr lang="en-US" altLang="ko-KR" sz="1100" dirty="0"/>
+              <a:t>. 2020.11.03</a:t>
+            </a:r>
+            <a:endParaRPr lang="ko-KR" altLang="en-US" sz="1100" dirty="0"/>
+          </a:p>
+        </p:txBody>
+      </p:sp>
+    </p:spTree>
+    <p:extLst>
+      <p:ext uri="{BB962C8B-B14F-4D97-AF65-F5344CB8AC3E}">
+        <p14:creationId xmlns:p14="http://schemas.microsoft.com/office/powerpoint/2010/main" val="2165817701"/>
+      </p:ext>
+    </p:extLst>
+  </p:cSld>
+  <p:clrMapOvr>
+    <a:masterClrMapping/>
+  </p:clrMapOvr>
+</p:sld>
+</file>
+
+<file path=ppt/slides/slide34.xml><?xml version="1.0" encoding="utf-8"?>
+<p:sld xmlns:a="http://schemas.openxmlformats.org/drawingml/2006/main" xmlns:r="http://schemas.openxmlformats.org/officeDocument/2006/relationships" xmlns:p="http://schemas.openxmlformats.org/presentationml/2006/main">
+  <p:cSld>
+    <p:spTree>
+      <p:nvGrpSpPr>
+        <p:cNvPr id="1" name=""/>
+        <p:cNvGrpSpPr/>
+        <p:nvPr/>
+      </p:nvGrpSpPr>
+      <p:grpSpPr>
+        <a:xfrm>
+          <a:off x="0" y="0"/>
+          <a:ext cx="0" cy="0"/>
+          <a:chOff x="0" y="0"/>
+          <a:chExt cx="0" cy="0"/>
+        </a:xfrm>
+      </p:grpSpPr>
+      <p:sp>
+        <p:nvSpPr>
+          <p:cNvPr id="4" name="제목 3">
+            <a:extLst>
+              <a:ext uri="{FF2B5EF4-FFF2-40B4-BE49-F238E27FC236}">
+                <a16:creationId xmlns:a16="http://schemas.microsoft.com/office/drawing/2014/main" id="{F0CEB32B-CB43-4410-BA08-A97E4BC47FCB}"/>
+              </a:ext>
+            </a:extLst>
+          </p:cNvPr>
+          <p:cNvSpPr>
+            <a:spLocks noGrp="1"/>
+          </p:cNvSpPr>
+          <p:nvPr>
+            <p:ph type="title"/>
+          </p:nvPr>
+        </p:nvSpPr>
+        <p:spPr/>
+        <p:txBody>
+          <a:bodyPr/>
+          <a:lstStyle/>
+          <a:p>
+            <a:r>
+              <a:rPr lang="ko-KR" altLang="en-US" dirty="0"/>
+              <a:t>이슈관리하기</a:t>
+            </a:r>
+          </a:p>
+        </p:txBody>
+      </p:sp>
+      <p:sp>
+        <p:nvSpPr>
+          <p:cNvPr id="7" name="내용 개체 틀 2">
+            <a:extLst>
+              <a:ext uri="{FF2B5EF4-FFF2-40B4-BE49-F238E27FC236}">
+                <a16:creationId xmlns:a16="http://schemas.microsoft.com/office/drawing/2014/main" id="{A44AC902-3746-40D6-9827-94B46EEDDC67}"/>
+              </a:ext>
+            </a:extLst>
+          </p:cNvPr>
+          <p:cNvSpPr txBox="1">
+            <a:spLocks/>
+          </p:cNvSpPr>
+          <p:nvPr/>
+        </p:nvSpPr>
+        <p:spPr>
+          <a:xfrm>
+            <a:off x="341787" y="1120545"/>
+            <a:ext cx="8642350" cy="2351314"/>
+          </a:xfrm>
+          <a:prstGeom prst="rect">
+            <a:avLst/>
+          </a:prstGeom>
+        </p:spPr>
+        <p:txBody>
+          <a:bodyPr vert="horz" lIns="91440" tIns="45720" rIns="91440" bIns="45720" rtlCol="0">
+            <a:noAutofit/>
+          </a:bodyPr>
+          <a:lstStyle>
+            <a:lvl1pPr marL="266700" indent="-266700" defTabSz="914400" latinLnBrk="1">
+              <a:lnSpc>
+                <a:spcPct val="150000"/>
+              </a:lnSpc>
+              <a:spcBef>
+                <a:spcPct val="0"/>
+              </a:spcBef>
+              <a:buClr>
+                <a:schemeClr val="tx1">
+                  <a:lumMod val="65000"/>
+                  <a:lumOff val="35000"/>
+                </a:schemeClr>
+              </a:buClr>
+              <a:buFont typeface="Wingdings" pitchFamily="2" charset="2"/>
+              <a:buChar char="n"/>
+              <a:defRPr sz="2000" b="1">
+                <a:latin typeface="+mn-ea"/>
+              </a:defRPr>
+            </a:lvl1pPr>
+            <a:lvl2pPr marL="447675" lvl="1" indent="-180975" defTabSz="914400" latinLnBrk="1">
+              <a:lnSpc>
+                <a:spcPct val="150000"/>
+              </a:lnSpc>
+              <a:spcBef>
+                <a:spcPts val="0"/>
+              </a:spcBef>
+              <a:spcAft>
+                <a:spcPts val="0"/>
+              </a:spcAft>
+              <a:buClr>
+                <a:schemeClr val="tx1">
+                  <a:lumMod val="50000"/>
+                  <a:lumOff val="50000"/>
+                </a:schemeClr>
+              </a:buClr>
+              <a:buFont typeface="Wingdings" pitchFamily="2" charset="2"/>
+              <a:buChar char="§"/>
+              <a:defRPr sz="1600"/>
+            </a:lvl2pPr>
+            <a:lvl3pPr marL="628650" indent="-180975" defTabSz="914400" latinLnBrk="1">
+              <a:lnSpc>
+                <a:spcPct val="150000"/>
+              </a:lnSpc>
+              <a:spcBef>
+                <a:spcPts val="500"/>
+              </a:spcBef>
+              <a:spcAft>
+                <a:spcPts val="300"/>
+              </a:spcAft>
+              <a:buClr>
+                <a:schemeClr val="tx1">
+                  <a:lumMod val="65000"/>
+                  <a:lumOff val="35000"/>
+                </a:schemeClr>
+              </a:buClr>
+              <a:buFont typeface="Arial" panose="020B0604020202020204" pitchFamily="34" charset="0"/>
+              <a:buChar char="•"/>
+              <a:defRPr sz="1400"/>
+            </a:lvl3pPr>
+            <a:lvl4pPr marL="809625" indent="-180975" defTabSz="914400" latinLnBrk="1">
+              <a:lnSpc>
+                <a:spcPct val="150000"/>
+              </a:lnSpc>
+              <a:spcBef>
+                <a:spcPts val="500"/>
+              </a:spcBef>
+              <a:spcAft>
+                <a:spcPts val="300"/>
+              </a:spcAft>
+              <a:buClr>
+                <a:schemeClr val="tx1">
+                  <a:lumMod val="65000"/>
+                  <a:lumOff val="35000"/>
+                </a:schemeClr>
+              </a:buClr>
+              <a:buSzPct val="96000"/>
+              <a:buFont typeface="Arial" panose="020B0604020202020204" pitchFamily="34" charset="0"/>
+              <a:buChar char="•"/>
+              <a:defRPr sz="1200"/>
+            </a:lvl4pPr>
+            <a:lvl5pPr marL="990600" indent="-180975" defTabSz="914400" latinLnBrk="1">
+              <a:lnSpc>
+                <a:spcPct val="150000"/>
+              </a:lnSpc>
+              <a:spcBef>
+                <a:spcPts val="500"/>
+              </a:spcBef>
+              <a:buClr>
+                <a:schemeClr val="tx1">
+                  <a:lumMod val="65000"/>
+                  <a:lumOff val="35000"/>
+                </a:schemeClr>
+              </a:buClr>
+              <a:buFont typeface="Arial" panose="020B0604020202020204" pitchFamily="34" charset="0"/>
+              <a:buChar char="•"/>
+              <a:defRPr sz="1000"/>
+            </a:lvl5pPr>
+            <a:lvl6pPr marL="2514600" indent="-228600" defTabSz="914400" latinLnBrk="1">
+              <a:lnSpc>
+                <a:spcPct val="90000"/>
+              </a:lnSpc>
+              <a:spcBef>
+                <a:spcPts val="500"/>
+              </a:spcBef>
+              <a:buFont typeface="Arial" panose="020B0604020202020204" pitchFamily="34" charset="0"/>
+              <a:buChar char="•"/>
+            </a:lvl6pPr>
+            <a:lvl7pPr marL="2971800" indent="-228600" defTabSz="914400" latinLnBrk="1">
+              <a:lnSpc>
+                <a:spcPct val="90000"/>
+              </a:lnSpc>
+              <a:spcBef>
+                <a:spcPts val="500"/>
+              </a:spcBef>
+              <a:buFont typeface="Arial" panose="020B0604020202020204" pitchFamily="34" charset="0"/>
+              <a:buChar char="•"/>
+            </a:lvl7pPr>
+            <a:lvl8pPr marL="3429000" indent="-228600" defTabSz="914400" latinLnBrk="1">
+              <a:lnSpc>
+                <a:spcPct val="90000"/>
+              </a:lnSpc>
+              <a:spcBef>
+                <a:spcPts val="500"/>
+              </a:spcBef>
+              <a:buFont typeface="Arial" panose="020B0604020202020204" pitchFamily="34" charset="0"/>
+              <a:buChar char="•"/>
+            </a:lvl8pPr>
+            <a:lvl9pPr marL="3886200" indent="-228600" defTabSz="914400" latinLnBrk="1">
+              <a:lnSpc>
+                <a:spcPct val="90000"/>
+              </a:lnSpc>
+              <a:spcBef>
+                <a:spcPts val="500"/>
+              </a:spcBef>
+              <a:buFont typeface="Arial" panose="020B0604020202020204" pitchFamily="34" charset="0"/>
+              <a:buChar char="•"/>
+            </a:lvl9pPr>
+          </a:lstStyle>
+          <a:p>
+            <a:r>
+              <a:rPr lang="ko-KR" altLang="en-US" dirty="0"/>
+              <a:t>이슈생성</a:t>
+            </a:r>
+            <a:endParaRPr lang="en-US" altLang="ko-KR" dirty="0"/>
+          </a:p>
+          <a:p>
+            <a:r>
+              <a:rPr lang="en-US" altLang="ko-KR" dirty="0"/>
+              <a:t>Assignee</a:t>
+            </a:r>
+            <a:r>
+              <a:rPr lang="ko-KR" altLang="en-US" dirty="0"/>
+              <a:t> 설정 참여자 모두 설정 </a:t>
+            </a:r>
+            <a:r>
+              <a:rPr lang="en-US" altLang="ko-KR" dirty="0"/>
+              <a:t>(</a:t>
+            </a:r>
+            <a:r>
+              <a:rPr lang="ko-KR" altLang="en-US" dirty="0"/>
+              <a:t>오른쪽 위치</a:t>
+            </a:r>
+            <a:r>
+              <a:rPr lang="en-US" altLang="ko-KR" dirty="0"/>
+              <a:t>)</a:t>
+            </a:r>
+          </a:p>
+          <a:p>
+            <a:r>
+              <a:rPr lang="ko-KR" altLang="en-US" dirty="0"/>
+              <a:t>모두에게 메일이 감</a:t>
+            </a:r>
+            <a:endParaRPr lang="en-US" altLang="ko-KR" dirty="0"/>
+          </a:p>
+          <a:p>
+            <a:r>
+              <a:rPr lang="en-US" altLang="ko-KR" dirty="0"/>
+              <a:t>Lock conversation</a:t>
+            </a:r>
+            <a:r>
+              <a:rPr lang="ko-KR" altLang="en-US" dirty="0"/>
+              <a:t>을 하지 않으면 누구나 쓰고 읽을 수 있음</a:t>
+            </a:r>
+            <a:r>
+              <a:rPr lang="en-US" altLang="ko-KR" dirty="0"/>
+              <a:t>.</a:t>
+            </a:r>
+          </a:p>
+          <a:p>
+            <a:pPr marL="0" indent="0">
+              <a:buNone/>
+            </a:pPr>
+            <a:r>
+              <a:rPr lang="en-US" altLang="ko-KR" dirty="0"/>
+              <a:t>    </a:t>
+            </a:r>
+            <a:r>
+              <a:rPr lang="ko-KR" altLang="en-US" dirty="0"/>
+              <a:t>따라서 팀원들만 하도록 </a:t>
+            </a:r>
+            <a:r>
+              <a:rPr lang="ko-KR" altLang="en-US"/>
+              <a:t>할 수 있게 </a:t>
+            </a:r>
+            <a:r>
+              <a:rPr lang="en-US" altLang="ko-KR" dirty="0"/>
+              <a:t>lock conversation </a:t>
+            </a:r>
+            <a:r>
+              <a:rPr lang="ko-KR" altLang="en-US" dirty="0"/>
+              <a:t>설정 필요</a:t>
+            </a:r>
+            <a:endParaRPr lang="en-US" altLang="ko-KR" dirty="0"/>
+          </a:p>
+        </p:txBody>
+      </p:sp>
+    </p:spTree>
+    <p:extLst>
+      <p:ext uri="{BB962C8B-B14F-4D97-AF65-F5344CB8AC3E}">
+        <p14:creationId xmlns:p14="http://schemas.microsoft.com/office/powerpoint/2010/main" val="2825925197"/>
       </p:ext>
     </p:extLst>
   </p:cSld>

--- a/git및github첫걸음6-정리중.pptx
+++ b/git및github첫걸음6-정리중.pptx
@@ -5,7 +5,7 @@
     <p:sldMasterId id="2147483660" r:id="rId1"/>
   </p:sldMasterIdLst>
   <p:notesMasterIdLst>
-    <p:notesMasterId r:id="rId36"/>
+    <p:notesMasterId r:id="rId37"/>
   </p:notesMasterIdLst>
   <p:sldIdLst>
     <p:sldId id="369" r:id="rId2"/>
@@ -42,6 +42,7 @@
     <p:sldId id="474" r:id="rId33"/>
     <p:sldId id="475" r:id="rId34"/>
     <p:sldId id="476" r:id="rId35"/>
+    <p:sldId id="477" r:id="rId36"/>
   </p:sldIdLst>
   <p:sldSz cx="9144000" cy="6858000" type="screen4x3"/>
   <p:notesSz cx="6858000" cy="9144000"/>
@@ -241,7 +242,7 @@
           <a:p>
             <a:fld id="{A17B9194-BDE3-40E3-983E-94CE6FA773AF}" type="datetimeFigureOut">
               <a:rPr lang="ko-KR" altLang="en-US" smtClean="0"/>
-              <a:t>2021-04-11</a:t>
+              <a:t>2021-04-12</a:t>
             </a:fld>
             <a:endParaRPr lang="ko-KR" altLang="en-US"/>
           </a:p>
@@ -1768,6 +1769,90 @@
 </p:notes>
 </file>
 
+<file path=ppt/notesSlides/notesSlide23.xml><?xml version="1.0" encoding="utf-8"?>
+<p:notes xmlns:a="http://schemas.openxmlformats.org/drawingml/2006/main" xmlns:r="http://schemas.openxmlformats.org/officeDocument/2006/relationships" xmlns:p="http://schemas.openxmlformats.org/presentationml/2006/main">
+  <p:cSld>
+    <p:spTree>
+      <p:nvGrpSpPr>
+        <p:cNvPr id="1" name=""/>
+        <p:cNvGrpSpPr/>
+        <p:nvPr/>
+      </p:nvGrpSpPr>
+      <p:grpSpPr>
+        <a:xfrm>
+          <a:off x="0" y="0"/>
+          <a:ext cx="0" cy="0"/>
+          <a:chOff x="0" y="0"/>
+          <a:chExt cx="0" cy="0"/>
+        </a:xfrm>
+      </p:grpSpPr>
+      <p:sp>
+        <p:nvSpPr>
+          <p:cNvPr id="2" name="슬라이드 이미지 개체 틀 1"/>
+          <p:cNvSpPr>
+            <a:spLocks noGrp="1" noRot="1" noChangeAspect="1"/>
+          </p:cNvSpPr>
+          <p:nvPr>
+            <p:ph type="sldImg"/>
+          </p:nvPr>
+        </p:nvSpPr>
+        <p:spPr/>
+      </p:sp>
+      <p:sp>
+        <p:nvSpPr>
+          <p:cNvPr id="3" name="슬라이드 노트 개체 틀 2"/>
+          <p:cNvSpPr>
+            <a:spLocks noGrp="1"/>
+          </p:cNvSpPr>
+          <p:nvPr>
+            <p:ph type="body" idx="1"/>
+          </p:nvPr>
+        </p:nvSpPr>
+        <p:spPr/>
+        <p:txBody>
+          <a:bodyPr/>
+          <a:lstStyle/>
+          <a:p>
+            <a:endParaRPr lang="ko-KR" altLang="en-US" dirty="0"/>
+          </a:p>
+        </p:txBody>
+      </p:sp>
+      <p:sp>
+        <p:nvSpPr>
+          <p:cNvPr id="4" name="슬라이드 번호 개체 틀 3"/>
+          <p:cNvSpPr>
+            <a:spLocks noGrp="1"/>
+          </p:cNvSpPr>
+          <p:nvPr>
+            <p:ph type="sldNum" sz="quarter" idx="10"/>
+          </p:nvPr>
+        </p:nvSpPr>
+        <p:spPr/>
+        <p:txBody>
+          <a:bodyPr/>
+          <a:lstStyle/>
+          <a:p>
+            <a:fld id="{625D4AC4-540A-4436-887D-BF6A8FCF1275}" type="slidenum">
+              <a:rPr lang="ko-KR" altLang="en-US" smtClean="0"/>
+              <a:t>35</a:t>
+            </a:fld>
+            <a:endParaRPr lang="ko-KR" altLang="en-US"/>
+          </a:p>
+        </p:txBody>
+      </p:sp>
+    </p:spTree>
+    <p:extLst>
+      <p:ext uri="{BB962C8B-B14F-4D97-AF65-F5344CB8AC3E}">
+        <p14:creationId xmlns:p14="http://schemas.microsoft.com/office/powerpoint/2010/main" val="2065663126"/>
+      </p:ext>
+    </p:extLst>
+  </p:cSld>
+  <p:clrMapOvr>
+    <a:masterClrMapping/>
+  </p:clrMapOvr>
+</p:notes>
+</file>
+
 <file path=ppt/notesSlides/notesSlide3.xml><?xml version="1.0" encoding="utf-8"?>
 <p:notes xmlns:a="http://schemas.openxmlformats.org/drawingml/2006/main" xmlns:r="http://schemas.openxmlformats.org/officeDocument/2006/relationships" xmlns:p="http://schemas.openxmlformats.org/presentationml/2006/main">
   <p:cSld>
@@ -2919,7 +3004,7 @@
           <a:p>
             <a:fld id="{30E72A5D-AC2D-4154-80BD-D3C3745E4EB5}" type="datetimeFigureOut">
               <a:rPr lang="ko-KR" altLang="en-US" smtClean="0"/>
-              <a:t>2021-04-11</a:t>
+              <a:t>2021-04-12</a:t>
             </a:fld>
             <a:endParaRPr lang="ko-KR" altLang="en-US"/>
           </a:p>
@@ -3132,7 +3217,7 @@
           <a:p>
             <a:fld id="{30E72A5D-AC2D-4154-80BD-D3C3745E4EB5}" type="datetimeFigureOut">
               <a:rPr lang="ko-KR" altLang="en-US" smtClean="0"/>
-              <a:t>2021-04-11</a:t>
+              <a:t>2021-04-12</a:t>
             </a:fld>
             <a:endParaRPr lang="ko-KR" altLang="en-US"/>
           </a:p>
@@ -18254,6 +18339,270 @@
     <p:extLst>
       <p:ext uri="{BB962C8B-B14F-4D97-AF65-F5344CB8AC3E}">
         <p14:creationId xmlns:p14="http://schemas.microsoft.com/office/powerpoint/2010/main" val="2825925197"/>
+      </p:ext>
+    </p:extLst>
+  </p:cSld>
+  <p:clrMapOvr>
+    <a:masterClrMapping/>
+  </p:clrMapOvr>
+</p:sld>
+</file>
+
+<file path=ppt/slides/slide35.xml><?xml version="1.0" encoding="utf-8"?>
+<p:sld xmlns:a="http://schemas.openxmlformats.org/drawingml/2006/main" xmlns:r="http://schemas.openxmlformats.org/officeDocument/2006/relationships" xmlns:p="http://schemas.openxmlformats.org/presentationml/2006/main">
+  <p:cSld>
+    <p:spTree>
+      <p:nvGrpSpPr>
+        <p:cNvPr id="1" name=""/>
+        <p:cNvGrpSpPr/>
+        <p:nvPr/>
+      </p:nvGrpSpPr>
+      <p:grpSpPr>
+        <a:xfrm>
+          <a:off x="0" y="0"/>
+          <a:ext cx="0" cy="0"/>
+          <a:chOff x="0" y="0"/>
+          <a:chExt cx="0" cy="0"/>
+        </a:xfrm>
+      </p:grpSpPr>
+      <p:sp>
+        <p:nvSpPr>
+          <p:cNvPr id="4" name="제목 3">
+            <a:extLst>
+              <a:ext uri="{FF2B5EF4-FFF2-40B4-BE49-F238E27FC236}">
+                <a16:creationId xmlns:a16="http://schemas.microsoft.com/office/drawing/2014/main" id="{F0CEB32B-CB43-4410-BA08-A97E4BC47FCB}"/>
+              </a:ext>
+            </a:extLst>
+          </p:cNvPr>
+          <p:cNvSpPr>
+            <a:spLocks noGrp="1"/>
+          </p:cNvSpPr>
+          <p:nvPr>
+            <p:ph type="title"/>
+          </p:nvPr>
+        </p:nvSpPr>
+        <p:spPr/>
+        <p:txBody>
+          <a:bodyPr/>
+          <a:lstStyle/>
+          <a:p>
+            <a:r>
+              <a:rPr lang="ko-KR" altLang="en-US" dirty="0"/>
+              <a:t>원격저장소간 자동 </a:t>
+            </a:r>
+            <a:r>
+              <a:rPr lang="en-US" altLang="ko-KR" dirty="0"/>
+              <a:t>notification</a:t>
+            </a:r>
+            <a:endParaRPr lang="ko-KR" altLang="en-US" dirty="0"/>
+          </a:p>
+        </p:txBody>
+      </p:sp>
+      <p:sp>
+        <p:nvSpPr>
+          <p:cNvPr id="7" name="내용 개체 틀 2">
+            <a:extLst>
+              <a:ext uri="{FF2B5EF4-FFF2-40B4-BE49-F238E27FC236}">
+                <a16:creationId xmlns:a16="http://schemas.microsoft.com/office/drawing/2014/main" id="{A44AC902-3746-40D6-9827-94B46EEDDC67}"/>
+              </a:ext>
+            </a:extLst>
+          </p:cNvPr>
+          <p:cNvSpPr txBox="1">
+            <a:spLocks/>
+          </p:cNvSpPr>
+          <p:nvPr/>
+        </p:nvSpPr>
+        <p:spPr>
+          <a:xfrm>
+            <a:off x="341787" y="1120545"/>
+            <a:ext cx="8642350" cy="2351314"/>
+          </a:xfrm>
+          <a:prstGeom prst="rect">
+            <a:avLst/>
+          </a:prstGeom>
+        </p:spPr>
+        <p:txBody>
+          <a:bodyPr vert="horz" lIns="91440" tIns="45720" rIns="91440" bIns="45720" rtlCol="0">
+            <a:noAutofit/>
+          </a:bodyPr>
+          <a:lstStyle>
+            <a:lvl1pPr marL="266700" indent="-266700" defTabSz="914400" latinLnBrk="1">
+              <a:lnSpc>
+                <a:spcPct val="150000"/>
+              </a:lnSpc>
+              <a:spcBef>
+                <a:spcPct val="0"/>
+              </a:spcBef>
+              <a:buClr>
+                <a:schemeClr val="tx1">
+                  <a:lumMod val="65000"/>
+                  <a:lumOff val="35000"/>
+                </a:schemeClr>
+              </a:buClr>
+              <a:buFont typeface="Wingdings" pitchFamily="2" charset="2"/>
+              <a:buChar char="n"/>
+              <a:defRPr sz="2000" b="1">
+                <a:latin typeface="+mn-ea"/>
+              </a:defRPr>
+            </a:lvl1pPr>
+            <a:lvl2pPr marL="447675" lvl="1" indent="-180975" defTabSz="914400" latinLnBrk="1">
+              <a:lnSpc>
+                <a:spcPct val="150000"/>
+              </a:lnSpc>
+              <a:spcBef>
+                <a:spcPts val="0"/>
+              </a:spcBef>
+              <a:spcAft>
+                <a:spcPts val="0"/>
+              </a:spcAft>
+              <a:buClr>
+                <a:schemeClr val="tx1">
+                  <a:lumMod val="50000"/>
+                  <a:lumOff val="50000"/>
+                </a:schemeClr>
+              </a:buClr>
+              <a:buFont typeface="Wingdings" pitchFamily="2" charset="2"/>
+              <a:buChar char="§"/>
+              <a:defRPr sz="1600"/>
+            </a:lvl2pPr>
+            <a:lvl3pPr marL="628650" indent="-180975" defTabSz="914400" latinLnBrk="1">
+              <a:lnSpc>
+                <a:spcPct val="150000"/>
+              </a:lnSpc>
+              <a:spcBef>
+                <a:spcPts val="500"/>
+              </a:spcBef>
+              <a:spcAft>
+                <a:spcPts val="300"/>
+              </a:spcAft>
+              <a:buClr>
+                <a:schemeClr val="tx1">
+                  <a:lumMod val="65000"/>
+                  <a:lumOff val="35000"/>
+                </a:schemeClr>
+              </a:buClr>
+              <a:buFont typeface="Arial" panose="020B0604020202020204" pitchFamily="34" charset="0"/>
+              <a:buChar char="•"/>
+              <a:defRPr sz="1400"/>
+            </a:lvl3pPr>
+            <a:lvl4pPr marL="809625" indent="-180975" defTabSz="914400" latinLnBrk="1">
+              <a:lnSpc>
+                <a:spcPct val="150000"/>
+              </a:lnSpc>
+              <a:spcBef>
+                <a:spcPts val="500"/>
+              </a:spcBef>
+              <a:spcAft>
+                <a:spcPts val="300"/>
+              </a:spcAft>
+              <a:buClr>
+                <a:schemeClr val="tx1">
+                  <a:lumMod val="65000"/>
+                  <a:lumOff val="35000"/>
+                </a:schemeClr>
+              </a:buClr>
+              <a:buSzPct val="96000"/>
+              <a:buFont typeface="Arial" panose="020B0604020202020204" pitchFamily="34" charset="0"/>
+              <a:buChar char="•"/>
+              <a:defRPr sz="1200"/>
+            </a:lvl4pPr>
+            <a:lvl5pPr marL="990600" indent="-180975" defTabSz="914400" latinLnBrk="1">
+              <a:lnSpc>
+                <a:spcPct val="150000"/>
+              </a:lnSpc>
+              <a:spcBef>
+                <a:spcPts val="500"/>
+              </a:spcBef>
+              <a:buClr>
+                <a:schemeClr val="tx1">
+                  <a:lumMod val="65000"/>
+                  <a:lumOff val="35000"/>
+                </a:schemeClr>
+              </a:buClr>
+              <a:buFont typeface="Arial" panose="020B0604020202020204" pitchFamily="34" charset="0"/>
+              <a:buChar char="•"/>
+              <a:defRPr sz="1000"/>
+            </a:lvl5pPr>
+            <a:lvl6pPr marL="2514600" indent="-228600" defTabSz="914400" latinLnBrk="1">
+              <a:lnSpc>
+                <a:spcPct val="90000"/>
+              </a:lnSpc>
+              <a:spcBef>
+                <a:spcPts val="500"/>
+              </a:spcBef>
+              <a:buFont typeface="Arial" panose="020B0604020202020204" pitchFamily="34" charset="0"/>
+              <a:buChar char="•"/>
+            </a:lvl6pPr>
+            <a:lvl7pPr marL="2971800" indent="-228600" defTabSz="914400" latinLnBrk="1">
+              <a:lnSpc>
+                <a:spcPct val="90000"/>
+              </a:lnSpc>
+              <a:spcBef>
+                <a:spcPts val="500"/>
+              </a:spcBef>
+              <a:buFont typeface="Arial" panose="020B0604020202020204" pitchFamily="34" charset="0"/>
+              <a:buChar char="•"/>
+            </a:lvl7pPr>
+            <a:lvl8pPr marL="3429000" indent="-228600" defTabSz="914400" latinLnBrk="1">
+              <a:lnSpc>
+                <a:spcPct val="90000"/>
+              </a:lnSpc>
+              <a:spcBef>
+                <a:spcPts val="500"/>
+              </a:spcBef>
+              <a:buFont typeface="Arial" panose="020B0604020202020204" pitchFamily="34" charset="0"/>
+              <a:buChar char="•"/>
+            </a:lvl8pPr>
+            <a:lvl9pPr marL="3886200" indent="-228600" defTabSz="914400" latinLnBrk="1">
+              <a:lnSpc>
+                <a:spcPct val="90000"/>
+              </a:lnSpc>
+              <a:spcBef>
+                <a:spcPts val="500"/>
+              </a:spcBef>
+              <a:buFont typeface="Arial" panose="020B0604020202020204" pitchFamily="34" charset="0"/>
+              <a:buChar char="•"/>
+            </a:lvl9pPr>
+          </a:lstStyle>
+          <a:p>
+            <a:r>
+              <a:rPr lang="en-US" altLang="ko-KR" dirty="0"/>
+              <a:t>Upstream</a:t>
+            </a:r>
+            <a:r>
+              <a:rPr lang="ko-KR" altLang="en-US" dirty="0"/>
+              <a:t>에서 </a:t>
+            </a:r>
+            <a:r>
+              <a:rPr lang="en-US" altLang="ko-KR" dirty="0"/>
+              <a:t>origin</a:t>
+            </a:r>
+            <a:r>
+              <a:rPr lang="ko-KR" altLang="en-US" dirty="0"/>
+              <a:t>으로 변경사항을 자동으로 알려주나</a:t>
+            </a:r>
+            <a:r>
+              <a:rPr lang="en-US" altLang="ko-KR" dirty="0"/>
+              <a:t>?</a:t>
+            </a:r>
+          </a:p>
+          <a:p>
+            <a:r>
+              <a:rPr lang="ko-KR" altLang="en-US" dirty="0"/>
+              <a:t>알려주면 어떻게 알려주나</a:t>
+            </a:r>
+            <a:r>
+              <a:rPr lang="en-US" altLang="ko-KR"/>
+              <a:t>?</a:t>
+            </a:r>
+            <a:endParaRPr lang="en-US" altLang="ko-KR" dirty="0"/>
+          </a:p>
+        </p:txBody>
+      </p:sp>
+    </p:spTree>
+    <p:extLst>
+      <p:ext uri="{BB962C8B-B14F-4D97-AF65-F5344CB8AC3E}">
+        <p14:creationId xmlns:p14="http://schemas.microsoft.com/office/powerpoint/2010/main" val="908957425"/>
       </p:ext>
     </p:extLst>
   </p:cSld>

--- a/git및github첫걸음6-정리중.pptx
+++ b/git및github첫걸음6-정리중.pptx
@@ -18592,10 +18592,9 @@
               <a:t>알려주면 어떻게 알려주나</a:t>
             </a:r>
             <a:r>
-              <a:rPr lang="en-US" altLang="ko-KR"/>
+              <a:rPr lang="en-US" altLang="ko-KR" dirty="0"/>
               <a:t>?</a:t>
             </a:r>
-            <a:endParaRPr lang="en-US" altLang="ko-KR" dirty="0"/>
           </a:p>
         </p:txBody>
       </p:sp>

--- a/git및github첫걸음6-정리중.pptx
+++ b/git및github첫걸음6-정리중.pptx
@@ -246,7 +246,7 @@
           <a:p>
             <a:fld id="{A17B9194-BDE3-40E3-983E-94CE6FA773AF}" type="datetimeFigureOut">
               <a:rPr lang="ko-KR" altLang="en-US" smtClean="0"/>
-              <a:t>2021-04-13</a:t>
+              <a:t>2021-05-04</a:t>
             </a:fld>
             <a:endParaRPr lang="ko-KR" altLang="en-US"/>
           </a:p>
@@ -3008,7 +3008,7 @@
           <a:p>
             <a:fld id="{30E72A5D-AC2D-4154-80BD-D3C3745E4EB5}" type="datetimeFigureOut">
               <a:rPr lang="ko-KR" altLang="en-US" smtClean="0"/>
-              <a:t>2021-04-13</a:t>
+              <a:t>2021-05-04</a:t>
             </a:fld>
             <a:endParaRPr lang="ko-KR" altLang="en-US"/>
           </a:p>
@@ -3221,7 +3221,7 @@
           <a:p>
             <a:fld id="{30E72A5D-AC2D-4154-80BD-D3C3745E4EB5}" type="datetimeFigureOut">
               <a:rPr lang="ko-KR" altLang="en-US" smtClean="0"/>
-              <a:t>2021-04-13</a:t>
+              <a:t>2021-05-04</a:t>
             </a:fld>
             <a:endParaRPr lang="ko-KR" altLang="en-US"/>
           </a:p>
@@ -20626,8 +20626,8 @@
         </p:nvSpPr>
         <p:spPr>
           <a:xfrm>
-            <a:off x="341787" y="1120545"/>
-            <a:ext cx="8642350" cy="2351314"/>
+            <a:off x="341787" y="1120544"/>
+            <a:ext cx="8642350" cy="3193547"/>
           </a:xfrm>
           <a:prstGeom prst="rect">
             <a:avLst/>
@@ -20805,6 +20805,238 @@
             </a:r>
             <a:r>
               <a:rPr lang="en-US" altLang="ko-KR" dirty="0"/>
+              <a:t>?</a:t>
+            </a:r>
+          </a:p>
+          <a:p>
+            <a:endParaRPr lang="en-US" altLang="ko-KR" dirty="0"/>
+          </a:p>
+          <a:p>
+            <a:endParaRPr lang="en-US" altLang="ko-KR" dirty="0">
+              <a:solidFill>
+                <a:srgbClr val="FF0000"/>
+              </a:solidFill>
+            </a:endParaRPr>
+          </a:p>
+          <a:p>
+            <a:r>
+              <a:rPr lang="en-US" altLang="ko-KR" dirty="0">
+                <a:solidFill>
+                  <a:srgbClr val="FF0000"/>
+                </a:solidFill>
+              </a:rPr>
+              <a:t>Clone.</a:t>
+            </a:r>
+            <a:r>
+              <a:rPr lang="ko-KR" altLang="en-US" dirty="0">
+                <a:solidFill>
+                  <a:srgbClr val="FF0000"/>
+                </a:solidFill>
+              </a:rPr>
+              <a:t>하면 </a:t>
+            </a:r>
+            <a:r>
+              <a:rPr lang="en-US" altLang="ko-KR" dirty="0">
+                <a:solidFill>
+                  <a:srgbClr val="FF0000"/>
+                </a:solidFill>
+              </a:rPr>
+              <a:t>main</a:t>
+            </a:r>
+            <a:r>
+              <a:rPr lang="ko-KR" altLang="en-US" dirty="0">
+                <a:solidFill>
+                  <a:srgbClr val="FF0000"/>
+                </a:solidFill>
+              </a:rPr>
+              <a:t>만 </a:t>
+            </a:r>
+            <a:r>
+              <a:rPr lang="en-US" altLang="ko-KR" dirty="0">
+                <a:solidFill>
+                  <a:srgbClr val="FF0000"/>
+                </a:solidFill>
+              </a:rPr>
+              <a:t>pull</a:t>
+            </a:r>
+            <a:r>
+              <a:rPr lang="ko-KR" altLang="en-US" dirty="0">
+                <a:solidFill>
+                  <a:srgbClr val="FF0000"/>
+                </a:solidFill>
+              </a:rPr>
+              <a:t> 되나</a:t>
+            </a:r>
+            <a:r>
+              <a:rPr lang="en-US" altLang="ko-KR" dirty="0">
+                <a:solidFill>
+                  <a:srgbClr val="FF0000"/>
+                </a:solidFill>
+              </a:rPr>
+              <a:t>?</a:t>
+            </a:r>
+          </a:p>
+          <a:p>
+            <a:r>
+              <a:rPr lang="en-US" altLang="ko-KR" dirty="0">
+                <a:solidFill>
+                  <a:srgbClr val="FF0000"/>
+                </a:solidFill>
+              </a:rPr>
+              <a:t>Origin</a:t>
+            </a:r>
+            <a:r>
+              <a:rPr lang="ko-KR" altLang="en-US" dirty="0">
+                <a:solidFill>
+                  <a:srgbClr val="FF0000"/>
+                </a:solidFill>
+              </a:rPr>
+              <a:t>에서 </a:t>
+            </a:r>
+            <a:r>
+              <a:rPr lang="en-US" altLang="ko-KR" dirty="0">
+                <a:solidFill>
+                  <a:srgbClr val="FF0000"/>
+                </a:solidFill>
+              </a:rPr>
+              <a:t>fork </a:t>
+            </a:r>
+            <a:r>
+              <a:rPr lang="ko-KR" altLang="en-US" dirty="0">
+                <a:solidFill>
+                  <a:srgbClr val="FF0000"/>
+                </a:solidFill>
+              </a:rPr>
+              <a:t>연결없이 </a:t>
+            </a:r>
+            <a:r>
+              <a:rPr lang="en-US" altLang="ko-KR" dirty="0" err="1">
+                <a:solidFill>
+                  <a:srgbClr val="FF0000"/>
+                </a:solidFill>
+              </a:rPr>
+              <a:t>upsream</a:t>
+            </a:r>
+            <a:r>
+              <a:rPr lang="ko-KR" altLang="en-US" dirty="0">
+                <a:solidFill>
+                  <a:srgbClr val="FF0000"/>
+                </a:solidFill>
+              </a:rPr>
+              <a:t>에 </a:t>
+            </a:r>
+            <a:r>
+              <a:rPr lang="en-US" altLang="ko-KR" dirty="0">
+                <a:solidFill>
+                  <a:srgbClr val="FF0000"/>
+                </a:solidFill>
+              </a:rPr>
+              <a:t>PR</a:t>
+            </a:r>
+            <a:r>
+              <a:rPr lang="ko-KR" altLang="en-US" dirty="0">
+                <a:solidFill>
+                  <a:srgbClr val="FF0000"/>
+                </a:solidFill>
+              </a:rPr>
+              <a:t> 이 되나</a:t>
+            </a:r>
+            <a:r>
+              <a:rPr lang="en-US" altLang="ko-KR" dirty="0">
+                <a:solidFill>
+                  <a:srgbClr val="FF0000"/>
+                </a:solidFill>
+              </a:rPr>
+              <a:t>?</a:t>
+            </a:r>
+          </a:p>
+          <a:p>
+            <a:r>
+              <a:rPr lang="en-US" altLang="ko-KR" dirty="0">
+                <a:solidFill>
+                  <a:srgbClr val="FF0000"/>
+                </a:solidFill>
+              </a:rPr>
+              <a:t>Open </a:t>
+            </a:r>
+            <a:r>
+              <a:rPr lang="ko-KR" altLang="en-US" dirty="0">
+                <a:solidFill>
+                  <a:srgbClr val="FF0000"/>
+                </a:solidFill>
+              </a:rPr>
+              <a:t>소스 활동하고 </a:t>
+            </a:r>
+            <a:r>
+              <a:rPr lang="ko-KR" altLang="en-US" dirty="0" err="1">
+                <a:solidFill>
+                  <a:srgbClr val="FF0000"/>
+                </a:solidFill>
+              </a:rPr>
+              <a:t>정리시</a:t>
+            </a:r>
+            <a:r>
+              <a:rPr lang="ko-KR" altLang="en-US" dirty="0">
+                <a:solidFill>
+                  <a:srgbClr val="FF0000"/>
+                </a:solidFill>
+              </a:rPr>
+              <a:t> 로컬에서 </a:t>
+            </a:r>
+            <a:r>
+              <a:rPr lang="en-US" altLang="ko-KR" dirty="0">
+                <a:solidFill>
+                  <a:srgbClr val="FF0000"/>
+                </a:solidFill>
+              </a:rPr>
+              <a:t>pull</a:t>
+            </a:r>
+            <a:r>
+              <a:rPr lang="ko-KR" altLang="en-US" dirty="0">
+                <a:solidFill>
+                  <a:srgbClr val="FF0000"/>
+                </a:solidFill>
+              </a:rPr>
+              <a:t>하지 말고</a:t>
+            </a:r>
+            <a:r>
+              <a:rPr lang="en-US" altLang="ko-KR" dirty="0">
+                <a:solidFill>
+                  <a:srgbClr val="FF0000"/>
+                </a:solidFill>
+              </a:rPr>
+              <a:t> origin</a:t>
+            </a:r>
+            <a:r>
+              <a:rPr lang="ko-KR" altLang="en-US" dirty="0">
+                <a:solidFill>
+                  <a:srgbClr val="FF0000"/>
+                </a:solidFill>
+              </a:rPr>
+              <a:t>에서 다시 </a:t>
+            </a:r>
+            <a:r>
+              <a:rPr lang="en-US" altLang="ko-KR" dirty="0">
+                <a:solidFill>
+                  <a:srgbClr val="FF0000"/>
+                </a:solidFill>
+              </a:rPr>
+              <a:t>fork</a:t>
+            </a:r>
+            <a:r>
+              <a:rPr lang="ko-KR" altLang="en-US" dirty="0">
+                <a:solidFill>
+                  <a:srgbClr val="FF0000"/>
+                </a:solidFill>
+              </a:rPr>
+              <a:t>하면 안되나</a:t>
+            </a:r>
+            <a:r>
+              <a:rPr lang="en-US" altLang="ko-KR">
+                <a:solidFill>
+                  <a:srgbClr val="FF0000"/>
+                </a:solidFill>
+              </a:rPr>
               <a:t>?</a:t>
             </a:r>
           </a:p>

--- a/git및github첫걸음6-정리중.pptx
+++ b/git및github첫걸음6-정리중.pptx
@@ -5,7 +5,7 @@
     <p:sldMasterId id="2147483660" r:id="rId1"/>
   </p:sldMasterIdLst>
   <p:notesMasterIdLst>
-    <p:notesMasterId r:id="rId41"/>
+    <p:notesMasterId r:id="rId42"/>
   </p:notesMasterIdLst>
   <p:sldIdLst>
     <p:sldId id="369" r:id="rId2"/>
@@ -47,6 +47,7 @@
     <p:sldId id="475" r:id="rId38"/>
     <p:sldId id="476" r:id="rId39"/>
     <p:sldId id="477" r:id="rId40"/>
+    <p:sldId id="479" r:id="rId41"/>
   </p:sldIdLst>
   <p:sldSz cx="9144000" cy="6858000" type="screen4x3"/>
   <p:notesSz cx="6858000" cy="9144000"/>
@@ -20947,7 +20948,7 @@
                   <a:srgbClr val="FF0000"/>
                 </a:solidFill>
               </a:rPr>
-              <a:t>?</a:t>
+              <a:t>? NO!!</a:t>
             </a:r>
           </a:p>
           <a:p>
@@ -21032,12 +21033,12 @@
               <a:t>하면 안되나</a:t>
             </a:r>
             <a:r>
-              <a:rPr lang="en-US" altLang="ko-KR">
+              <a:rPr lang="en-US" altLang="ko-KR" dirty="0">
                 <a:solidFill>
                   <a:srgbClr val="FF0000"/>
                 </a:solidFill>
               </a:rPr>
-              <a:t>?</a:t>
+              <a:t>? </a:t>
             </a:r>
           </a:p>
         </p:txBody>
@@ -21158,6 +21159,485 @@
     <p:extLst>
       <p:ext uri="{BB962C8B-B14F-4D97-AF65-F5344CB8AC3E}">
         <p14:creationId xmlns:p14="http://schemas.microsoft.com/office/powerpoint/2010/main" val="3843119587"/>
+      </p:ext>
+    </p:extLst>
+  </p:cSld>
+  <p:clrMapOvr>
+    <a:masterClrMapping/>
+  </p:clrMapOvr>
+</p:sld>
+</file>
+
+<file path=ppt/slides/slide40.xml><?xml version="1.0" encoding="utf-8"?>
+<p:sld xmlns:a="http://schemas.openxmlformats.org/drawingml/2006/main" xmlns:r="http://schemas.openxmlformats.org/officeDocument/2006/relationships" xmlns:p="http://schemas.openxmlformats.org/presentationml/2006/main">
+  <p:cSld>
+    <p:spTree>
+      <p:nvGrpSpPr>
+        <p:cNvPr id="1" name=""/>
+        <p:cNvGrpSpPr/>
+        <p:nvPr/>
+      </p:nvGrpSpPr>
+      <p:grpSpPr>
+        <a:xfrm>
+          <a:off x="0" y="0"/>
+          <a:ext cx="0" cy="0"/>
+          <a:chOff x="0" y="0"/>
+          <a:chExt cx="0" cy="0"/>
+        </a:xfrm>
+      </p:grpSpPr>
+      <p:sp>
+        <p:nvSpPr>
+          <p:cNvPr id="4" name="제목 3">
+            <a:extLst>
+              <a:ext uri="{FF2B5EF4-FFF2-40B4-BE49-F238E27FC236}">
+                <a16:creationId xmlns:a16="http://schemas.microsoft.com/office/drawing/2014/main" id="{F0CEB32B-CB43-4410-BA08-A97E4BC47FCB}"/>
+              </a:ext>
+            </a:extLst>
+          </p:cNvPr>
+          <p:cNvSpPr>
+            <a:spLocks noGrp="1"/>
+          </p:cNvSpPr>
+          <p:nvPr>
+            <p:ph type="title"/>
+          </p:nvPr>
+        </p:nvSpPr>
+        <p:spPr/>
+        <p:txBody>
+          <a:bodyPr/>
+          <a:lstStyle/>
+          <a:p>
+            <a:r>
+              <a:rPr lang="ko-KR" altLang="en-US" dirty="0"/>
+              <a:t>협업방식 </a:t>
+            </a:r>
+            <a:r>
+              <a:rPr lang="en-US" altLang="ko-KR" dirty="0"/>
+              <a:t>1</a:t>
+            </a:r>
+            <a:endParaRPr lang="ko-KR" altLang="en-US" dirty="0"/>
+          </a:p>
+        </p:txBody>
+      </p:sp>
+      <p:sp>
+        <p:nvSpPr>
+          <p:cNvPr id="5" name="내용 개체 틀 4">
+            <a:extLst>
+              <a:ext uri="{FF2B5EF4-FFF2-40B4-BE49-F238E27FC236}">
+                <a16:creationId xmlns:a16="http://schemas.microsoft.com/office/drawing/2014/main" id="{48DB0CC3-2321-4F7D-83F1-DDCF2E040E0D}"/>
+              </a:ext>
+            </a:extLst>
+          </p:cNvPr>
+          <p:cNvSpPr>
+            <a:spLocks noGrp="1"/>
+          </p:cNvSpPr>
+          <p:nvPr>
+            <p:ph idx="1"/>
+          </p:nvPr>
+        </p:nvSpPr>
+        <p:spPr>
+          <a:xfrm>
+            <a:off x="250825" y="1000221"/>
+            <a:ext cx="8641655" cy="3448489"/>
+          </a:xfrm>
+        </p:spPr>
+        <p:txBody>
+          <a:bodyPr tIns="0" bIns="0">
+            <a:noAutofit/>
+          </a:bodyPr>
+          <a:lstStyle/>
+          <a:p>
+            <a:pPr>
+              <a:buClr>
+                <a:schemeClr val="tx1">
+                  <a:lumMod val="65000"/>
+                  <a:lumOff val="35000"/>
+                </a:schemeClr>
+              </a:buClr>
+              <a:defRPr/>
+            </a:pPr>
+            <a:r>
+              <a:rPr lang="ko-KR" altLang="en-US" dirty="0"/>
+              <a:t>마지막 정리 단계</a:t>
+            </a:r>
+            <a:r>
+              <a:rPr lang="en-US" altLang="ko-KR" dirty="0"/>
+              <a:t>)</a:t>
+            </a:r>
+          </a:p>
+          <a:p>
+            <a:pPr marL="534988" lvl="1" indent="-268288">
+              <a:spcBef>
+                <a:spcPts val="0"/>
+              </a:spcBef>
+              <a:spcAft>
+                <a:spcPts val="0"/>
+              </a:spcAft>
+              <a:buClr>
+                <a:schemeClr val="tx1">
+                  <a:lumMod val="65000"/>
+                  <a:lumOff val="35000"/>
+                </a:schemeClr>
+              </a:buClr>
+              <a:buFont typeface="+mj-ea"/>
+              <a:buAutoNum type="circleNumDbPlain"/>
+              <a:defRPr/>
+            </a:pPr>
+            <a:r>
+              <a:rPr lang="en-US" altLang="ko-KR" dirty="0"/>
+              <a:t>Sibling</a:t>
+            </a:r>
+            <a:r>
+              <a:rPr lang="ko-KR" altLang="en-US" dirty="0"/>
+              <a:t> </a:t>
+            </a:r>
+            <a:r>
+              <a:rPr lang="en-US" altLang="ko-KR" dirty="0"/>
+              <a:t>:</a:t>
+            </a:r>
+            <a:r>
+              <a:rPr lang="ko-KR" altLang="en-US" dirty="0"/>
+              <a:t> </a:t>
+            </a:r>
+            <a:r>
+              <a:rPr lang="en-US" altLang="ko-KR" dirty="0" err="1"/>
+              <a:t>prtest</a:t>
+            </a:r>
+            <a:r>
+              <a:rPr lang="en-US" altLang="ko-KR" dirty="0"/>
+              <a:t> fork from </a:t>
+            </a:r>
+            <a:r>
+              <a:rPr lang="en-US" altLang="ko-KR" dirty="0" err="1"/>
+              <a:t>fasthill</a:t>
+            </a:r>
+            <a:endParaRPr lang="en-US" altLang="ko-KR" dirty="0"/>
+          </a:p>
+          <a:p>
+            <a:pPr marL="534988" lvl="1" indent="-268288">
+              <a:spcBef>
+                <a:spcPts val="0"/>
+              </a:spcBef>
+              <a:spcAft>
+                <a:spcPts val="0"/>
+              </a:spcAft>
+              <a:buClr>
+                <a:schemeClr val="tx1">
+                  <a:lumMod val="65000"/>
+                  <a:lumOff val="35000"/>
+                </a:schemeClr>
+              </a:buClr>
+              <a:buFont typeface="+mj-ea"/>
+              <a:buAutoNum type="circleNumDbPlain"/>
+              <a:defRPr/>
+            </a:pPr>
+            <a:r>
+              <a:rPr lang="en-US" altLang="ko-KR" dirty="0"/>
+              <a:t>Clone to local</a:t>
+            </a:r>
+          </a:p>
+          <a:p>
+            <a:pPr marL="534988" lvl="1" indent="-268288">
+              <a:spcBef>
+                <a:spcPts val="0"/>
+              </a:spcBef>
+              <a:spcAft>
+                <a:spcPts val="0"/>
+              </a:spcAft>
+              <a:buClr>
+                <a:schemeClr val="tx1">
+                  <a:lumMod val="65000"/>
+                  <a:lumOff val="35000"/>
+                </a:schemeClr>
+              </a:buClr>
+              <a:buFont typeface="+mj-ea"/>
+              <a:buAutoNum type="circleNumDbPlain"/>
+              <a:defRPr/>
+            </a:pPr>
+            <a:r>
+              <a:rPr lang="en-US" altLang="ko-KR" dirty="0"/>
+              <a:t>Commit from local</a:t>
+            </a:r>
+          </a:p>
+          <a:p>
+            <a:pPr marL="534988" lvl="1" indent="-268288">
+              <a:spcBef>
+                <a:spcPts val="0"/>
+              </a:spcBef>
+              <a:spcAft>
+                <a:spcPts val="0"/>
+              </a:spcAft>
+              <a:buClr>
+                <a:schemeClr val="tx1">
+                  <a:lumMod val="65000"/>
+                  <a:lumOff val="35000"/>
+                </a:schemeClr>
+              </a:buClr>
+              <a:buFont typeface="+mj-ea"/>
+              <a:buAutoNum type="circleNumDbPlain"/>
+              <a:defRPr/>
+            </a:pPr>
+            <a:r>
+              <a:rPr lang="en-US" altLang="ko-KR" dirty="0"/>
+              <a:t>Push to origin</a:t>
+            </a:r>
+          </a:p>
+          <a:p>
+            <a:pPr marL="534988" lvl="1" indent="-268288">
+              <a:spcBef>
+                <a:spcPts val="0"/>
+              </a:spcBef>
+              <a:spcAft>
+                <a:spcPts val="0"/>
+              </a:spcAft>
+              <a:buClr>
+                <a:schemeClr val="tx1">
+                  <a:lumMod val="65000"/>
+                  <a:lumOff val="35000"/>
+                </a:schemeClr>
+              </a:buClr>
+              <a:buFont typeface="+mj-ea"/>
+              <a:buAutoNum type="circleNumDbPlain"/>
+              <a:defRPr/>
+            </a:pPr>
+            <a:r>
+              <a:rPr lang="en-US" altLang="ko-KR" dirty="0" err="1"/>
+              <a:t>Pr</a:t>
+            </a:r>
+            <a:r>
+              <a:rPr lang="en-US" altLang="ko-KR" dirty="0"/>
+              <a:t> to sibling</a:t>
+            </a:r>
+          </a:p>
+          <a:p>
+            <a:pPr marL="534988" lvl="1" indent="-268288">
+              <a:spcBef>
+                <a:spcPts val="0"/>
+              </a:spcBef>
+              <a:spcAft>
+                <a:spcPts val="0"/>
+              </a:spcAft>
+              <a:buClr>
+                <a:schemeClr val="tx1">
+                  <a:lumMod val="65000"/>
+                  <a:lumOff val="35000"/>
+                </a:schemeClr>
+              </a:buClr>
+              <a:buFont typeface="+mj-ea"/>
+              <a:buAutoNum type="circleNumDbPlain"/>
+              <a:defRPr/>
+            </a:pPr>
+            <a:r>
+              <a:rPr lang="en-US" altLang="ko-KR" dirty="0"/>
+              <a:t>Fork to </a:t>
+            </a:r>
+            <a:r>
+              <a:rPr lang="en-US" altLang="ko-KR" dirty="0" err="1"/>
+              <a:t>fasthill</a:t>
+            </a:r>
+            <a:r>
+              <a:rPr lang="en-US" altLang="ko-KR" dirty="0"/>
+              <a:t> : </a:t>
+            </a:r>
+            <a:r>
+              <a:rPr lang="ko-KR" altLang="en-US" dirty="0"/>
+              <a:t>결과는 </a:t>
+            </a:r>
+            <a:r>
+              <a:rPr lang="en-US" altLang="ko-KR" dirty="0"/>
+              <a:t>you’ve already forked ! </a:t>
+            </a:r>
+            <a:r>
+              <a:rPr lang="ko-KR" altLang="en-US" dirty="0"/>
+              <a:t>바뀌지 않음</a:t>
+            </a:r>
+            <a:r>
+              <a:rPr lang="en-US" altLang="ko-KR" dirty="0"/>
+              <a:t>. </a:t>
+            </a:r>
+            <a:r>
+              <a:rPr lang="ko-KR" altLang="en-US" dirty="0"/>
+              <a:t>방법 </a:t>
+            </a:r>
+            <a:r>
+              <a:rPr lang="en-US" altLang="ko-KR" dirty="0"/>
+              <a:t>2</a:t>
+            </a:r>
+            <a:r>
+              <a:rPr lang="ko-KR" altLang="en-US" dirty="0" err="1"/>
+              <a:t>ㅗ</a:t>
+            </a:r>
+            <a:endParaRPr lang="en-US" altLang="ko-KR" dirty="0"/>
+          </a:p>
+          <a:p>
+            <a:pPr marL="534988" lvl="1" indent="-268288">
+              <a:spcBef>
+                <a:spcPts val="0"/>
+              </a:spcBef>
+              <a:spcAft>
+                <a:spcPts val="0"/>
+              </a:spcAft>
+              <a:buClr>
+                <a:schemeClr val="tx1">
+                  <a:lumMod val="65000"/>
+                  <a:lumOff val="35000"/>
+                </a:schemeClr>
+              </a:buClr>
+              <a:buFont typeface="+mj-ea"/>
+              <a:buAutoNum type="circleNumDbPlain"/>
+              <a:defRPr/>
+            </a:pPr>
+            <a:r>
+              <a:rPr lang="en-US" altLang="ko-KR" dirty="0"/>
+              <a:t>Clone to local2</a:t>
+            </a:r>
+          </a:p>
+          <a:p>
+            <a:pPr marL="534988" lvl="1" indent="-268288">
+              <a:spcBef>
+                <a:spcPts val="0"/>
+              </a:spcBef>
+              <a:spcAft>
+                <a:spcPts val="0"/>
+              </a:spcAft>
+              <a:buClr>
+                <a:schemeClr val="tx1">
+                  <a:lumMod val="65000"/>
+                  <a:lumOff val="35000"/>
+                </a:schemeClr>
+              </a:buClr>
+              <a:buFont typeface="+mj-ea"/>
+              <a:buAutoNum type="circleNumDbPlain"/>
+              <a:defRPr/>
+            </a:pPr>
+            <a:endParaRPr lang="en-US" altLang="ko-KR" dirty="0"/>
+          </a:p>
+          <a:p>
+            <a:pPr marL="266700" lvl="1" indent="0">
+              <a:spcBef>
+                <a:spcPts val="0"/>
+              </a:spcBef>
+              <a:spcAft>
+                <a:spcPts val="0"/>
+              </a:spcAft>
+              <a:buClr>
+                <a:schemeClr val="tx1">
+                  <a:lumMod val="65000"/>
+                  <a:lumOff val="35000"/>
+                </a:schemeClr>
+              </a:buClr>
+              <a:buNone/>
+              <a:defRPr/>
+            </a:pPr>
+            <a:r>
+              <a:rPr lang="en-US" altLang="ko-KR" dirty="0"/>
+              <a:t>2 </a:t>
+            </a:r>
+            <a:r>
+              <a:rPr lang="ko-KR" altLang="en-US" dirty="0"/>
+              <a:t>방법</a:t>
+            </a:r>
+            <a:endParaRPr lang="en-US" altLang="ko-KR" dirty="0"/>
+          </a:p>
+          <a:p>
+            <a:pPr marL="609600" lvl="1" indent="-342900">
+              <a:spcBef>
+                <a:spcPts val="0"/>
+              </a:spcBef>
+              <a:spcAft>
+                <a:spcPts val="0"/>
+              </a:spcAft>
+              <a:buClr>
+                <a:schemeClr val="tx1">
+                  <a:lumMod val="65000"/>
+                  <a:lumOff val="35000"/>
+                </a:schemeClr>
+              </a:buClr>
+              <a:buFont typeface="+mj-ea"/>
+              <a:buAutoNum type="circleNumDbPlain" startAt="6"/>
+              <a:defRPr/>
+            </a:pPr>
+            <a:r>
+              <a:rPr lang="en-US" altLang="ko-KR" dirty="0"/>
+              <a:t>Pull</a:t>
+            </a:r>
+            <a:r>
+              <a:rPr lang="ko-KR" altLang="en-US" dirty="0"/>
+              <a:t> </a:t>
+            </a:r>
+            <a:r>
+              <a:rPr lang="en-US" altLang="ko-KR" dirty="0"/>
+              <a:t>to</a:t>
+            </a:r>
+            <a:r>
+              <a:rPr lang="ko-KR" altLang="en-US" dirty="0"/>
+              <a:t> </a:t>
+            </a:r>
+            <a:r>
+              <a:rPr lang="en-US" altLang="ko-KR" dirty="0"/>
+              <a:t>local</a:t>
+            </a:r>
+          </a:p>
+          <a:p>
+            <a:pPr marL="609600" lvl="1" indent="-342900">
+              <a:spcBef>
+                <a:spcPts val="0"/>
+              </a:spcBef>
+              <a:spcAft>
+                <a:spcPts val="0"/>
+              </a:spcAft>
+              <a:buClr>
+                <a:schemeClr val="tx1">
+                  <a:lumMod val="65000"/>
+                  <a:lumOff val="35000"/>
+                </a:schemeClr>
+              </a:buClr>
+              <a:buFont typeface="+mj-ea"/>
+              <a:buAutoNum type="circleNumDbPlain" startAt="6"/>
+              <a:defRPr/>
+            </a:pPr>
+            <a:r>
+              <a:rPr lang="en-US" altLang="ko-KR" dirty="0"/>
+              <a:t>Compare with local2 history</a:t>
+            </a:r>
+          </a:p>
+          <a:p>
+            <a:pPr marL="534988" lvl="1" indent="-268288">
+              <a:spcBef>
+                <a:spcPts val="0"/>
+              </a:spcBef>
+              <a:spcAft>
+                <a:spcPts val="0"/>
+              </a:spcAft>
+              <a:buClr>
+                <a:schemeClr val="tx1">
+                  <a:lumMod val="65000"/>
+                  <a:lumOff val="35000"/>
+                </a:schemeClr>
+              </a:buClr>
+              <a:buFont typeface="+mj-ea"/>
+              <a:buAutoNum type="circleNumDbPlain" startAt="6"/>
+              <a:defRPr/>
+            </a:pPr>
+            <a:endParaRPr lang="en-US" altLang="ko-KR" dirty="0"/>
+          </a:p>
+          <a:p>
+            <a:pPr>
+              <a:buClr>
+                <a:schemeClr val="tx1">
+                  <a:lumMod val="65000"/>
+                  <a:lumOff val="35000"/>
+                </a:schemeClr>
+              </a:buClr>
+              <a:defRPr/>
+            </a:pPr>
+            <a:endParaRPr lang="ko-KR" altLang="en-US" dirty="0"/>
+          </a:p>
+        </p:txBody>
+      </p:sp>
+    </p:spTree>
+    <p:extLst>
+      <p:ext uri="{BB962C8B-B14F-4D97-AF65-F5344CB8AC3E}">
+        <p14:creationId xmlns:p14="http://schemas.microsoft.com/office/powerpoint/2010/main" val="4219986931"/>
       </p:ext>
     </p:extLst>
   </p:cSld>
